--- a/DataHorizon.pptx
+++ b/DataHorizon.pptx
@@ -10,6 +10,7 @@
     <p:sldId id="259" r:id="rId4"/>
     <p:sldId id="260" r:id="rId5"/>
     <p:sldId id="261" r:id="rId6"/>
+    <p:sldId id="262" r:id="rId7"/>
   </p:sldIdLst>
   <p:sldSz cx="12192000" cy="6858000"/>
   <p:notesSz cx="6858000" cy="9144000"/>
@@ -119,7 +120,7 @@
 <file path=ppt/revisionInfo.xml><?xml version="1.0" encoding="utf-8"?>
 <p1510:revInfo xmlns:a="http://schemas.openxmlformats.org/drawingml/2006/main" xmlns:r="http://schemas.openxmlformats.org/officeDocument/2006/relationships" xmlns:p1510="http://schemas.microsoft.com/office/powerpoint/2015/10/main">
   <p1510:revLst>
-    <p1510:client id="{41DF914D-9D01-4B99-9EAD-184C29A11D2A}" v="246" dt="2021-02-24T19:27:10.665"/>
+    <p1510:client id="{41DF914D-9D01-4B99-9EAD-184C29A11D2A}" v="936" dt="2021-03-01T13:55:15.134"/>
   </p1510:revLst>
 </p1510:revInfo>
 </file>
@@ -342,7 +343,7 @@
   <pc:docChgLst>
     <pc:chgData name="Balamurugan Balakreshnan" userId="35e9483b-bf32-4d17-a07b-837bc83be0f5" providerId="ADAL" clId="{41DF914D-9D01-4B99-9EAD-184C29A11D2A}"/>
     <pc:docChg chg="undo custSel addSld modSld">
-      <pc:chgData name="Balamurugan Balakreshnan" userId="35e9483b-bf32-4d17-a07b-837bc83be0f5" providerId="ADAL" clId="{41DF914D-9D01-4B99-9EAD-184C29A11D2A}" dt="2021-02-24T19:27:17.052" v="324" actId="1076"/>
+      <pc:chgData name="Balamurugan Balakreshnan" userId="35e9483b-bf32-4d17-a07b-837bc83be0f5" providerId="ADAL" clId="{41DF914D-9D01-4B99-9EAD-184C29A11D2A}" dt="2021-03-01T13:55:47.056" v="1056" actId="1076"/>
       <pc:docMkLst>
         <pc:docMk/>
       </pc:docMkLst>
@@ -526,6 +527,69 @@
           </ac:graphicFrameMkLst>
         </pc:graphicFrameChg>
       </pc:sldChg>
+      <pc:sldChg chg="addSp delSp modSp new mod">
+        <pc:chgData name="Balamurugan Balakreshnan" userId="35e9483b-bf32-4d17-a07b-837bc83be0f5" providerId="ADAL" clId="{41DF914D-9D01-4B99-9EAD-184C29A11D2A}" dt="2021-03-01T13:55:47.056" v="1056" actId="1076"/>
+        <pc:sldMkLst>
+          <pc:docMk/>
+          <pc:sldMk cId="45177834" sldId="262"/>
+        </pc:sldMkLst>
+        <pc:spChg chg="mod">
+          <ac:chgData name="Balamurugan Balakreshnan" userId="35e9483b-bf32-4d17-a07b-837bc83be0f5" providerId="ADAL" clId="{41DF914D-9D01-4B99-9EAD-184C29A11D2A}" dt="2021-03-01T13:48:32.575" v="1015" actId="14100"/>
+          <ac:spMkLst>
+            <pc:docMk/>
+            <pc:sldMk cId="45177834" sldId="262"/>
+            <ac:spMk id="2" creationId="{F7FA4773-6B83-484D-A53E-819591F6CACC}"/>
+          </ac:spMkLst>
+        </pc:spChg>
+        <pc:spChg chg="del">
+          <ac:chgData name="Balamurugan Balakreshnan" userId="35e9483b-bf32-4d17-a07b-837bc83be0f5" providerId="ADAL" clId="{41DF914D-9D01-4B99-9EAD-184C29A11D2A}" dt="2021-03-01T13:32:34.122" v="326" actId="1032"/>
+          <ac:spMkLst>
+            <pc:docMk/>
+            <pc:sldMk cId="45177834" sldId="262"/>
+            <ac:spMk id="3" creationId="{A9ED5F53-43A5-439A-9C76-B0F47E050D26}"/>
+          </ac:spMkLst>
+        </pc:spChg>
+        <pc:spChg chg="add mod">
+          <ac:chgData name="Balamurugan Balakreshnan" userId="35e9483b-bf32-4d17-a07b-837bc83be0f5" providerId="ADAL" clId="{41DF914D-9D01-4B99-9EAD-184C29A11D2A}" dt="2021-03-01T13:55:47.056" v="1056" actId="1076"/>
+          <ac:spMkLst>
+            <pc:docMk/>
+            <pc:sldMk cId="45177834" sldId="262"/>
+            <ac:spMk id="6" creationId="{2AC4C208-2016-4261-A03C-50C5149C6E15}"/>
+          </ac:spMkLst>
+        </pc:spChg>
+        <pc:spChg chg="add mod">
+          <ac:chgData name="Balamurugan Balakreshnan" userId="35e9483b-bf32-4d17-a07b-837bc83be0f5" providerId="ADAL" clId="{41DF914D-9D01-4B99-9EAD-184C29A11D2A}" dt="2021-03-01T13:55:36.342" v="1054" actId="1076"/>
+          <ac:spMkLst>
+            <pc:docMk/>
+            <pc:sldMk cId="45177834" sldId="262"/>
+            <ac:spMk id="8" creationId="{67265ADA-C9EA-4930-9A56-424E232C1536}"/>
+          </ac:spMkLst>
+        </pc:spChg>
+        <pc:spChg chg="add mod">
+          <ac:chgData name="Balamurugan Balakreshnan" userId="35e9483b-bf32-4d17-a07b-837bc83be0f5" providerId="ADAL" clId="{41DF914D-9D01-4B99-9EAD-184C29A11D2A}" dt="2021-03-01T13:55:40.991" v="1055" actId="1076"/>
+          <ac:spMkLst>
+            <pc:docMk/>
+            <pc:sldMk cId="45177834" sldId="262"/>
+            <ac:spMk id="10" creationId="{50DA0290-4D87-4385-BA83-0530FF6EB07B}"/>
+          </ac:spMkLst>
+        </pc:spChg>
+        <pc:spChg chg="add del mod">
+          <ac:chgData name="Balamurugan Balakreshnan" userId="35e9483b-bf32-4d17-a07b-837bc83be0f5" providerId="ADAL" clId="{41DF914D-9D01-4B99-9EAD-184C29A11D2A}" dt="2021-03-01T13:47:44.515" v="1009" actId="478"/>
+          <ac:spMkLst>
+            <pc:docMk/>
+            <pc:sldMk cId="45177834" sldId="262"/>
+            <ac:spMk id="12" creationId="{FCA21673-3BB1-4690-8ECF-D87D8B933187}"/>
+          </ac:spMkLst>
+        </pc:spChg>
+        <pc:graphicFrameChg chg="add del mod modGraphic">
+          <ac:chgData name="Balamurugan Balakreshnan" userId="35e9483b-bf32-4d17-a07b-837bc83be0f5" providerId="ADAL" clId="{41DF914D-9D01-4B99-9EAD-184C29A11D2A}" dt="2021-03-01T13:55:29.481" v="1053" actId="1076"/>
+          <ac:graphicFrameMkLst>
+            <pc:docMk/>
+            <pc:sldMk cId="45177834" sldId="262"/>
+            <ac:graphicFrameMk id="4" creationId="{D0A1CC99-961D-40D7-A4BC-05AEFDCC8BAB}"/>
+          </ac:graphicFrameMkLst>
+        </pc:graphicFrameChg>
+      </pc:sldChg>
     </pc:docChg>
   </pc:docChgLst>
 </pc:chgInfo>
@@ -5014,6 +5078,753 @@
 </file>
 
 <file path=ppt/diagrams/colors7.xml><?xml version="1.0" encoding="utf-8"?>
+<dgm:colorsDef xmlns:dgm="http://schemas.openxmlformats.org/drawingml/2006/diagram" xmlns:a="http://schemas.openxmlformats.org/drawingml/2006/main" uniqueId="urn:microsoft.com/office/officeart/2005/8/colors/accent1_2">
+  <dgm:title val=""/>
+  <dgm:desc val=""/>
+  <dgm:catLst>
+    <dgm:cat type="accent1" pri="11200"/>
+  </dgm:catLst>
+  <dgm:styleLbl name="node0">
+    <dgm:fillClrLst meth="repeat">
+      <a:schemeClr val="accent1"/>
+    </dgm:fillClrLst>
+    <dgm:linClrLst meth="repeat">
+      <a:schemeClr val="lt1"/>
+    </dgm:linClrLst>
+    <dgm:effectClrLst/>
+    <dgm:txLinClrLst/>
+    <dgm:txFillClrLst/>
+    <dgm:txEffectClrLst/>
+  </dgm:styleLbl>
+  <dgm:styleLbl name="alignNode1">
+    <dgm:fillClrLst meth="repeat">
+      <a:schemeClr val="accent1"/>
+    </dgm:fillClrLst>
+    <dgm:linClrLst meth="repeat">
+      <a:schemeClr val="accent1"/>
+    </dgm:linClrLst>
+    <dgm:effectClrLst/>
+    <dgm:txLinClrLst/>
+    <dgm:txFillClrLst/>
+    <dgm:txEffectClrLst/>
+  </dgm:styleLbl>
+  <dgm:styleLbl name="node1">
+    <dgm:fillClrLst meth="repeat">
+      <a:schemeClr val="accent1"/>
+    </dgm:fillClrLst>
+    <dgm:linClrLst meth="repeat">
+      <a:schemeClr val="lt1"/>
+    </dgm:linClrLst>
+    <dgm:effectClrLst/>
+    <dgm:txLinClrLst/>
+    <dgm:txFillClrLst/>
+    <dgm:txEffectClrLst/>
+  </dgm:styleLbl>
+  <dgm:styleLbl name="lnNode1">
+    <dgm:fillClrLst meth="repeat">
+      <a:schemeClr val="accent1"/>
+    </dgm:fillClrLst>
+    <dgm:linClrLst meth="repeat">
+      <a:schemeClr val="lt1"/>
+    </dgm:linClrLst>
+    <dgm:effectClrLst/>
+    <dgm:txLinClrLst/>
+    <dgm:txFillClrLst/>
+    <dgm:txEffectClrLst/>
+  </dgm:styleLbl>
+  <dgm:styleLbl name="vennNode1">
+    <dgm:fillClrLst meth="repeat">
+      <a:schemeClr val="accent1">
+        <a:alpha val="50000"/>
+      </a:schemeClr>
+    </dgm:fillClrLst>
+    <dgm:linClrLst meth="repeat">
+      <a:schemeClr val="lt1"/>
+    </dgm:linClrLst>
+    <dgm:effectClrLst/>
+    <dgm:txLinClrLst/>
+    <dgm:txFillClrLst/>
+    <dgm:txEffectClrLst/>
+  </dgm:styleLbl>
+  <dgm:styleLbl name="node2">
+    <dgm:fillClrLst meth="repeat">
+      <a:schemeClr val="accent1"/>
+    </dgm:fillClrLst>
+    <dgm:linClrLst meth="repeat">
+      <a:schemeClr val="lt1"/>
+    </dgm:linClrLst>
+    <dgm:effectClrLst/>
+    <dgm:txLinClrLst/>
+    <dgm:txFillClrLst/>
+    <dgm:txEffectClrLst/>
+  </dgm:styleLbl>
+  <dgm:styleLbl name="node3">
+    <dgm:fillClrLst meth="repeat">
+      <a:schemeClr val="accent1"/>
+    </dgm:fillClrLst>
+    <dgm:linClrLst meth="repeat">
+      <a:schemeClr val="lt1"/>
+    </dgm:linClrLst>
+    <dgm:effectClrLst/>
+    <dgm:txLinClrLst/>
+    <dgm:txFillClrLst/>
+    <dgm:txEffectClrLst/>
+  </dgm:styleLbl>
+  <dgm:styleLbl name="node4">
+    <dgm:fillClrLst meth="repeat">
+      <a:schemeClr val="accent1"/>
+    </dgm:fillClrLst>
+    <dgm:linClrLst meth="repeat">
+      <a:schemeClr val="lt1"/>
+    </dgm:linClrLst>
+    <dgm:effectClrLst/>
+    <dgm:txLinClrLst/>
+    <dgm:txFillClrLst/>
+    <dgm:txEffectClrLst/>
+  </dgm:styleLbl>
+  <dgm:styleLbl name="fgImgPlace1">
+    <dgm:fillClrLst meth="repeat">
+      <a:schemeClr val="accent1">
+        <a:tint val="50000"/>
+      </a:schemeClr>
+    </dgm:fillClrLst>
+    <dgm:linClrLst meth="repeat">
+      <a:schemeClr val="lt1"/>
+    </dgm:linClrLst>
+    <dgm:effectClrLst/>
+    <dgm:txLinClrLst/>
+    <dgm:txFillClrLst meth="repeat">
+      <a:schemeClr val="lt1"/>
+    </dgm:txFillClrLst>
+    <dgm:txEffectClrLst/>
+  </dgm:styleLbl>
+  <dgm:styleLbl name="alignImgPlace1">
+    <dgm:fillClrLst meth="repeat">
+      <a:schemeClr val="accent1">
+        <a:tint val="50000"/>
+      </a:schemeClr>
+    </dgm:fillClrLst>
+    <dgm:linClrLst meth="repeat">
+      <a:schemeClr val="lt1"/>
+    </dgm:linClrLst>
+    <dgm:effectClrLst/>
+    <dgm:txLinClrLst/>
+    <dgm:txFillClrLst meth="repeat">
+      <a:schemeClr val="lt1"/>
+    </dgm:txFillClrLst>
+    <dgm:txEffectClrLst/>
+  </dgm:styleLbl>
+  <dgm:styleLbl name="bgImgPlace1">
+    <dgm:fillClrLst meth="repeat">
+      <a:schemeClr val="accent1">
+        <a:tint val="50000"/>
+      </a:schemeClr>
+    </dgm:fillClrLst>
+    <dgm:linClrLst meth="repeat">
+      <a:schemeClr val="lt1"/>
+    </dgm:linClrLst>
+    <dgm:effectClrLst/>
+    <dgm:txLinClrLst/>
+    <dgm:txFillClrLst meth="repeat">
+      <a:schemeClr val="lt1"/>
+    </dgm:txFillClrLst>
+    <dgm:txEffectClrLst/>
+  </dgm:styleLbl>
+  <dgm:styleLbl name="sibTrans2D1">
+    <dgm:fillClrLst meth="repeat">
+      <a:schemeClr val="accent1">
+        <a:tint val="60000"/>
+      </a:schemeClr>
+    </dgm:fillClrLst>
+    <dgm:linClrLst meth="repeat">
+      <a:schemeClr val="accent1">
+        <a:tint val="60000"/>
+      </a:schemeClr>
+    </dgm:linClrLst>
+    <dgm:effectClrLst/>
+    <dgm:txLinClrLst/>
+    <dgm:txFillClrLst/>
+    <dgm:txEffectClrLst/>
+  </dgm:styleLbl>
+  <dgm:styleLbl name="fgSibTrans2D1">
+    <dgm:fillClrLst meth="repeat">
+      <a:schemeClr val="accent1">
+        <a:tint val="60000"/>
+      </a:schemeClr>
+    </dgm:fillClrLst>
+    <dgm:linClrLst meth="repeat">
+      <a:schemeClr val="accent1">
+        <a:tint val="60000"/>
+      </a:schemeClr>
+    </dgm:linClrLst>
+    <dgm:effectClrLst/>
+    <dgm:txLinClrLst/>
+    <dgm:txFillClrLst/>
+    <dgm:txEffectClrLst/>
+  </dgm:styleLbl>
+  <dgm:styleLbl name="bgSibTrans2D1">
+    <dgm:fillClrLst meth="repeat">
+      <a:schemeClr val="accent1">
+        <a:tint val="60000"/>
+      </a:schemeClr>
+    </dgm:fillClrLst>
+    <dgm:linClrLst meth="repeat">
+      <a:schemeClr val="accent1">
+        <a:tint val="60000"/>
+      </a:schemeClr>
+    </dgm:linClrLst>
+    <dgm:effectClrLst/>
+    <dgm:txLinClrLst/>
+    <dgm:txFillClrLst/>
+    <dgm:txEffectClrLst/>
+  </dgm:styleLbl>
+  <dgm:styleLbl name="sibTrans1D1">
+    <dgm:fillClrLst meth="repeat">
+      <a:schemeClr val="accent1"/>
+    </dgm:fillClrLst>
+    <dgm:linClrLst meth="repeat">
+      <a:schemeClr val="accent1"/>
+    </dgm:linClrLst>
+    <dgm:effectClrLst/>
+    <dgm:txLinClrLst/>
+    <dgm:txFillClrLst meth="repeat">
+      <a:schemeClr val="tx1"/>
+    </dgm:txFillClrLst>
+    <dgm:txEffectClrLst/>
+  </dgm:styleLbl>
+  <dgm:styleLbl name="callout">
+    <dgm:fillClrLst meth="repeat">
+      <a:schemeClr val="accent1"/>
+    </dgm:fillClrLst>
+    <dgm:linClrLst meth="repeat">
+      <a:schemeClr val="accent1">
+        <a:tint val="50000"/>
+      </a:schemeClr>
+    </dgm:linClrLst>
+    <dgm:effectClrLst/>
+    <dgm:txLinClrLst/>
+    <dgm:txFillClrLst meth="repeat">
+      <a:schemeClr val="tx1"/>
+    </dgm:txFillClrLst>
+    <dgm:txEffectClrLst/>
+  </dgm:styleLbl>
+  <dgm:styleLbl name="asst0">
+    <dgm:fillClrLst meth="repeat">
+      <a:schemeClr val="accent1"/>
+    </dgm:fillClrLst>
+    <dgm:linClrLst meth="repeat">
+      <a:schemeClr val="lt1"/>
+    </dgm:linClrLst>
+    <dgm:effectClrLst/>
+    <dgm:txLinClrLst/>
+    <dgm:txFillClrLst/>
+    <dgm:txEffectClrLst/>
+  </dgm:styleLbl>
+  <dgm:styleLbl name="asst1">
+    <dgm:fillClrLst meth="repeat">
+      <a:schemeClr val="accent1"/>
+    </dgm:fillClrLst>
+    <dgm:linClrLst meth="repeat">
+      <a:schemeClr val="lt1"/>
+    </dgm:linClrLst>
+    <dgm:effectClrLst/>
+    <dgm:txLinClrLst/>
+    <dgm:txFillClrLst/>
+    <dgm:txEffectClrLst/>
+  </dgm:styleLbl>
+  <dgm:styleLbl name="asst2">
+    <dgm:fillClrLst meth="repeat">
+      <a:schemeClr val="accent1"/>
+    </dgm:fillClrLst>
+    <dgm:linClrLst meth="repeat">
+      <a:schemeClr val="lt1"/>
+    </dgm:linClrLst>
+    <dgm:effectClrLst/>
+    <dgm:txLinClrLst/>
+    <dgm:txFillClrLst/>
+    <dgm:txEffectClrLst/>
+  </dgm:styleLbl>
+  <dgm:styleLbl name="asst3">
+    <dgm:fillClrLst meth="repeat">
+      <a:schemeClr val="accent1"/>
+    </dgm:fillClrLst>
+    <dgm:linClrLst meth="repeat">
+      <a:schemeClr val="lt1"/>
+    </dgm:linClrLst>
+    <dgm:effectClrLst/>
+    <dgm:txLinClrLst/>
+    <dgm:txFillClrLst/>
+    <dgm:txEffectClrLst/>
+  </dgm:styleLbl>
+  <dgm:styleLbl name="asst4">
+    <dgm:fillClrLst meth="repeat">
+      <a:schemeClr val="accent1"/>
+    </dgm:fillClrLst>
+    <dgm:linClrLst meth="repeat">
+      <a:schemeClr val="lt1"/>
+    </dgm:linClrLst>
+    <dgm:effectClrLst/>
+    <dgm:txLinClrLst/>
+    <dgm:txFillClrLst/>
+    <dgm:txEffectClrLst/>
+  </dgm:styleLbl>
+  <dgm:styleLbl name="parChTrans2D1">
+    <dgm:fillClrLst meth="repeat">
+      <a:schemeClr val="accent1">
+        <a:tint val="60000"/>
+      </a:schemeClr>
+    </dgm:fillClrLst>
+    <dgm:linClrLst meth="repeat">
+      <a:schemeClr val="accent1">
+        <a:tint val="60000"/>
+      </a:schemeClr>
+    </dgm:linClrLst>
+    <dgm:effectClrLst/>
+    <dgm:txLinClrLst/>
+    <dgm:txFillClrLst meth="repeat">
+      <a:schemeClr val="lt1"/>
+    </dgm:txFillClrLst>
+    <dgm:txEffectClrLst/>
+  </dgm:styleLbl>
+  <dgm:styleLbl name="parChTrans2D2">
+    <dgm:fillClrLst meth="repeat">
+      <a:schemeClr val="accent1"/>
+    </dgm:fillClrLst>
+    <dgm:linClrLst meth="repeat">
+      <a:schemeClr val="accent1"/>
+    </dgm:linClrLst>
+    <dgm:effectClrLst/>
+    <dgm:txLinClrLst/>
+    <dgm:txFillClrLst meth="repeat">
+      <a:schemeClr val="lt1"/>
+    </dgm:txFillClrLst>
+    <dgm:txEffectClrLst/>
+  </dgm:styleLbl>
+  <dgm:styleLbl name="parChTrans2D3">
+    <dgm:fillClrLst meth="repeat">
+      <a:schemeClr val="accent1"/>
+    </dgm:fillClrLst>
+    <dgm:linClrLst meth="repeat">
+      <a:schemeClr val="accent1"/>
+    </dgm:linClrLst>
+    <dgm:effectClrLst/>
+    <dgm:txLinClrLst/>
+    <dgm:txFillClrLst meth="repeat">
+      <a:schemeClr val="lt1"/>
+    </dgm:txFillClrLst>
+    <dgm:txEffectClrLst/>
+  </dgm:styleLbl>
+  <dgm:styleLbl name="parChTrans2D4">
+    <dgm:fillClrLst meth="repeat">
+      <a:schemeClr val="accent1"/>
+    </dgm:fillClrLst>
+    <dgm:linClrLst meth="repeat">
+      <a:schemeClr val="accent1"/>
+    </dgm:linClrLst>
+    <dgm:effectClrLst/>
+    <dgm:txLinClrLst/>
+    <dgm:txFillClrLst meth="repeat">
+      <a:schemeClr val="lt1"/>
+    </dgm:txFillClrLst>
+    <dgm:txEffectClrLst/>
+  </dgm:styleLbl>
+  <dgm:styleLbl name="parChTrans1D1">
+    <dgm:fillClrLst meth="repeat">
+      <a:schemeClr val="accent1"/>
+    </dgm:fillClrLst>
+    <dgm:linClrLst meth="repeat">
+      <a:schemeClr val="accent1">
+        <a:shade val="60000"/>
+      </a:schemeClr>
+    </dgm:linClrLst>
+    <dgm:effectClrLst/>
+    <dgm:txLinClrLst/>
+    <dgm:txFillClrLst meth="repeat">
+      <a:schemeClr val="tx1"/>
+    </dgm:txFillClrLst>
+    <dgm:txEffectClrLst/>
+  </dgm:styleLbl>
+  <dgm:styleLbl name="parChTrans1D2">
+    <dgm:fillClrLst meth="repeat">
+      <a:schemeClr val="accent1"/>
+    </dgm:fillClrLst>
+    <dgm:linClrLst meth="repeat">
+      <a:schemeClr val="accent1">
+        <a:shade val="60000"/>
+      </a:schemeClr>
+    </dgm:linClrLst>
+    <dgm:effectClrLst/>
+    <dgm:txLinClrLst/>
+    <dgm:txFillClrLst meth="repeat">
+      <a:schemeClr val="tx1"/>
+    </dgm:txFillClrLst>
+    <dgm:txEffectClrLst/>
+  </dgm:styleLbl>
+  <dgm:styleLbl name="parChTrans1D3">
+    <dgm:fillClrLst meth="repeat">
+      <a:schemeClr val="accent1"/>
+    </dgm:fillClrLst>
+    <dgm:linClrLst meth="repeat">
+      <a:schemeClr val="accent1">
+        <a:shade val="80000"/>
+      </a:schemeClr>
+    </dgm:linClrLst>
+    <dgm:effectClrLst/>
+    <dgm:txLinClrLst/>
+    <dgm:txFillClrLst meth="repeat">
+      <a:schemeClr val="tx1"/>
+    </dgm:txFillClrLst>
+    <dgm:txEffectClrLst/>
+  </dgm:styleLbl>
+  <dgm:styleLbl name="parChTrans1D4">
+    <dgm:fillClrLst meth="repeat">
+      <a:schemeClr val="accent1"/>
+    </dgm:fillClrLst>
+    <dgm:linClrLst meth="repeat">
+      <a:schemeClr val="accent1">
+        <a:shade val="80000"/>
+      </a:schemeClr>
+    </dgm:linClrLst>
+    <dgm:effectClrLst/>
+    <dgm:txLinClrLst/>
+    <dgm:txFillClrLst meth="repeat">
+      <a:schemeClr val="tx1"/>
+    </dgm:txFillClrLst>
+    <dgm:txEffectClrLst/>
+  </dgm:styleLbl>
+  <dgm:styleLbl name="fgAcc1">
+    <dgm:fillClrLst meth="repeat">
+      <a:schemeClr val="lt1">
+        <a:alpha val="90000"/>
+      </a:schemeClr>
+    </dgm:fillClrLst>
+    <dgm:linClrLst meth="repeat">
+      <a:schemeClr val="accent1"/>
+    </dgm:linClrLst>
+    <dgm:effectClrLst/>
+    <dgm:txLinClrLst/>
+    <dgm:txFillClrLst meth="repeat">
+      <a:schemeClr val="dk1"/>
+    </dgm:txFillClrLst>
+    <dgm:txEffectClrLst/>
+  </dgm:styleLbl>
+  <dgm:styleLbl name="conFgAcc1">
+    <dgm:fillClrLst meth="repeat">
+      <a:schemeClr val="lt1">
+        <a:alpha val="90000"/>
+      </a:schemeClr>
+    </dgm:fillClrLst>
+    <dgm:linClrLst meth="repeat">
+      <a:schemeClr val="accent1"/>
+    </dgm:linClrLst>
+    <dgm:effectClrLst/>
+    <dgm:txLinClrLst/>
+    <dgm:txFillClrLst meth="repeat">
+      <a:schemeClr val="dk1"/>
+    </dgm:txFillClrLst>
+    <dgm:txEffectClrLst/>
+  </dgm:styleLbl>
+  <dgm:styleLbl name="alignAcc1">
+    <dgm:fillClrLst meth="repeat">
+      <a:schemeClr val="lt1">
+        <a:alpha val="90000"/>
+      </a:schemeClr>
+    </dgm:fillClrLst>
+    <dgm:linClrLst meth="repeat">
+      <a:schemeClr val="accent1"/>
+    </dgm:linClrLst>
+    <dgm:effectClrLst/>
+    <dgm:txLinClrLst/>
+    <dgm:txFillClrLst meth="repeat">
+      <a:schemeClr val="dk1"/>
+    </dgm:txFillClrLst>
+    <dgm:txEffectClrLst/>
+  </dgm:styleLbl>
+  <dgm:styleLbl name="trAlignAcc1">
+    <dgm:fillClrLst meth="repeat">
+      <a:schemeClr val="lt1">
+        <a:alpha val="40000"/>
+      </a:schemeClr>
+    </dgm:fillClrLst>
+    <dgm:linClrLst meth="repeat">
+      <a:schemeClr val="accent1"/>
+    </dgm:linClrLst>
+    <dgm:effectClrLst/>
+    <dgm:txLinClrLst/>
+    <dgm:txFillClrLst meth="repeat">
+      <a:schemeClr val="dk1"/>
+    </dgm:txFillClrLst>
+    <dgm:txEffectClrLst/>
+  </dgm:styleLbl>
+  <dgm:styleLbl name="bgAcc1">
+    <dgm:fillClrLst meth="repeat">
+      <a:schemeClr val="lt1">
+        <a:alpha val="90000"/>
+      </a:schemeClr>
+    </dgm:fillClrLst>
+    <dgm:linClrLst meth="repeat">
+      <a:schemeClr val="accent1"/>
+    </dgm:linClrLst>
+    <dgm:effectClrLst/>
+    <dgm:txLinClrLst/>
+    <dgm:txFillClrLst meth="repeat">
+      <a:schemeClr val="dk1"/>
+    </dgm:txFillClrLst>
+    <dgm:txEffectClrLst/>
+  </dgm:styleLbl>
+  <dgm:styleLbl name="solidFgAcc1">
+    <dgm:fillClrLst meth="repeat">
+      <a:schemeClr val="lt1"/>
+    </dgm:fillClrLst>
+    <dgm:linClrLst meth="repeat">
+      <a:schemeClr val="accent1"/>
+    </dgm:linClrLst>
+    <dgm:effectClrLst/>
+    <dgm:txLinClrLst/>
+    <dgm:txFillClrLst meth="repeat">
+      <a:schemeClr val="dk1"/>
+    </dgm:txFillClrLst>
+    <dgm:txEffectClrLst/>
+  </dgm:styleLbl>
+  <dgm:styleLbl name="solidAlignAcc1">
+    <dgm:fillClrLst meth="repeat">
+      <a:schemeClr val="lt1"/>
+    </dgm:fillClrLst>
+    <dgm:linClrLst meth="repeat">
+      <a:schemeClr val="accent1"/>
+    </dgm:linClrLst>
+    <dgm:effectClrLst/>
+    <dgm:txLinClrLst/>
+    <dgm:txFillClrLst meth="repeat">
+      <a:schemeClr val="dk1"/>
+    </dgm:txFillClrLst>
+    <dgm:txEffectClrLst/>
+  </dgm:styleLbl>
+  <dgm:styleLbl name="solidBgAcc1">
+    <dgm:fillClrLst meth="repeat">
+      <a:schemeClr val="lt1"/>
+    </dgm:fillClrLst>
+    <dgm:linClrLst meth="repeat">
+      <a:schemeClr val="accent1"/>
+    </dgm:linClrLst>
+    <dgm:effectClrLst/>
+    <dgm:txLinClrLst/>
+    <dgm:txFillClrLst meth="repeat">
+      <a:schemeClr val="dk1"/>
+    </dgm:txFillClrLst>
+    <dgm:txEffectClrLst/>
+  </dgm:styleLbl>
+  <dgm:styleLbl name="fgAccFollowNode1">
+    <dgm:fillClrLst meth="repeat">
+      <a:schemeClr val="accent1">
+        <a:alpha val="90000"/>
+        <a:tint val="40000"/>
+      </a:schemeClr>
+    </dgm:fillClrLst>
+    <dgm:linClrLst meth="repeat">
+      <a:schemeClr val="accent1">
+        <a:alpha val="90000"/>
+        <a:tint val="40000"/>
+      </a:schemeClr>
+    </dgm:linClrLst>
+    <dgm:effectClrLst/>
+    <dgm:txLinClrLst/>
+    <dgm:txFillClrLst meth="repeat">
+      <a:schemeClr val="dk1"/>
+    </dgm:txFillClrLst>
+    <dgm:txEffectClrLst/>
+  </dgm:styleLbl>
+  <dgm:styleLbl name="alignAccFollowNode1">
+    <dgm:fillClrLst meth="repeat">
+      <a:schemeClr val="accent1">
+        <a:alpha val="90000"/>
+        <a:tint val="40000"/>
+      </a:schemeClr>
+    </dgm:fillClrLst>
+    <dgm:linClrLst meth="repeat">
+      <a:schemeClr val="accent1">
+        <a:alpha val="90000"/>
+        <a:tint val="40000"/>
+      </a:schemeClr>
+    </dgm:linClrLst>
+    <dgm:effectClrLst/>
+    <dgm:txLinClrLst/>
+    <dgm:txFillClrLst meth="repeat">
+      <a:schemeClr val="dk1"/>
+    </dgm:txFillClrLst>
+    <dgm:txEffectClrLst/>
+  </dgm:styleLbl>
+  <dgm:styleLbl name="bgAccFollowNode1">
+    <dgm:fillClrLst meth="repeat">
+      <a:schemeClr val="accent1">
+        <a:alpha val="90000"/>
+        <a:tint val="40000"/>
+      </a:schemeClr>
+    </dgm:fillClrLst>
+    <dgm:linClrLst meth="repeat">
+      <a:schemeClr val="accent1">
+        <a:alpha val="90000"/>
+        <a:tint val="40000"/>
+      </a:schemeClr>
+    </dgm:linClrLst>
+    <dgm:effectClrLst/>
+    <dgm:txLinClrLst/>
+    <dgm:txFillClrLst meth="repeat">
+      <a:schemeClr val="dk1"/>
+    </dgm:txFillClrLst>
+    <dgm:txEffectClrLst/>
+  </dgm:styleLbl>
+  <dgm:styleLbl name="fgAcc0">
+    <dgm:fillClrLst meth="repeat">
+      <a:schemeClr val="lt1">
+        <a:alpha val="90000"/>
+      </a:schemeClr>
+    </dgm:fillClrLst>
+    <dgm:linClrLst meth="repeat">
+      <a:schemeClr val="accent1"/>
+    </dgm:linClrLst>
+    <dgm:effectClrLst/>
+    <dgm:txLinClrLst/>
+    <dgm:txFillClrLst meth="repeat">
+      <a:schemeClr val="dk1"/>
+    </dgm:txFillClrLst>
+    <dgm:txEffectClrLst/>
+  </dgm:styleLbl>
+  <dgm:styleLbl name="fgAcc2">
+    <dgm:fillClrLst meth="repeat">
+      <a:schemeClr val="lt1">
+        <a:alpha val="90000"/>
+      </a:schemeClr>
+    </dgm:fillClrLst>
+    <dgm:linClrLst meth="repeat">
+      <a:schemeClr val="accent1"/>
+    </dgm:linClrLst>
+    <dgm:effectClrLst/>
+    <dgm:txLinClrLst/>
+    <dgm:txFillClrLst meth="repeat">
+      <a:schemeClr val="dk1"/>
+    </dgm:txFillClrLst>
+    <dgm:txEffectClrLst/>
+  </dgm:styleLbl>
+  <dgm:styleLbl name="fgAcc3">
+    <dgm:fillClrLst meth="repeat">
+      <a:schemeClr val="lt1">
+        <a:alpha val="90000"/>
+      </a:schemeClr>
+    </dgm:fillClrLst>
+    <dgm:linClrLst meth="repeat">
+      <a:schemeClr val="accent1"/>
+    </dgm:linClrLst>
+    <dgm:effectClrLst/>
+    <dgm:txLinClrLst/>
+    <dgm:txFillClrLst meth="repeat">
+      <a:schemeClr val="dk1"/>
+    </dgm:txFillClrLst>
+    <dgm:txEffectClrLst/>
+  </dgm:styleLbl>
+  <dgm:styleLbl name="fgAcc4">
+    <dgm:fillClrLst meth="repeat">
+      <a:schemeClr val="lt1">
+        <a:alpha val="90000"/>
+      </a:schemeClr>
+    </dgm:fillClrLst>
+    <dgm:linClrLst meth="repeat">
+      <a:schemeClr val="accent1"/>
+    </dgm:linClrLst>
+    <dgm:effectClrLst/>
+    <dgm:txLinClrLst/>
+    <dgm:txFillClrLst meth="repeat">
+      <a:schemeClr val="dk1"/>
+    </dgm:txFillClrLst>
+    <dgm:txEffectClrLst/>
+  </dgm:styleLbl>
+  <dgm:styleLbl name="bgShp">
+    <dgm:fillClrLst meth="repeat">
+      <a:schemeClr val="accent1">
+        <a:tint val="40000"/>
+      </a:schemeClr>
+    </dgm:fillClrLst>
+    <dgm:linClrLst meth="repeat">
+      <a:schemeClr val="accent1"/>
+    </dgm:linClrLst>
+    <dgm:effectClrLst/>
+    <dgm:txLinClrLst/>
+    <dgm:txFillClrLst meth="repeat">
+      <a:schemeClr val="dk1"/>
+    </dgm:txFillClrLst>
+    <dgm:txEffectClrLst/>
+  </dgm:styleLbl>
+  <dgm:styleLbl name="dkBgShp">
+    <dgm:fillClrLst meth="repeat">
+      <a:schemeClr val="accent1">
+        <a:shade val="80000"/>
+      </a:schemeClr>
+    </dgm:fillClrLst>
+    <dgm:linClrLst meth="repeat">
+      <a:schemeClr val="accent1"/>
+    </dgm:linClrLst>
+    <dgm:effectClrLst/>
+    <dgm:txLinClrLst/>
+    <dgm:txFillClrLst meth="repeat">
+      <a:schemeClr val="lt1"/>
+    </dgm:txFillClrLst>
+    <dgm:txEffectClrLst/>
+  </dgm:styleLbl>
+  <dgm:styleLbl name="trBgShp">
+    <dgm:fillClrLst meth="repeat">
+      <a:schemeClr val="accent1">
+        <a:tint val="50000"/>
+        <a:alpha val="40000"/>
+      </a:schemeClr>
+    </dgm:fillClrLst>
+    <dgm:linClrLst meth="repeat">
+      <a:schemeClr val="accent1"/>
+    </dgm:linClrLst>
+    <dgm:effectClrLst/>
+    <dgm:txLinClrLst/>
+    <dgm:txFillClrLst meth="repeat">
+      <a:schemeClr val="lt1"/>
+    </dgm:txFillClrLst>
+    <dgm:txEffectClrLst/>
+  </dgm:styleLbl>
+  <dgm:styleLbl name="fgShp">
+    <dgm:fillClrLst meth="repeat">
+      <a:schemeClr val="accent1">
+        <a:tint val="60000"/>
+      </a:schemeClr>
+    </dgm:fillClrLst>
+    <dgm:linClrLst meth="repeat">
+      <a:schemeClr val="lt1"/>
+    </dgm:linClrLst>
+    <dgm:effectClrLst/>
+    <dgm:txLinClrLst/>
+    <dgm:txFillClrLst meth="repeat">
+      <a:schemeClr val="dk1"/>
+    </dgm:txFillClrLst>
+    <dgm:txEffectClrLst/>
+  </dgm:styleLbl>
+  <dgm:styleLbl name="revTx">
+    <dgm:fillClrLst meth="repeat">
+      <a:schemeClr val="lt1">
+        <a:alpha val="0"/>
+      </a:schemeClr>
+    </dgm:fillClrLst>
+    <dgm:linClrLst meth="repeat">
+      <a:schemeClr val="dk1">
+        <a:alpha val="0"/>
+      </a:schemeClr>
+    </dgm:linClrLst>
+    <dgm:effectClrLst/>
+    <dgm:txLinClrLst/>
+    <dgm:txFillClrLst meth="repeat">
+      <a:schemeClr val="tx1"/>
+    </dgm:txFillClrLst>
+    <dgm:txEffectClrLst/>
+  </dgm:styleLbl>
+</dgm:colorsDef>
+</file>
+
+<file path=ppt/diagrams/colors8.xml><?xml version="1.0" encoding="utf-8"?>
 <dgm:colorsDef xmlns:dgm="http://schemas.openxmlformats.org/drawingml/2006/diagram" xmlns:a="http://schemas.openxmlformats.org/drawingml/2006/main" uniqueId="urn:microsoft.com/office/officeart/2005/8/colors/accent1_2">
   <dgm:title val=""/>
   <dgm:desc val=""/>
@@ -8503,6 +9314,387 @@
 </dgm:dataModel>
 </file>
 
+<file path=ppt/diagrams/data8.xml><?xml version="1.0" encoding="utf-8"?>
+<dgm:dataModel xmlns:dgm="http://schemas.openxmlformats.org/drawingml/2006/diagram" xmlns:a="http://schemas.openxmlformats.org/drawingml/2006/main">
+  <dgm:ptLst>
+    <dgm:pt modelId="{2B42C876-4FBD-4951-BBAD-395A497226D2}" type="doc">
+      <dgm:prSet loTypeId="urn:microsoft.com/office/officeart/2009/3/layout/StepUpProcess" loCatId="process" qsTypeId="urn:microsoft.com/office/officeart/2005/8/quickstyle/simple1" qsCatId="simple" csTypeId="urn:microsoft.com/office/officeart/2005/8/colors/accent1_2" csCatId="accent1" phldr="1"/>
+      <dgm:spPr/>
+      <dgm:t>
+        <a:bodyPr/>
+        <a:lstStyle/>
+        <a:p>
+          <a:endParaRPr lang="en-US"/>
+        </a:p>
+      </dgm:t>
+    </dgm:pt>
+    <dgm:pt modelId="{09C1095E-86E6-4B06-84D8-C1FB85545AB6}">
+      <dgm:prSet phldrT="[Text]"/>
+      <dgm:spPr/>
+      <dgm:t>
+        <a:bodyPr/>
+        <a:lstStyle/>
+        <a:p>
+          <a:r>
+            <a:rPr lang="en-US" dirty="0"/>
+            <a:t>RPA with AI</a:t>
+          </a:r>
+        </a:p>
+        <a:p>
+          <a:r>
+            <a:rPr lang="en-US" dirty="0"/>
+            <a:t>Cognitive AI</a:t>
+          </a:r>
+        </a:p>
+        <a:p>
+          <a:r>
+            <a:rPr lang="en-US" dirty="0"/>
+            <a:t>Demand Forecasting</a:t>
+          </a:r>
+        </a:p>
+        <a:p>
+          <a:r>
+            <a:rPr lang="en-US" dirty="0"/>
+            <a:t>Conversational UI</a:t>
+          </a:r>
+        </a:p>
+        <a:p>
+          <a:r>
+            <a:rPr lang="en-US" dirty="0"/>
+            <a:t>AI Strategy</a:t>
+          </a:r>
+        </a:p>
+        <a:p>
+          <a:r>
+            <a:rPr lang="en-US" dirty="0"/>
+            <a:t>AI Insights Organization Design/Process/Support</a:t>
+          </a:r>
+        </a:p>
+        <a:p>
+          <a:r>
+            <a:rPr lang="en-US" dirty="0"/>
+            <a:t>AI Tools Strategy</a:t>
+          </a:r>
+        </a:p>
+      </dgm:t>
+    </dgm:pt>
+    <dgm:pt modelId="{9A045741-092D-40A5-B882-688DA48DD210}" type="parTrans" cxnId="{EB09BA2A-5C8A-4387-BA11-09FE4FA0BBA8}">
+      <dgm:prSet/>
+      <dgm:spPr/>
+      <dgm:t>
+        <a:bodyPr/>
+        <a:lstStyle/>
+        <a:p>
+          <a:endParaRPr lang="en-US"/>
+        </a:p>
+      </dgm:t>
+    </dgm:pt>
+    <dgm:pt modelId="{37B65251-CF61-4501-B9A2-7C8C9C63DDFA}" type="sibTrans" cxnId="{EB09BA2A-5C8A-4387-BA11-09FE4FA0BBA8}">
+      <dgm:prSet/>
+      <dgm:spPr/>
+      <dgm:t>
+        <a:bodyPr/>
+        <a:lstStyle/>
+        <a:p>
+          <a:endParaRPr lang="en-US"/>
+        </a:p>
+      </dgm:t>
+    </dgm:pt>
+    <dgm:pt modelId="{42997CBD-A54C-4F90-BF52-D976AC8EF8CC}">
+      <dgm:prSet phldrT="[Text]" custT="1"/>
+      <dgm:spPr/>
+      <dgm:t>
+        <a:bodyPr/>
+        <a:lstStyle/>
+        <a:p>
+          <a:r>
+            <a:rPr lang="en-US" sz="1600" dirty="0"/>
+            <a:t>AI Driven Decision Making</a:t>
+          </a:r>
+        </a:p>
+        <a:p>
+          <a:r>
+            <a:rPr lang="en-US" sz="1600" dirty="0"/>
+            <a:t>AI Governance and Security Model</a:t>
+          </a:r>
+        </a:p>
+        <a:p>
+          <a:r>
+            <a:rPr lang="en-US" sz="1600" dirty="0"/>
+            <a:t>AI Insights creation</a:t>
+          </a:r>
+        </a:p>
+        <a:p>
+          <a:r>
+            <a:rPr lang="en-US" sz="1600" dirty="0"/>
+            <a:t>AI Insights organization design, Process/Support</a:t>
+          </a:r>
+        </a:p>
+        <a:p>
+          <a:r>
+            <a:rPr lang="en-US" sz="1600" dirty="0"/>
+            <a:t>ML/DL Governance</a:t>
+          </a:r>
+        </a:p>
+        <a:p>
+          <a:r>
+            <a:rPr lang="en-US" sz="1600" dirty="0"/>
+            <a:t>Cognitive AI Governance</a:t>
+          </a:r>
+        </a:p>
+        <a:p>
+          <a:r>
+            <a:rPr lang="en-US" sz="1600" dirty="0"/>
+            <a:t>Process Improvement – AI</a:t>
+          </a:r>
+        </a:p>
+        <a:p>
+          <a:r>
+            <a:rPr lang="en-US" sz="1600" dirty="0"/>
+            <a:t>Conversation UI</a:t>
+          </a:r>
+        </a:p>
+        <a:p>
+          <a:r>
+            <a:rPr lang="en-US" sz="1600" dirty="0"/>
+            <a:t>Pre-Built AI Tools- business domain</a:t>
+          </a:r>
+        </a:p>
+        <a:p>
+          <a:endParaRPr lang="en-US" sz="1400" dirty="0"/>
+        </a:p>
+      </dgm:t>
+    </dgm:pt>
+    <dgm:pt modelId="{B7923B0C-6434-428D-859F-691D4EB244D7}" type="parTrans" cxnId="{D2731A06-7E20-4EC7-862D-3C21CAA4E69B}">
+      <dgm:prSet/>
+      <dgm:spPr/>
+      <dgm:t>
+        <a:bodyPr/>
+        <a:lstStyle/>
+        <a:p>
+          <a:endParaRPr lang="en-US"/>
+        </a:p>
+      </dgm:t>
+    </dgm:pt>
+    <dgm:pt modelId="{C995BF83-DDF5-4FFB-91CC-6821F1327EC9}" type="sibTrans" cxnId="{D2731A06-7E20-4EC7-862D-3C21CAA4E69B}">
+      <dgm:prSet/>
+      <dgm:spPr/>
+      <dgm:t>
+        <a:bodyPr/>
+        <a:lstStyle/>
+        <a:p>
+          <a:endParaRPr lang="en-US"/>
+        </a:p>
+      </dgm:t>
+    </dgm:pt>
+    <dgm:pt modelId="{855181D8-FED2-4CB4-BD44-9868677AFDAB}">
+      <dgm:prSet phldrT="[Text]" custT="1"/>
+      <dgm:spPr/>
+      <dgm:t>
+        <a:bodyPr/>
+        <a:lstStyle/>
+        <a:p>
+          <a:r>
+            <a:rPr lang="en-US" sz="1600" dirty="0"/>
+            <a:t>AI Driven decision making</a:t>
+          </a:r>
+        </a:p>
+        <a:p>
+          <a:r>
+            <a:rPr lang="en-US" sz="1600" dirty="0"/>
+            <a:t>AI Driven Actions</a:t>
+          </a:r>
+        </a:p>
+        <a:p>
+          <a:r>
+            <a:rPr lang="en-US" sz="1600" dirty="0"/>
+            <a:t>AI Driven Service – Revenue model</a:t>
+          </a:r>
+        </a:p>
+        <a:p>
+          <a:r>
+            <a:rPr lang="en-US" sz="1600" dirty="0"/>
+            <a:t>AI Governance and Security</a:t>
+          </a:r>
+        </a:p>
+        <a:p>
+          <a:r>
+            <a:rPr lang="en-US" sz="1600" dirty="0"/>
+            <a:t>Process Improvement – AI</a:t>
+          </a:r>
+        </a:p>
+        <a:p>
+          <a:r>
+            <a:rPr lang="en-US" sz="1600" dirty="0"/>
+            <a:t>AI Optimization</a:t>
+          </a:r>
+        </a:p>
+        <a:p>
+          <a:r>
+            <a:rPr lang="en-US" sz="1600" dirty="0"/>
+            <a:t>AI Tools – Business Domain</a:t>
+          </a:r>
+        </a:p>
+        <a:p>
+          <a:r>
+            <a:rPr lang="en-US" sz="1600" dirty="0"/>
+            <a:t>Build AI services</a:t>
+          </a:r>
+        </a:p>
+        <a:p>
+          <a:endParaRPr lang="en-US" sz="1200" dirty="0"/>
+        </a:p>
+        <a:p>
+          <a:endParaRPr lang="en-US" sz="1200" dirty="0"/>
+        </a:p>
+      </dgm:t>
+    </dgm:pt>
+    <dgm:pt modelId="{B2DAF0A5-6AA6-4584-ABB9-941A2F17D627}" type="parTrans" cxnId="{97AA11B9-348B-41D7-974C-F0EB567B69F8}">
+      <dgm:prSet/>
+      <dgm:spPr/>
+      <dgm:t>
+        <a:bodyPr/>
+        <a:lstStyle/>
+        <a:p>
+          <a:endParaRPr lang="en-US"/>
+        </a:p>
+      </dgm:t>
+    </dgm:pt>
+    <dgm:pt modelId="{39067ECB-BA95-4141-8D1D-1EF485B55D88}" type="sibTrans" cxnId="{97AA11B9-348B-41D7-974C-F0EB567B69F8}">
+      <dgm:prSet/>
+      <dgm:spPr/>
+      <dgm:t>
+        <a:bodyPr/>
+        <a:lstStyle/>
+        <a:p>
+          <a:endParaRPr lang="en-US"/>
+        </a:p>
+      </dgm:t>
+    </dgm:pt>
+    <dgm:pt modelId="{C0AE3E95-1700-41C9-9DF1-E04561B1C7D9}" type="pres">
+      <dgm:prSet presAssocID="{2B42C876-4FBD-4951-BBAD-395A497226D2}" presName="rootnode" presStyleCnt="0">
+        <dgm:presLayoutVars>
+          <dgm:chMax/>
+          <dgm:chPref/>
+          <dgm:dir/>
+          <dgm:animLvl val="lvl"/>
+        </dgm:presLayoutVars>
+      </dgm:prSet>
+      <dgm:spPr/>
+    </dgm:pt>
+    <dgm:pt modelId="{9020AE92-7715-466B-8E37-0258F9755414}" type="pres">
+      <dgm:prSet presAssocID="{09C1095E-86E6-4B06-84D8-C1FB85545AB6}" presName="composite" presStyleCnt="0"/>
+      <dgm:spPr/>
+    </dgm:pt>
+    <dgm:pt modelId="{6102FAB8-F119-4225-829D-41491ED7A781}" type="pres">
+      <dgm:prSet presAssocID="{09C1095E-86E6-4B06-84D8-C1FB85545AB6}" presName="LShape" presStyleLbl="alignNode1" presStyleIdx="0" presStyleCnt="5"/>
+      <dgm:spPr/>
+    </dgm:pt>
+    <dgm:pt modelId="{19E9E24B-EEC4-443C-BB7A-1A9D78B45C3D}" type="pres">
+      <dgm:prSet presAssocID="{09C1095E-86E6-4B06-84D8-C1FB85545AB6}" presName="ParentText" presStyleLbl="revTx" presStyleIdx="0" presStyleCnt="3">
+        <dgm:presLayoutVars>
+          <dgm:chMax val="0"/>
+          <dgm:chPref val="0"/>
+          <dgm:bulletEnabled val="1"/>
+        </dgm:presLayoutVars>
+      </dgm:prSet>
+      <dgm:spPr/>
+    </dgm:pt>
+    <dgm:pt modelId="{AEB272A1-8D33-4E96-8AB8-22BEC2B41428}" type="pres">
+      <dgm:prSet presAssocID="{09C1095E-86E6-4B06-84D8-C1FB85545AB6}" presName="Triangle" presStyleLbl="alignNode1" presStyleIdx="1" presStyleCnt="5"/>
+      <dgm:spPr/>
+    </dgm:pt>
+    <dgm:pt modelId="{37D0D72A-84C6-429C-A382-5F454F086217}" type="pres">
+      <dgm:prSet presAssocID="{37B65251-CF61-4501-B9A2-7C8C9C63DDFA}" presName="sibTrans" presStyleCnt="0"/>
+      <dgm:spPr/>
+    </dgm:pt>
+    <dgm:pt modelId="{E8C2A05B-2022-413A-8A7A-EBA092FF2856}" type="pres">
+      <dgm:prSet presAssocID="{37B65251-CF61-4501-B9A2-7C8C9C63DDFA}" presName="space" presStyleCnt="0"/>
+      <dgm:spPr/>
+    </dgm:pt>
+    <dgm:pt modelId="{4B55621F-0812-464C-B6F9-257EAB4DDEED}" type="pres">
+      <dgm:prSet presAssocID="{42997CBD-A54C-4F90-BF52-D976AC8EF8CC}" presName="composite" presStyleCnt="0"/>
+      <dgm:spPr/>
+    </dgm:pt>
+    <dgm:pt modelId="{5DB5AD67-74CE-4316-93ED-2B946DDB1122}" type="pres">
+      <dgm:prSet presAssocID="{42997CBD-A54C-4F90-BF52-D976AC8EF8CC}" presName="LShape" presStyleLbl="alignNode1" presStyleIdx="2" presStyleCnt="5"/>
+      <dgm:spPr/>
+    </dgm:pt>
+    <dgm:pt modelId="{995B8336-997B-45E2-AC3B-F001A0143A0F}" type="pres">
+      <dgm:prSet presAssocID="{42997CBD-A54C-4F90-BF52-D976AC8EF8CC}" presName="ParentText" presStyleLbl="revTx" presStyleIdx="1" presStyleCnt="3" custScaleY="142652" custLinFactNeighborX="195" custLinFactNeighborY="21353">
+        <dgm:presLayoutVars>
+          <dgm:chMax val="0"/>
+          <dgm:chPref val="0"/>
+          <dgm:bulletEnabled val="1"/>
+        </dgm:presLayoutVars>
+      </dgm:prSet>
+      <dgm:spPr/>
+    </dgm:pt>
+    <dgm:pt modelId="{FFB39A65-60F5-47C9-972B-94FDC3117B4F}" type="pres">
+      <dgm:prSet presAssocID="{42997CBD-A54C-4F90-BF52-D976AC8EF8CC}" presName="Triangle" presStyleLbl="alignNode1" presStyleIdx="3" presStyleCnt="5"/>
+      <dgm:spPr/>
+    </dgm:pt>
+    <dgm:pt modelId="{DB35AFB3-8D2D-4107-9775-EF851FC4394E}" type="pres">
+      <dgm:prSet presAssocID="{C995BF83-DDF5-4FFB-91CC-6821F1327EC9}" presName="sibTrans" presStyleCnt="0"/>
+      <dgm:spPr/>
+    </dgm:pt>
+    <dgm:pt modelId="{BBBADEB4-5EA0-469E-BE0B-B93900936612}" type="pres">
+      <dgm:prSet presAssocID="{C995BF83-DDF5-4FFB-91CC-6821F1327EC9}" presName="space" presStyleCnt="0"/>
+      <dgm:spPr/>
+    </dgm:pt>
+    <dgm:pt modelId="{2E4AA509-8B14-4E26-8CFF-4FED8B76A0BC}" type="pres">
+      <dgm:prSet presAssocID="{855181D8-FED2-4CB4-BD44-9868677AFDAB}" presName="composite" presStyleCnt="0"/>
+      <dgm:spPr/>
+    </dgm:pt>
+    <dgm:pt modelId="{9D0A0909-87DC-48ED-857B-5CC28F9B8EDD}" type="pres">
+      <dgm:prSet presAssocID="{855181D8-FED2-4CB4-BD44-9868677AFDAB}" presName="LShape" presStyleLbl="alignNode1" presStyleIdx="4" presStyleCnt="5"/>
+      <dgm:spPr/>
+    </dgm:pt>
+    <dgm:pt modelId="{377C7CDF-871E-4B9D-A32C-BD103361BA64}" type="pres">
+      <dgm:prSet presAssocID="{855181D8-FED2-4CB4-BD44-9868677AFDAB}" presName="ParentText" presStyleLbl="revTx" presStyleIdx="2" presStyleCnt="3">
+        <dgm:presLayoutVars>
+          <dgm:chMax val="0"/>
+          <dgm:chPref val="0"/>
+          <dgm:bulletEnabled val="1"/>
+        </dgm:presLayoutVars>
+      </dgm:prSet>
+      <dgm:spPr/>
+    </dgm:pt>
+  </dgm:ptLst>
+  <dgm:cxnLst>
+    <dgm:cxn modelId="{D2731A06-7E20-4EC7-862D-3C21CAA4E69B}" srcId="{2B42C876-4FBD-4951-BBAD-395A497226D2}" destId="{42997CBD-A54C-4F90-BF52-D976AC8EF8CC}" srcOrd="1" destOrd="0" parTransId="{B7923B0C-6434-428D-859F-691D4EB244D7}" sibTransId="{C995BF83-DDF5-4FFB-91CC-6821F1327EC9}"/>
+    <dgm:cxn modelId="{EB09BA2A-5C8A-4387-BA11-09FE4FA0BBA8}" srcId="{2B42C876-4FBD-4951-BBAD-395A497226D2}" destId="{09C1095E-86E6-4B06-84D8-C1FB85545AB6}" srcOrd="0" destOrd="0" parTransId="{9A045741-092D-40A5-B882-688DA48DD210}" sibTransId="{37B65251-CF61-4501-B9A2-7C8C9C63DDFA}"/>
+    <dgm:cxn modelId="{E3B16FAE-6986-4DE3-87F0-9A8A96F63072}" type="presOf" srcId="{855181D8-FED2-4CB4-BD44-9868677AFDAB}" destId="{377C7CDF-871E-4B9D-A32C-BD103361BA64}" srcOrd="0" destOrd="0" presId="urn:microsoft.com/office/officeart/2009/3/layout/StepUpProcess"/>
+    <dgm:cxn modelId="{97AA11B9-348B-41D7-974C-F0EB567B69F8}" srcId="{2B42C876-4FBD-4951-BBAD-395A497226D2}" destId="{855181D8-FED2-4CB4-BD44-9868677AFDAB}" srcOrd="2" destOrd="0" parTransId="{B2DAF0A5-6AA6-4584-ABB9-941A2F17D627}" sibTransId="{39067ECB-BA95-4141-8D1D-1EF485B55D88}"/>
+    <dgm:cxn modelId="{72624BEC-FF2F-4E4F-8810-0FEC41AFDE89}" type="presOf" srcId="{2B42C876-4FBD-4951-BBAD-395A497226D2}" destId="{C0AE3E95-1700-41C9-9DF1-E04561B1C7D9}" srcOrd="0" destOrd="0" presId="urn:microsoft.com/office/officeart/2009/3/layout/StepUpProcess"/>
+    <dgm:cxn modelId="{165DA3FD-1467-444A-83B0-CBDA4FC90191}" type="presOf" srcId="{09C1095E-86E6-4B06-84D8-C1FB85545AB6}" destId="{19E9E24B-EEC4-443C-BB7A-1A9D78B45C3D}" srcOrd="0" destOrd="0" presId="urn:microsoft.com/office/officeart/2009/3/layout/StepUpProcess"/>
+    <dgm:cxn modelId="{C7047BFF-C2E6-4EB7-938E-9223310530B7}" type="presOf" srcId="{42997CBD-A54C-4F90-BF52-D976AC8EF8CC}" destId="{995B8336-997B-45E2-AC3B-F001A0143A0F}" srcOrd="0" destOrd="0" presId="urn:microsoft.com/office/officeart/2009/3/layout/StepUpProcess"/>
+    <dgm:cxn modelId="{126FFE21-92E9-44E9-815E-5BA1B7AF33B6}" type="presParOf" srcId="{C0AE3E95-1700-41C9-9DF1-E04561B1C7D9}" destId="{9020AE92-7715-466B-8E37-0258F9755414}" srcOrd="0" destOrd="0" presId="urn:microsoft.com/office/officeart/2009/3/layout/StepUpProcess"/>
+    <dgm:cxn modelId="{52637685-DCD3-45F3-A7CD-5D251AD381FC}" type="presParOf" srcId="{9020AE92-7715-466B-8E37-0258F9755414}" destId="{6102FAB8-F119-4225-829D-41491ED7A781}" srcOrd="0" destOrd="0" presId="urn:microsoft.com/office/officeart/2009/3/layout/StepUpProcess"/>
+    <dgm:cxn modelId="{7E470D91-2F6C-408F-B5C9-9A6D63BF8A6A}" type="presParOf" srcId="{9020AE92-7715-466B-8E37-0258F9755414}" destId="{19E9E24B-EEC4-443C-BB7A-1A9D78B45C3D}" srcOrd="1" destOrd="0" presId="urn:microsoft.com/office/officeart/2009/3/layout/StepUpProcess"/>
+    <dgm:cxn modelId="{95D44B48-00BE-4101-A9D0-2B5804125BBE}" type="presParOf" srcId="{9020AE92-7715-466B-8E37-0258F9755414}" destId="{AEB272A1-8D33-4E96-8AB8-22BEC2B41428}" srcOrd="2" destOrd="0" presId="urn:microsoft.com/office/officeart/2009/3/layout/StepUpProcess"/>
+    <dgm:cxn modelId="{A25B43C0-3811-406A-AEF9-1C649AF0F3DE}" type="presParOf" srcId="{C0AE3E95-1700-41C9-9DF1-E04561B1C7D9}" destId="{37D0D72A-84C6-429C-A382-5F454F086217}" srcOrd="1" destOrd="0" presId="urn:microsoft.com/office/officeart/2009/3/layout/StepUpProcess"/>
+    <dgm:cxn modelId="{46B28A94-82E3-40D9-B952-063D0C285735}" type="presParOf" srcId="{37D0D72A-84C6-429C-A382-5F454F086217}" destId="{E8C2A05B-2022-413A-8A7A-EBA092FF2856}" srcOrd="0" destOrd="0" presId="urn:microsoft.com/office/officeart/2009/3/layout/StepUpProcess"/>
+    <dgm:cxn modelId="{CBF8C44E-C24B-4B6C-A3DA-9C15AB5A422E}" type="presParOf" srcId="{C0AE3E95-1700-41C9-9DF1-E04561B1C7D9}" destId="{4B55621F-0812-464C-B6F9-257EAB4DDEED}" srcOrd="2" destOrd="0" presId="urn:microsoft.com/office/officeart/2009/3/layout/StepUpProcess"/>
+    <dgm:cxn modelId="{97A8275D-938D-4A51-A0C0-F769D734F950}" type="presParOf" srcId="{4B55621F-0812-464C-B6F9-257EAB4DDEED}" destId="{5DB5AD67-74CE-4316-93ED-2B946DDB1122}" srcOrd="0" destOrd="0" presId="urn:microsoft.com/office/officeart/2009/3/layout/StepUpProcess"/>
+    <dgm:cxn modelId="{A483C2FB-547B-4C80-8AE2-23AEC40B9288}" type="presParOf" srcId="{4B55621F-0812-464C-B6F9-257EAB4DDEED}" destId="{995B8336-997B-45E2-AC3B-F001A0143A0F}" srcOrd="1" destOrd="0" presId="urn:microsoft.com/office/officeart/2009/3/layout/StepUpProcess"/>
+    <dgm:cxn modelId="{BBB31656-8629-4426-A37D-740E8974CC45}" type="presParOf" srcId="{4B55621F-0812-464C-B6F9-257EAB4DDEED}" destId="{FFB39A65-60F5-47C9-972B-94FDC3117B4F}" srcOrd="2" destOrd="0" presId="urn:microsoft.com/office/officeart/2009/3/layout/StepUpProcess"/>
+    <dgm:cxn modelId="{8541B4AE-8E91-46F8-AC38-3229162ADA65}" type="presParOf" srcId="{C0AE3E95-1700-41C9-9DF1-E04561B1C7D9}" destId="{DB35AFB3-8D2D-4107-9775-EF851FC4394E}" srcOrd="3" destOrd="0" presId="urn:microsoft.com/office/officeart/2009/3/layout/StepUpProcess"/>
+    <dgm:cxn modelId="{D80578E9-9DDA-43AC-950D-984D7252B87F}" type="presParOf" srcId="{DB35AFB3-8D2D-4107-9775-EF851FC4394E}" destId="{BBBADEB4-5EA0-469E-BE0B-B93900936612}" srcOrd="0" destOrd="0" presId="urn:microsoft.com/office/officeart/2009/3/layout/StepUpProcess"/>
+    <dgm:cxn modelId="{681882FA-388B-46A5-B174-D383A90190D7}" type="presParOf" srcId="{C0AE3E95-1700-41C9-9DF1-E04561B1C7D9}" destId="{2E4AA509-8B14-4E26-8CFF-4FED8B76A0BC}" srcOrd="4" destOrd="0" presId="urn:microsoft.com/office/officeart/2009/3/layout/StepUpProcess"/>
+    <dgm:cxn modelId="{9498DD1B-6AE3-4E9D-BDFE-70B4E409CBD3}" type="presParOf" srcId="{2E4AA509-8B14-4E26-8CFF-4FED8B76A0BC}" destId="{9D0A0909-87DC-48ED-857B-5CC28F9B8EDD}" srcOrd="0" destOrd="0" presId="urn:microsoft.com/office/officeart/2009/3/layout/StepUpProcess"/>
+    <dgm:cxn modelId="{70F92EA4-D927-4216-B194-A80BB20CA76E}" type="presParOf" srcId="{2E4AA509-8B14-4E26-8CFF-4FED8B76A0BC}" destId="{377C7CDF-871E-4B9D-A32C-BD103361BA64}" srcOrd="1" destOrd="0" presId="urn:microsoft.com/office/officeart/2009/3/layout/StepUpProcess"/>
+  </dgm:cxnLst>
+  <dgm:bg/>
+  <dgm:whole/>
+  <dgm:extLst>
+    <a:ext uri="http://schemas.microsoft.com/office/drawing/2008/diagram">
+      <dsp:dataModelExt xmlns:dsp="http://schemas.microsoft.com/office/drawing/2008/diagram" relId="rId6" minVer="http://schemas.openxmlformats.org/drawingml/2006/diagram"/>
+    </a:ext>
+  </dgm:extLst>
+</dgm:dataModel>
+</file>
+
 <file path=ppt/diagrams/drawing1.xml><?xml version="1.0" encoding="utf-8"?>
 <dsp:drawing xmlns:dgm="http://schemas.openxmlformats.org/drawingml/2006/diagram" xmlns:dsp="http://schemas.microsoft.com/office/drawing/2008/diagram" xmlns:a="http://schemas.openxmlformats.org/drawingml/2006/main">
   <dsp:spTree>
@@ -12818,6 +14010,884 @@
       <dsp:txXfrm>
         <a:off x="31803" y="3289353"/>
         <a:ext cx="1579458" cy="1022244"/>
+      </dsp:txXfrm>
+    </dsp:sp>
+  </dsp:spTree>
+</dsp:drawing>
+</file>
+
+<file path=ppt/diagrams/drawing8.xml><?xml version="1.0" encoding="utf-8"?>
+<dsp:drawing xmlns:dgm="http://schemas.openxmlformats.org/drawingml/2006/diagram" xmlns:dsp="http://schemas.microsoft.com/office/drawing/2008/diagram" xmlns:a="http://schemas.openxmlformats.org/drawingml/2006/main">
+  <dsp:spTree>
+    <dsp:nvGrpSpPr>
+      <dsp:cNvPr id="0" name=""/>
+      <dsp:cNvGrpSpPr/>
+    </dsp:nvGrpSpPr>
+    <dsp:grpSpPr/>
+    <dsp:sp modelId="{6102FAB8-F119-4225-829D-41491ED7A781}">
+      <dsp:nvSpPr>
+        <dsp:cNvPr id="0" name=""/>
+        <dsp:cNvSpPr/>
+      </dsp:nvSpPr>
+      <dsp:spPr>
+        <a:xfrm rot="5400000">
+          <a:off x="1382250" y="1563109"/>
+          <a:ext cx="1816450" cy="3022532"/>
+        </a:xfrm>
+        <a:prstGeom prst="corner">
+          <a:avLst>
+            <a:gd name="adj1" fmla="val 16120"/>
+            <a:gd name="adj2" fmla="val 16110"/>
+          </a:avLst>
+        </a:prstGeom>
+        <a:solidFill>
+          <a:schemeClr val="accent1">
+            <a:hueOff val="0"/>
+            <a:satOff val="0"/>
+            <a:lumOff val="0"/>
+            <a:alphaOff val="0"/>
+          </a:schemeClr>
+        </a:solidFill>
+        <a:ln w="12700" cap="flat" cmpd="sng" algn="ctr">
+          <a:solidFill>
+            <a:schemeClr val="accent1">
+              <a:hueOff val="0"/>
+              <a:satOff val="0"/>
+              <a:lumOff val="0"/>
+              <a:alphaOff val="0"/>
+            </a:schemeClr>
+          </a:solidFill>
+          <a:prstDash val="solid"/>
+          <a:miter lim="800000"/>
+        </a:ln>
+        <a:effectLst/>
+      </dsp:spPr>
+      <dsp:style>
+        <a:lnRef idx="2">
+          <a:scrgbClr r="0" g="0" b="0"/>
+        </a:lnRef>
+        <a:fillRef idx="1">
+          <a:scrgbClr r="0" g="0" b="0"/>
+        </a:fillRef>
+        <a:effectRef idx="0">
+          <a:scrgbClr r="0" g="0" b="0"/>
+        </a:effectRef>
+        <a:fontRef idx="minor">
+          <a:schemeClr val="lt1"/>
+        </a:fontRef>
+      </dsp:style>
+    </dsp:sp>
+    <dsp:sp modelId="{19E9E24B-EEC4-443C-BB7A-1A9D78B45C3D}">
+      <dsp:nvSpPr>
+        <dsp:cNvPr id="0" name=""/>
+        <dsp:cNvSpPr/>
+      </dsp:nvSpPr>
+      <dsp:spPr>
+        <a:xfrm>
+          <a:off x="1079039" y="2466195"/>
+          <a:ext cx="2728759" cy="2391917"/>
+        </a:xfrm>
+        <a:prstGeom prst="rect">
+          <a:avLst/>
+        </a:prstGeom>
+        <a:noFill/>
+        <a:ln>
+          <a:noFill/>
+        </a:ln>
+        <a:effectLst/>
+      </dsp:spPr>
+      <dsp:style>
+        <a:lnRef idx="0">
+          <a:scrgbClr r="0" g="0" b="0"/>
+        </a:lnRef>
+        <a:fillRef idx="0">
+          <a:scrgbClr r="0" g="0" b="0"/>
+        </a:fillRef>
+        <a:effectRef idx="0">
+          <a:scrgbClr r="0" g="0" b="0"/>
+        </a:effectRef>
+        <a:fontRef idx="minor"/>
+      </dsp:style>
+      <dsp:txBody>
+        <a:bodyPr spcFirstLastPara="0" vert="horz" wrap="square" lIns="57150" tIns="57150" rIns="57150" bIns="57150" numCol="1" spcCol="1270" anchor="t" anchorCtr="0">
+          <a:noAutofit/>
+        </a:bodyPr>
+        <a:lstStyle/>
+        <a:p>
+          <a:pPr marL="0" lvl="0" indent="0" algn="l" defTabSz="666750">
+            <a:lnSpc>
+              <a:spcPct val="90000"/>
+            </a:lnSpc>
+            <a:spcBef>
+              <a:spcPct val="0"/>
+            </a:spcBef>
+            <a:spcAft>
+              <a:spcPct val="35000"/>
+            </a:spcAft>
+            <a:buNone/>
+          </a:pPr>
+          <a:r>
+            <a:rPr lang="en-US" sz="1500" kern="1200" dirty="0"/>
+            <a:t>RPA with AI</a:t>
+          </a:r>
+        </a:p>
+        <a:p>
+          <a:pPr marL="0" lvl="0" indent="0" algn="l" defTabSz="666750">
+            <a:lnSpc>
+              <a:spcPct val="90000"/>
+            </a:lnSpc>
+            <a:spcBef>
+              <a:spcPct val="0"/>
+            </a:spcBef>
+            <a:spcAft>
+              <a:spcPct val="35000"/>
+            </a:spcAft>
+            <a:buNone/>
+          </a:pPr>
+          <a:r>
+            <a:rPr lang="en-US" sz="1500" kern="1200" dirty="0"/>
+            <a:t>Cognitive AI</a:t>
+          </a:r>
+        </a:p>
+        <a:p>
+          <a:pPr marL="0" lvl="0" indent="0" algn="l" defTabSz="666750">
+            <a:lnSpc>
+              <a:spcPct val="90000"/>
+            </a:lnSpc>
+            <a:spcBef>
+              <a:spcPct val="0"/>
+            </a:spcBef>
+            <a:spcAft>
+              <a:spcPct val="35000"/>
+            </a:spcAft>
+            <a:buNone/>
+          </a:pPr>
+          <a:r>
+            <a:rPr lang="en-US" sz="1500" kern="1200" dirty="0"/>
+            <a:t>Demand Forecasting</a:t>
+          </a:r>
+        </a:p>
+        <a:p>
+          <a:pPr marL="0" lvl="0" indent="0" algn="l" defTabSz="666750">
+            <a:lnSpc>
+              <a:spcPct val="90000"/>
+            </a:lnSpc>
+            <a:spcBef>
+              <a:spcPct val="0"/>
+            </a:spcBef>
+            <a:spcAft>
+              <a:spcPct val="35000"/>
+            </a:spcAft>
+            <a:buNone/>
+          </a:pPr>
+          <a:r>
+            <a:rPr lang="en-US" sz="1500" kern="1200" dirty="0"/>
+            <a:t>Conversational UI</a:t>
+          </a:r>
+        </a:p>
+        <a:p>
+          <a:pPr marL="0" lvl="0" indent="0" algn="l" defTabSz="666750">
+            <a:lnSpc>
+              <a:spcPct val="90000"/>
+            </a:lnSpc>
+            <a:spcBef>
+              <a:spcPct val="0"/>
+            </a:spcBef>
+            <a:spcAft>
+              <a:spcPct val="35000"/>
+            </a:spcAft>
+            <a:buNone/>
+          </a:pPr>
+          <a:r>
+            <a:rPr lang="en-US" sz="1500" kern="1200" dirty="0"/>
+            <a:t>AI Strategy</a:t>
+          </a:r>
+        </a:p>
+        <a:p>
+          <a:pPr marL="0" lvl="0" indent="0" algn="l" defTabSz="666750">
+            <a:lnSpc>
+              <a:spcPct val="90000"/>
+            </a:lnSpc>
+            <a:spcBef>
+              <a:spcPct val="0"/>
+            </a:spcBef>
+            <a:spcAft>
+              <a:spcPct val="35000"/>
+            </a:spcAft>
+            <a:buNone/>
+          </a:pPr>
+          <a:r>
+            <a:rPr lang="en-US" sz="1500" kern="1200" dirty="0"/>
+            <a:t>AI Insights Organization Design/Process/Support</a:t>
+          </a:r>
+        </a:p>
+        <a:p>
+          <a:pPr marL="0" lvl="0" indent="0" algn="l" defTabSz="666750">
+            <a:lnSpc>
+              <a:spcPct val="90000"/>
+            </a:lnSpc>
+            <a:spcBef>
+              <a:spcPct val="0"/>
+            </a:spcBef>
+            <a:spcAft>
+              <a:spcPct val="35000"/>
+            </a:spcAft>
+            <a:buNone/>
+          </a:pPr>
+          <a:r>
+            <a:rPr lang="en-US" sz="1500" kern="1200" dirty="0"/>
+            <a:t>AI Tools Strategy</a:t>
+          </a:r>
+        </a:p>
+      </dsp:txBody>
+      <dsp:txXfrm>
+        <a:off x="1079039" y="2466195"/>
+        <a:ext cx="2728759" cy="2391917"/>
+      </dsp:txXfrm>
+    </dsp:sp>
+    <dsp:sp modelId="{AEB272A1-8D33-4E96-8AB8-22BEC2B41428}">
+      <dsp:nvSpPr>
+        <dsp:cNvPr id="0" name=""/>
+        <dsp:cNvSpPr/>
+      </dsp:nvSpPr>
+      <dsp:spPr>
+        <a:xfrm>
+          <a:off x="3292938" y="1340587"/>
+          <a:ext cx="514860" cy="514860"/>
+        </a:xfrm>
+        <a:prstGeom prst="triangle">
+          <a:avLst>
+            <a:gd name="adj" fmla="val 100000"/>
+          </a:avLst>
+        </a:prstGeom>
+        <a:solidFill>
+          <a:schemeClr val="accent1">
+            <a:hueOff val="0"/>
+            <a:satOff val="0"/>
+            <a:lumOff val="0"/>
+            <a:alphaOff val="0"/>
+          </a:schemeClr>
+        </a:solidFill>
+        <a:ln w="12700" cap="flat" cmpd="sng" algn="ctr">
+          <a:solidFill>
+            <a:schemeClr val="accent1">
+              <a:hueOff val="0"/>
+              <a:satOff val="0"/>
+              <a:lumOff val="0"/>
+              <a:alphaOff val="0"/>
+            </a:schemeClr>
+          </a:solidFill>
+          <a:prstDash val="solid"/>
+          <a:miter lim="800000"/>
+        </a:ln>
+        <a:effectLst/>
+      </dsp:spPr>
+      <dsp:style>
+        <a:lnRef idx="2">
+          <a:scrgbClr r="0" g="0" b="0"/>
+        </a:lnRef>
+        <a:fillRef idx="1">
+          <a:scrgbClr r="0" g="0" b="0"/>
+        </a:fillRef>
+        <a:effectRef idx="0">
+          <a:scrgbClr r="0" g="0" b="0"/>
+        </a:effectRef>
+        <a:fontRef idx="minor">
+          <a:schemeClr val="lt1"/>
+        </a:fontRef>
+      </dsp:style>
+    </dsp:sp>
+    <dsp:sp modelId="{5DB5AD67-74CE-4316-93ED-2B946DDB1122}">
+      <dsp:nvSpPr>
+        <dsp:cNvPr id="0" name=""/>
+        <dsp:cNvSpPr/>
+      </dsp:nvSpPr>
+      <dsp:spPr>
+        <a:xfrm rot="5400000">
+          <a:off x="4722784" y="226390"/>
+          <a:ext cx="1816450" cy="3022532"/>
+        </a:xfrm>
+        <a:prstGeom prst="corner">
+          <a:avLst>
+            <a:gd name="adj1" fmla="val 16120"/>
+            <a:gd name="adj2" fmla="val 16110"/>
+          </a:avLst>
+        </a:prstGeom>
+        <a:solidFill>
+          <a:schemeClr val="accent1">
+            <a:hueOff val="0"/>
+            <a:satOff val="0"/>
+            <a:lumOff val="0"/>
+            <a:alphaOff val="0"/>
+          </a:schemeClr>
+        </a:solidFill>
+        <a:ln w="12700" cap="flat" cmpd="sng" algn="ctr">
+          <a:solidFill>
+            <a:schemeClr val="accent1">
+              <a:hueOff val="0"/>
+              <a:satOff val="0"/>
+              <a:lumOff val="0"/>
+              <a:alphaOff val="0"/>
+            </a:schemeClr>
+          </a:solidFill>
+          <a:prstDash val="solid"/>
+          <a:miter lim="800000"/>
+        </a:ln>
+        <a:effectLst/>
+      </dsp:spPr>
+      <dsp:style>
+        <a:lnRef idx="2">
+          <a:scrgbClr r="0" g="0" b="0"/>
+        </a:lnRef>
+        <a:fillRef idx="1">
+          <a:scrgbClr r="0" g="0" b="0"/>
+        </a:fillRef>
+        <a:effectRef idx="0">
+          <a:scrgbClr r="0" g="0" b="0"/>
+        </a:effectRef>
+        <a:fontRef idx="minor">
+          <a:schemeClr val="lt1"/>
+        </a:fontRef>
+      </dsp:style>
+    </dsp:sp>
+    <dsp:sp modelId="{995B8336-997B-45E2-AC3B-F001A0143A0F}">
+      <dsp:nvSpPr>
+        <dsp:cNvPr id="0" name=""/>
+        <dsp:cNvSpPr/>
+      </dsp:nvSpPr>
+      <dsp:spPr>
+        <a:xfrm>
+          <a:off x="4424894" y="1130122"/>
+          <a:ext cx="2728759" cy="3412117"/>
+        </a:xfrm>
+        <a:prstGeom prst="rect">
+          <a:avLst/>
+        </a:prstGeom>
+        <a:noFill/>
+        <a:ln>
+          <a:noFill/>
+        </a:ln>
+        <a:effectLst/>
+      </dsp:spPr>
+      <dsp:style>
+        <a:lnRef idx="0">
+          <a:scrgbClr r="0" g="0" b="0"/>
+        </a:lnRef>
+        <a:fillRef idx="0">
+          <a:scrgbClr r="0" g="0" b="0"/>
+        </a:fillRef>
+        <a:effectRef idx="0">
+          <a:scrgbClr r="0" g="0" b="0"/>
+        </a:effectRef>
+        <a:fontRef idx="minor"/>
+      </dsp:style>
+      <dsp:txBody>
+        <a:bodyPr spcFirstLastPara="0" vert="horz" wrap="square" lIns="60960" tIns="60960" rIns="60960" bIns="60960" numCol="1" spcCol="1270" anchor="t" anchorCtr="0">
+          <a:noAutofit/>
+        </a:bodyPr>
+        <a:lstStyle/>
+        <a:p>
+          <a:pPr marL="0" lvl="0" indent="0" algn="l" defTabSz="711200">
+            <a:lnSpc>
+              <a:spcPct val="90000"/>
+            </a:lnSpc>
+            <a:spcBef>
+              <a:spcPct val="0"/>
+            </a:spcBef>
+            <a:spcAft>
+              <a:spcPct val="35000"/>
+            </a:spcAft>
+            <a:buNone/>
+          </a:pPr>
+          <a:r>
+            <a:rPr lang="en-US" sz="1600" kern="1200" dirty="0"/>
+            <a:t>AI Driven Decision Making</a:t>
+          </a:r>
+        </a:p>
+        <a:p>
+          <a:pPr marL="0" lvl="0" indent="0" algn="l" defTabSz="711200">
+            <a:lnSpc>
+              <a:spcPct val="90000"/>
+            </a:lnSpc>
+            <a:spcBef>
+              <a:spcPct val="0"/>
+            </a:spcBef>
+            <a:spcAft>
+              <a:spcPct val="35000"/>
+            </a:spcAft>
+            <a:buNone/>
+          </a:pPr>
+          <a:r>
+            <a:rPr lang="en-US" sz="1600" kern="1200" dirty="0"/>
+            <a:t>AI Governance and Security Model</a:t>
+          </a:r>
+        </a:p>
+        <a:p>
+          <a:pPr marL="0" lvl="0" indent="0" algn="l" defTabSz="711200">
+            <a:lnSpc>
+              <a:spcPct val="90000"/>
+            </a:lnSpc>
+            <a:spcBef>
+              <a:spcPct val="0"/>
+            </a:spcBef>
+            <a:spcAft>
+              <a:spcPct val="35000"/>
+            </a:spcAft>
+            <a:buNone/>
+          </a:pPr>
+          <a:r>
+            <a:rPr lang="en-US" sz="1600" kern="1200" dirty="0"/>
+            <a:t>AI Insights creation</a:t>
+          </a:r>
+        </a:p>
+        <a:p>
+          <a:pPr marL="0" lvl="0" indent="0" algn="l" defTabSz="711200">
+            <a:lnSpc>
+              <a:spcPct val="90000"/>
+            </a:lnSpc>
+            <a:spcBef>
+              <a:spcPct val="0"/>
+            </a:spcBef>
+            <a:spcAft>
+              <a:spcPct val="35000"/>
+            </a:spcAft>
+            <a:buNone/>
+          </a:pPr>
+          <a:r>
+            <a:rPr lang="en-US" sz="1600" kern="1200" dirty="0"/>
+            <a:t>AI Insights organization design, Process/Support</a:t>
+          </a:r>
+        </a:p>
+        <a:p>
+          <a:pPr marL="0" lvl="0" indent="0" algn="l" defTabSz="711200">
+            <a:lnSpc>
+              <a:spcPct val="90000"/>
+            </a:lnSpc>
+            <a:spcBef>
+              <a:spcPct val="0"/>
+            </a:spcBef>
+            <a:spcAft>
+              <a:spcPct val="35000"/>
+            </a:spcAft>
+            <a:buNone/>
+          </a:pPr>
+          <a:r>
+            <a:rPr lang="en-US" sz="1600" kern="1200" dirty="0"/>
+            <a:t>ML/DL Governance</a:t>
+          </a:r>
+        </a:p>
+        <a:p>
+          <a:pPr marL="0" lvl="0" indent="0" algn="l" defTabSz="711200">
+            <a:lnSpc>
+              <a:spcPct val="90000"/>
+            </a:lnSpc>
+            <a:spcBef>
+              <a:spcPct val="0"/>
+            </a:spcBef>
+            <a:spcAft>
+              <a:spcPct val="35000"/>
+            </a:spcAft>
+            <a:buNone/>
+          </a:pPr>
+          <a:r>
+            <a:rPr lang="en-US" sz="1600" kern="1200" dirty="0"/>
+            <a:t>Cognitive AI Governance</a:t>
+          </a:r>
+        </a:p>
+        <a:p>
+          <a:pPr marL="0" lvl="0" indent="0" algn="l" defTabSz="711200">
+            <a:lnSpc>
+              <a:spcPct val="90000"/>
+            </a:lnSpc>
+            <a:spcBef>
+              <a:spcPct val="0"/>
+            </a:spcBef>
+            <a:spcAft>
+              <a:spcPct val="35000"/>
+            </a:spcAft>
+            <a:buNone/>
+          </a:pPr>
+          <a:r>
+            <a:rPr lang="en-US" sz="1600" kern="1200" dirty="0"/>
+            <a:t>Process Improvement – AI</a:t>
+          </a:r>
+        </a:p>
+        <a:p>
+          <a:pPr marL="0" lvl="0" indent="0" algn="l" defTabSz="711200">
+            <a:lnSpc>
+              <a:spcPct val="90000"/>
+            </a:lnSpc>
+            <a:spcBef>
+              <a:spcPct val="0"/>
+            </a:spcBef>
+            <a:spcAft>
+              <a:spcPct val="35000"/>
+            </a:spcAft>
+            <a:buNone/>
+          </a:pPr>
+          <a:r>
+            <a:rPr lang="en-US" sz="1600" kern="1200" dirty="0"/>
+            <a:t>Conversation UI</a:t>
+          </a:r>
+        </a:p>
+        <a:p>
+          <a:pPr marL="0" lvl="0" indent="0" algn="l" defTabSz="711200">
+            <a:lnSpc>
+              <a:spcPct val="90000"/>
+            </a:lnSpc>
+            <a:spcBef>
+              <a:spcPct val="0"/>
+            </a:spcBef>
+            <a:spcAft>
+              <a:spcPct val="35000"/>
+            </a:spcAft>
+            <a:buNone/>
+          </a:pPr>
+          <a:r>
+            <a:rPr lang="en-US" sz="1600" kern="1200" dirty="0"/>
+            <a:t>Pre-Built AI Tools- business domain</a:t>
+          </a:r>
+        </a:p>
+        <a:p>
+          <a:pPr marL="0" lvl="0" indent="0" algn="l" defTabSz="711200">
+            <a:lnSpc>
+              <a:spcPct val="90000"/>
+            </a:lnSpc>
+            <a:spcBef>
+              <a:spcPct val="0"/>
+            </a:spcBef>
+            <a:spcAft>
+              <a:spcPct val="35000"/>
+            </a:spcAft>
+            <a:buNone/>
+          </a:pPr>
+          <a:endParaRPr lang="en-US" sz="1400" kern="1200" dirty="0"/>
+        </a:p>
+      </dsp:txBody>
+      <dsp:txXfrm>
+        <a:off x="4424894" y="1130122"/>
+        <a:ext cx="2728759" cy="3412117"/>
+      </dsp:txXfrm>
+    </dsp:sp>
+    <dsp:sp modelId="{FFB39A65-60F5-47C9-972B-94FDC3117B4F}">
+      <dsp:nvSpPr>
+        <dsp:cNvPr id="0" name=""/>
+        <dsp:cNvSpPr/>
+      </dsp:nvSpPr>
+      <dsp:spPr>
+        <a:xfrm>
+          <a:off x="6633472" y="3868"/>
+          <a:ext cx="514860" cy="514860"/>
+        </a:xfrm>
+        <a:prstGeom prst="triangle">
+          <a:avLst>
+            <a:gd name="adj" fmla="val 100000"/>
+          </a:avLst>
+        </a:prstGeom>
+        <a:solidFill>
+          <a:schemeClr val="accent1">
+            <a:hueOff val="0"/>
+            <a:satOff val="0"/>
+            <a:lumOff val="0"/>
+            <a:alphaOff val="0"/>
+          </a:schemeClr>
+        </a:solidFill>
+        <a:ln w="12700" cap="flat" cmpd="sng" algn="ctr">
+          <a:solidFill>
+            <a:schemeClr val="accent1">
+              <a:hueOff val="0"/>
+              <a:satOff val="0"/>
+              <a:lumOff val="0"/>
+              <a:alphaOff val="0"/>
+            </a:schemeClr>
+          </a:solidFill>
+          <a:prstDash val="solid"/>
+          <a:miter lim="800000"/>
+        </a:ln>
+        <a:effectLst/>
+      </dsp:spPr>
+      <dsp:style>
+        <a:lnRef idx="2">
+          <a:scrgbClr r="0" g="0" b="0"/>
+        </a:lnRef>
+        <a:fillRef idx="1">
+          <a:scrgbClr r="0" g="0" b="0"/>
+        </a:fillRef>
+        <a:effectRef idx="0">
+          <a:scrgbClr r="0" g="0" b="0"/>
+        </a:effectRef>
+        <a:fontRef idx="minor">
+          <a:schemeClr val="lt1"/>
+        </a:fontRef>
+      </dsp:style>
+    </dsp:sp>
+    <dsp:sp modelId="{9D0A0909-87DC-48ED-857B-5CC28F9B8EDD}">
+      <dsp:nvSpPr>
+        <dsp:cNvPr id="0" name=""/>
+        <dsp:cNvSpPr/>
+      </dsp:nvSpPr>
+      <dsp:spPr>
+        <a:xfrm rot="5400000">
+          <a:off x="8063318" y="-600227"/>
+          <a:ext cx="1816450" cy="3022532"/>
+        </a:xfrm>
+        <a:prstGeom prst="corner">
+          <a:avLst>
+            <a:gd name="adj1" fmla="val 16120"/>
+            <a:gd name="adj2" fmla="val 16110"/>
+          </a:avLst>
+        </a:prstGeom>
+        <a:solidFill>
+          <a:schemeClr val="accent1">
+            <a:hueOff val="0"/>
+            <a:satOff val="0"/>
+            <a:lumOff val="0"/>
+            <a:alphaOff val="0"/>
+          </a:schemeClr>
+        </a:solidFill>
+        <a:ln w="12700" cap="flat" cmpd="sng" algn="ctr">
+          <a:solidFill>
+            <a:schemeClr val="accent1">
+              <a:hueOff val="0"/>
+              <a:satOff val="0"/>
+              <a:lumOff val="0"/>
+              <a:alphaOff val="0"/>
+            </a:schemeClr>
+          </a:solidFill>
+          <a:prstDash val="solid"/>
+          <a:miter lim="800000"/>
+        </a:ln>
+        <a:effectLst/>
+      </dsp:spPr>
+      <dsp:style>
+        <a:lnRef idx="2">
+          <a:scrgbClr r="0" g="0" b="0"/>
+        </a:lnRef>
+        <a:fillRef idx="1">
+          <a:scrgbClr r="0" g="0" b="0"/>
+        </a:fillRef>
+        <a:effectRef idx="0">
+          <a:scrgbClr r="0" g="0" b="0"/>
+        </a:effectRef>
+        <a:fontRef idx="minor">
+          <a:schemeClr val="lt1"/>
+        </a:fontRef>
+      </dsp:style>
+    </dsp:sp>
+    <dsp:sp modelId="{377C7CDF-871E-4B9D-A32C-BD103361BA64}">
+      <dsp:nvSpPr>
+        <dsp:cNvPr id="0" name=""/>
+        <dsp:cNvSpPr/>
+      </dsp:nvSpPr>
+      <dsp:spPr>
+        <a:xfrm>
+          <a:off x="7760107" y="302858"/>
+          <a:ext cx="2728759" cy="2391917"/>
+        </a:xfrm>
+        <a:prstGeom prst="rect">
+          <a:avLst/>
+        </a:prstGeom>
+        <a:noFill/>
+        <a:ln>
+          <a:noFill/>
+        </a:ln>
+        <a:effectLst/>
+      </dsp:spPr>
+      <dsp:style>
+        <a:lnRef idx="0">
+          <a:scrgbClr r="0" g="0" b="0"/>
+        </a:lnRef>
+        <a:fillRef idx="0">
+          <a:scrgbClr r="0" g="0" b="0"/>
+        </a:fillRef>
+        <a:effectRef idx="0">
+          <a:scrgbClr r="0" g="0" b="0"/>
+        </a:effectRef>
+        <a:fontRef idx="minor"/>
+      </dsp:style>
+      <dsp:txBody>
+        <a:bodyPr spcFirstLastPara="0" vert="horz" wrap="square" lIns="60960" tIns="60960" rIns="60960" bIns="60960" numCol="1" spcCol="1270" anchor="t" anchorCtr="0">
+          <a:noAutofit/>
+        </a:bodyPr>
+        <a:lstStyle/>
+        <a:p>
+          <a:pPr marL="0" lvl="0" indent="0" algn="l" defTabSz="711200">
+            <a:lnSpc>
+              <a:spcPct val="90000"/>
+            </a:lnSpc>
+            <a:spcBef>
+              <a:spcPct val="0"/>
+            </a:spcBef>
+            <a:spcAft>
+              <a:spcPct val="35000"/>
+            </a:spcAft>
+            <a:buNone/>
+          </a:pPr>
+          <a:r>
+            <a:rPr lang="en-US" sz="1600" kern="1200" dirty="0"/>
+            <a:t>AI Driven decision making</a:t>
+          </a:r>
+        </a:p>
+        <a:p>
+          <a:pPr marL="0" lvl="0" indent="0" algn="l" defTabSz="711200">
+            <a:lnSpc>
+              <a:spcPct val="90000"/>
+            </a:lnSpc>
+            <a:spcBef>
+              <a:spcPct val="0"/>
+            </a:spcBef>
+            <a:spcAft>
+              <a:spcPct val="35000"/>
+            </a:spcAft>
+            <a:buNone/>
+          </a:pPr>
+          <a:r>
+            <a:rPr lang="en-US" sz="1600" kern="1200" dirty="0"/>
+            <a:t>AI Driven Actions</a:t>
+          </a:r>
+        </a:p>
+        <a:p>
+          <a:pPr marL="0" lvl="0" indent="0" algn="l" defTabSz="711200">
+            <a:lnSpc>
+              <a:spcPct val="90000"/>
+            </a:lnSpc>
+            <a:spcBef>
+              <a:spcPct val="0"/>
+            </a:spcBef>
+            <a:spcAft>
+              <a:spcPct val="35000"/>
+            </a:spcAft>
+            <a:buNone/>
+          </a:pPr>
+          <a:r>
+            <a:rPr lang="en-US" sz="1600" kern="1200" dirty="0"/>
+            <a:t>AI Driven Service – Revenue model</a:t>
+          </a:r>
+        </a:p>
+        <a:p>
+          <a:pPr marL="0" lvl="0" indent="0" algn="l" defTabSz="711200">
+            <a:lnSpc>
+              <a:spcPct val="90000"/>
+            </a:lnSpc>
+            <a:spcBef>
+              <a:spcPct val="0"/>
+            </a:spcBef>
+            <a:spcAft>
+              <a:spcPct val="35000"/>
+            </a:spcAft>
+            <a:buNone/>
+          </a:pPr>
+          <a:r>
+            <a:rPr lang="en-US" sz="1600" kern="1200" dirty="0"/>
+            <a:t>AI Governance and Security</a:t>
+          </a:r>
+        </a:p>
+        <a:p>
+          <a:pPr marL="0" lvl="0" indent="0" algn="l" defTabSz="711200">
+            <a:lnSpc>
+              <a:spcPct val="90000"/>
+            </a:lnSpc>
+            <a:spcBef>
+              <a:spcPct val="0"/>
+            </a:spcBef>
+            <a:spcAft>
+              <a:spcPct val="35000"/>
+            </a:spcAft>
+            <a:buNone/>
+          </a:pPr>
+          <a:r>
+            <a:rPr lang="en-US" sz="1600" kern="1200" dirty="0"/>
+            <a:t>Process Improvement – AI</a:t>
+          </a:r>
+        </a:p>
+        <a:p>
+          <a:pPr marL="0" lvl="0" indent="0" algn="l" defTabSz="711200">
+            <a:lnSpc>
+              <a:spcPct val="90000"/>
+            </a:lnSpc>
+            <a:spcBef>
+              <a:spcPct val="0"/>
+            </a:spcBef>
+            <a:spcAft>
+              <a:spcPct val="35000"/>
+            </a:spcAft>
+            <a:buNone/>
+          </a:pPr>
+          <a:r>
+            <a:rPr lang="en-US" sz="1600" kern="1200" dirty="0"/>
+            <a:t>AI Optimization</a:t>
+          </a:r>
+        </a:p>
+        <a:p>
+          <a:pPr marL="0" lvl="0" indent="0" algn="l" defTabSz="711200">
+            <a:lnSpc>
+              <a:spcPct val="90000"/>
+            </a:lnSpc>
+            <a:spcBef>
+              <a:spcPct val="0"/>
+            </a:spcBef>
+            <a:spcAft>
+              <a:spcPct val="35000"/>
+            </a:spcAft>
+            <a:buNone/>
+          </a:pPr>
+          <a:r>
+            <a:rPr lang="en-US" sz="1600" kern="1200" dirty="0"/>
+            <a:t>AI Tools – Business Domain</a:t>
+          </a:r>
+        </a:p>
+        <a:p>
+          <a:pPr marL="0" lvl="0" indent="0" algn="l" defTabSz="711200">
+            <a:lnSpc>
+              <a:spcPct val="90000"/>
+            </a:lnSpc>
+            <a:spcBef>
+              <a:spcPct val="0"/>
+            </a:spcBef>
+            <a:spcAft>
+              <a:spcPct val="35000"/>
+            </a:spcAft>
+            <a:buNone/>
+          </a:pPr>
+          <a:r>
+            <a:rPr lang="en-US" sz="1600" kern="1200" dirty="0"/>
+            <a:t>Build AI services</a:t>
+          </a:r>
+        </a:p>
+        <a:p>
+          <a:pPr marL="0" lvl="0" indent="0" algn="l" defTabSz="711200">
+            <a:lnSpc>
+              <a:spcPct val="90000"/>
+            </a:lnSpc>
+            <a:spcBef>
+              <a:spcPct val="0"/>
+            </a:spcBef>
+            <a:spcAft>
+              <a:spcPct val="35000"/>
+            </a:spcAft>
+            <a:buNone/>
+          </a:pPr>
+          <a:endParaRPr lang="en-US" sz="1200" kern="1200" dirty="0"/>
+        </a:p>
+        <a:p>
+          <a:pPr marL="0" lvl="0" indent="0" algn="l" defTabSz="711200">
+            <a:lnSpc>
+              <a:spcPct val="90000"/>
+            </a:lnSpc>
+            <a:spcBef>
+              <a:spcPct val="0"/>
+            </a:spcBef>
+            <a:spcAft>
+              <a:spcPct val="35000"/>
+            </a:spcAft>
+            <a:buNone/>
+          </a:pPr>
+          <a:endParaRPr lang="en-US" sz="1200" kern="1200" dirty="0"/>
+        </a:p>
+      </dsp:txBody>
+      <dsp:txXfrm>
+        <a:off x="7760107" y="302858"/>
+        <a:ext cx="2728759" cy="2391917"/>
       </dsp:txXfrm>
     </dsp:sp>
   </dsp:spTree>
@@ -14574,6 +16644,258 @@
 </dgm:layoutDef>
 </file>
 
+<file path=ppt/diagrams/layout8.xml><?xml version="1.0" encoding="utf-8"?>
+<dgm:layoutDef xmlns:dgm="http://schemas.openxmlformats.org/drawingml/2006/diagram" xmlns:a="http://schemas.openxmlformats.org/drawingml/2006/main" uniqueId="urn:microsoft.com/office/officeart/2009/3/layout/StepUpProcess">
+  <dgm:title val=""/>
+  <dgm:desc val=""/>
+  <dgm:catLst>
+    <dgm:cat type="process" pri="1300"/>
+  </dgm:catLst>
+  <dgm:sampData>
+    <dgm:dataModel>
+      <dgm:ptLst>
+        <dgm:pt modelId="0" type="doc"/>
+        <dgm:pt modelId="10">
+          <dgm:prSet phldr="1"/>
+        </dgm:pt>
+        <dgm:pt modelId="20">
+          <dgm:prSet phldr="1"/>
+        </dgm:pt>
+        <dgm:pt modelId="30">
+          <dgm:prSet phldr="1"/>
+        </dgm:pt>
+      </dgm:ptLst>
+      <dgm:cxnLst>
+        <dgm:cxn modelId="60" srcId="0" destId="10" srcOrd="0" destOrd="0"/>
+        <dgm:cxn modelId="70" srcId="0" destId="20" srcOrd="1" destOrd="0"/>
+        <dgm:cxn modelId="80" srcId="0" destId="30" srcOrd="2" destOrd="0"/>
+      </dgm:cxnLst>
+      <dgm:bg/>
+      <dgm:whole/>
+    </dgm:dataModel>
+  </dgm:sampData>
+  <dgm:styleData>
+    <dgm:dataModel>
+      <dgm:ptLst>
+        <dgm:pt modelId="0" type="doc"/>
+        <dgm:pt modelId="10">
+          <dgm:prSet phldr="1"/>
+        </dgm:pt>
+        <dgm:pt modelId="20">
+          <dgm:prSet phldr="1"/>
+        </dgm:pt>
+      </dgm:ptLst>
+      <dgm:cxnLst>
+        <dgm:cxn modelId="60" srcId="0" destId="10" srcOrd="0" destOrd="0"/>
+        <dgm:cxn modelId="70" srcId="0" destId="20" srcOrd="1" destOrd="0"/>
+      </dgm:cxnLst>
+      <dgm:bg/>
+      <dgm:whole/>
+    </dgm:dataModel>
+  </dgm:styleData>
+  <dgm:clrData>
+    <dgm:dataModel>
+      <dgm:ptLst>
+        <dgm:pt modelId="0" type="doc"/>
+        <dgm:pt modelId="10">
+          <dgm:prSet phldr="1"/>
+        </dgm:pt>
+        <dgm:pt modelId="20">
+          <dgm:prSet phldr="1"/>
+        </dgm:pt>
+        <dgm:pt modelId="30">
+          <dgm:prSet phldr="1"/>
+        </dgm:pt>
+        <dgm:pt modelId="40">
+          <dgm:prSet phldr="1"/>
+        </dgm:pt>
+      </dgm:ptLst>
+      <dgm:cxnLst>
+        <dgm:cxn modelId="60" srcId="0" destId="10" srcOrd="0" destOrd="0"/>
+        <dgm:cxn modelId="70" srcId="0" destId="20" srcOrd="1" destOrd="0"/>
+        <dgm:cxn modelId="80" srcId="0" destId="30" srcOrd="2" destOrd="0"/>
+        <dgm:cxn modelId="90" srcId="0" destId="40" srcOrd="3" destOrd="0"/>
+      </dgm:cxnLst>
+      <dgm:bg/>
+      <dgm:whole/>
+    </dgm:dataModel>
+  </dgm:clrData>
+  <dgm:layoutNode name="rootnode">
+    <dgm:varLst>
+      <dgm:chMax/>
+      <dgm:chPref/>
+      <dgm:dir/>
+      <dgm:animLvl val="lvl"/>
+    </dgm:varLst>
+    <dgm:choose name="Name0">
+      <dgm:if name="Name1" func="var" arg="dir" op="equ" val="norm">
+        <dgm:alg type="snake">
+          <dgm:param type="grDir" val="bL"/>
+          <dgm:param type="flowDir" val="row"/>
+          <dgm:param type="off" val="off"/>
+          <dgm:param type="bkpt" val="fixed"/>
+          <dgm:param type="bkPtFixedVal" val="1"/>
+        </dgm:alg>
+      </dgm:if>
+      <dgm:else name="Name2">
+        <dgm:alg type="snake">
+          <dgm:param type="grDir" val="bR"/>
+          <dgm:param type="flowDir" val="row"/>
+          <dgm:param type="off" val="off"/>
+          <dgm:param type="bkpt" val="fixed"/>
+          <dgm:param type="bkPtFixedVal" val="1"/>
+        </dgm:alg>
+      </dgm:else>
+    </dgm:choose>
+    <dgm:shape xmlns:r="http://schemas.openxmlformats.org/officeDocument/2006/relationships" r:blip="">
+      <dgm:adjLst/>
+    </dgm:shape>
+    <dgm:constrLst>
+      <dgm:constr type="alignOff" forName="rootnode" val="1"/>
+      <dgm:constr type="primFontSz" for="des" ptType="node" op="equ" val="65"/>
+      <dgm:constr type="w" for="ch" forName="composite" refType="w"/>
+      <dgm:constr type="h" for="ch" forName="composite" refType="h"/>
+      <dgm:constr type="sp" refType="h" refFor="ch" refForName="composite" op="equ" fact="-0.765"/>
+      <dgm:constr type="w" for="ch" forName="sibTrans" refType="w" fact="0.103"/>
+      <dgm:constr type="h" for="ch" forName="sibTrans" refType="h" fact="0.103"/>
+    </dgm:constrLst>
+    <dgm:forEach name="nodesForEach" axis="ch" ptType="node">
+      <dgm:layoutNode name="composite">
+        <dgm:alg type="composite">
+          <dgm:param type="ar" val="0.861"/>
+        </dgm:alg>
+        <dgm:shape xmlns:r="http://schemas.openxmlformats.org/officeDocument/2006/relationships" r:blip="">
+          <dgm:adjLst/>
+        </dgm:shape>
+        <dgm:choose name="Name3">
+          <dgm:if name="Name4" func="var" arg="dir" op="equ" val="norm">
+            <dgm:constrLst>
+              <dgm:constr type="l" for="ch" forName="LShape" refType="w" fact="0"/>
+              <dgm:constr type="t" for="ch" forName="LShape" refType="h" fact="0.2347"/>
+              <dgm:constr type="w" for="ch" forName="LShape" refType="w" fact="0.998"/>
+              <dgm:constr type="h" for="ch" forName="LShape" refType="h" fact="0.5164"/>
+              <dgm:constr type="r" for="ch" forName="ParentText" refType="w"/>
+              <dgm:constr type="t" for="ch" forName="ParentText" refType="h" fact="0.32"/>
+              <dgm:constr type="w" for="ch" forName="ParentText" refType="w" fact="0.901"/>
+              <dgm:constr type="h" for="ch" forName="ParentText" refType="h" fact="0.68"/>
+              <dgm:constr type="l" for="ch" forName="Triangle" refType="w" fact="0.83"/>
+              <dgm:constr type="t" for="ch" forName="Triangle" refType="h" fact="0"/>
+              <dgm:constr type="w" for="ch" forName="Triangle" refType="w" fact="0.17"/>
+              <dgm:constr type="h" for="ch" forName="Triangle" refType="w" refFor="ch" refForName="Triangle"/>
+            </dgm:constrLst>
+          </dgm:if>
+          <dgm:else name="Name5">
+            <dgm:constrLst>
+              <dgm:constr type="l" for="ch" forName="LShape" refType="w" fact="0.002"/>
+              <dgm:constr type="t" for="ch" forName="LShape" refType="h" fact="0.2347"/>
+              <dgm:constr type="w" for="ch" forName="LShape" refType="w"/>
+              <dgm:constr type="h" for="ch" forName="LShape" refType="h" fact="0.5164"/>
+              <dgm:constr type="l" for="ch" forName="ParentText" refType="w" fact="0"/>
+              <dgm:constr type="t" for="ch" forName="ParentText" refType="h" fact="0.32"/>
+              <dgm:constr type="w" for="ch" forName="ParentText" refType="w" fact="0.902"/>
+              <dgm:constr type="h" for="ch" forName="ParentText" refType="h" fact="0.68"/>
+              <dgm:constr type="l" for="ch" forName="Triangle" refType="w" fact="0"/>
+              <dgm:constr type="t" for="ch" forName="Triangle" refType="h" fact="0"/>
+              <dgm:constr type="w" for="ch" forName="Triangle" refType="w" fact="0.17"/>
+              <dgm:constr type="h" for="ch" forName="Triangle" refType="w" refFor="ch" refForName="Triangle"/>
+            </dgm:constrLst>
+          </dgm:else>
+        </dgm:choose>
+        <dgm:layoutNode name="LShape" styleLbl="alignNode1">
+          <dgm:alg type="sp"/>
+          <dgm:choose name="Name6">
+            <dgm:if name="Name7" func="var" arg="dir" op="equ" val="norm">
+              <dgm:shape xmlns:r="http://schemas.openxmlformats.org/officeDocument/2006/relationships" rot="90" type="corner" r:blip="">
+                <dgm:adjLst>
+                  <dgm:adj idx="1" val="0.1612"/>
+                  <dgm:adj idx="2" val="0.1611"/>
+                </dgm:adjLst>
+              </dgm:shape>
+            </dgm:if>
+            <dgm:else name="Name8">
+              <dgm:shape xmlns:r="http://schemas.openxmlformats.org/officeDocument/2006/relationships" rot="180" type="corner" r:blip="">
+                <dgm:adjLst>
+                  <dgm:adj idx="1" val="0.1612"/>
+                  <dgm:adj idx="2" val="0.1611"/>
+                </dgm:adjLst>
+              </dgm:shape>
+            </dgm:else>
+          </dgm:choose>
+          <dgm:presOf/>
+        </dgm:layoutNode>
+        <dgm:layoutNode name="ParentText" styleLbl="revTx">
+          <dgm:varLst>
+            <dgm:chMax val="0"/>
+            <dgm:chPref val="0"/>
+            <dgm:bulletEnabled val="1"/>
+          </dgm:varLst>
+          <dgm:alg type="tx">
+            <dgm:param type="parTxLTRAlign" val="l"/>
+            <dgm:param type="txAnchorVert" val="t"/>
+          </dgm:alg>
+          <dgm:shape xmlns:r="http://schemas.openxmlformats.org/officeDocument/2006/relationships" type="rect" r:blip="">
+            <dgm:adjLst/>
+          </dgm:shape>
+          <dgm:presOf axis="desOrSelf" ptType="node"/>
+          <dgm:constrLst>
+            <dgm:constr type="lMarg" refType="primFontSz" fact="0.3"/>
+            <dgm:constr type="rMarg" refType="primFontSz" fact="0.3"/>
+            <dgm:constr type="tMarg" refType="primFontSz" fact="0.3"/>
+            <dgm:constr type="bMarg" refType="primFontSz" fact="0.3"/>
+          </dgm:constrLst>
+          <dgm:ruleLst>
+            <dgm:rule type="primFontSz" val="5" fact="NaN" max="NaN"/>
+          </dgm:ruleLst>
+        </dgm:layoutNode>
+        <dgm:choose name="Name9">
+          <dgm:if name="Name10" axis="followSib" ptType="node" func="cnt" op="gte" val="1">
+            <dgm:layoutNode name="Triangle" styleLbl="alignNode1">
+              <dgm:alg type="sp"/>
+              <dgm:choose name="Name11">
+                <dgm:if name="Name12" func="var" arg="dir" op="equ" val="norm">
+                  <dgm:shape xmlns:r="http://schemas.openxmlformats.org/officeDocument/2006/relationships" type="triangle" r:blip="">
+                    <dgm:adjLst>
+                      <dgm:adj idx="1" val="1"/>
+                    </dgm:adjLst>
+                  </dgm:shape>
+                </dgm:if>
+                <dgm:else name="Name13">
+                  <dgm:shape xmlns:r="http://schemas.openxmlformats.org/officeDocument/2006/relationships" rot="90" type="triangle" r:blip="">
+                    <dgm:adjLst>
+                      <dgm:adj idx="1" val="1"/>
+                    </dgm:adjLst>
+                  </dgm:shape>
+                </dgm:else>
+              </dgm:choose>
+              <dgm:presOf/>
+            </dgm:layoutNode>
+          </dgm:if>
+          <dgm:else name="Name14"/>
+        </dgm:choose>
+      </dgm:layoutNode>
+      <dgm:forEach name="sibTransForEach" axis="followSib" ptType="sibTrans" cnt="1">
+        <dgm:layoutNode name="sibTrans">
+          <dgm:alg type="composite">
+            <dgm:param type="ar" val="0.861"/>
+          </dgm:alg>
+          <dgm:constrLst>
+            <dgm:constr type="w" for="ch" forName="space" refType="w"/>
+            <dgm:constr type="h" for="ch" forName="space" refType="w"/>
+          </dgm:constrLst>
+          <dgm:layoutNode name="space" styleLbl="alignNode1">
+            <dgm:alg type="sp"/>
+            <dgm:shape xmlns:r="http://schemas.openxmlformats.org/officeDocument/2006/relationships" r:blip="">
+              <dgm:adjLst/>
+            </dgm:shape>
+            <dgm:presOf/>
+          </dgm:layoutNode>
+        </dgm:layoutNode>
+      </dgm:forEach>
+    </dgm:forEach>
+  </dgm:layoutNode>
+</dgm:layoutDef>
+</file>
+
 <file path=ppt/diagrams/quickStyle1.xml><?xml version="1.0" encoding="utf-8"?>
 <dgm:styleDef xmlns:dgm="http://schemas.openxmlformats.org/drawingml/2006/diagram" xmlns:a="http://schemas.openxmlformats.org/drawingml/2006/main" uniqueId="urn:microsoft.com/office/officeart/2005/8/quickstyle/simple1">
   <dgm:title val=""/>
@@ -20779,6 +23101,1040 @@
 </file>
 
 <file path=ppt/diagrams/quickStyle7.xml><?xml version="1.0" encoding="utf-8"?>
+<dgm:styleDef xmlns:dgm="http://schemas.openxmlformats.org/drawingml/2006/diagram" xmlns:a="http://schemas.openxmlformats.org/drawingml/2006/main" uniqueId="urn:microsoft.com/office/officeart/2005/8/quickstyle/simple1">
+  <dgm:title val=""/>
+  <dgm:desc val=""/>
+  <dgm:catLst>
+    <dgm:cat type="simple" pri="10100"/>
+  </dgm:catLst>
+  <dgm:scene3d>
+    <a:camera prst="orthographicFront"/>
+    <a:lightRig rig="threePt" dir="t"/>
+  </dgm:scene3d>
+  <dgm:styleLbl name="node0">
+    <dgm:scene3d>
+      <a:camera prst="orthographicFront"/>
+      <a:lightRig rig="threePt" dir="t"/>
+    </dgm:scene3d>
+    <dgm:sp3d/>
+    <dgm:txPr/>
+    <dgm:style>
+      <a:lnRef idx="2">
+        <a:scrgbClr r="0" g="0" b="0"/>
+      </a:lnRef>
+      <a:fillRef idx="1">
+        <a:scrgbClr r="0" g="0" b="0"/>
+      </a:fillRef>
+      <a:effectRef idx="0">
+        <a:scrgbClr r="0" g="0" b="0"/>
+      </a:effectRef>
+      <a:fontRef idx="minor">
+        <a:schemeClr val="lt1"/>
+      </a:fontRef>
+    </dgm:style>
+  </dgm:styleLbl>
+  <dgm:styleLbl name="lnNode1">
+    <dgm:scene3d>
+      <a:camera prst="orthographicFront"/>
+      <a:lightRig rig="threePt" dir="t"/>
+    </dgm:scene3d>
+    <dgm:sp3d/>
+    <dgm:txPr/>
+    <dgm:style>
+      <a:lnRef idx="2">
+        <a:scrgbClr r="0" g="0" b="0"/>
+      </a:lnRef>
+      <a:fillRef idx="1">
+        <a:scrgbClr r="0" g="0" b="0"/>
+      </a:fillRef>
+      <a:effectRef idx="0">
+        <a:scrgbClr r="0" g="0" b="0"/>
+      </a:effectRef>
+      <a:fontRef idx="minor">
+        <a:schemeClr val="lt1"/>
+      </a:fontRef>
+    </dgm:style>
+  </dgm:styleLbl>
+  <dgm:styleLbl name="vennNode1">
+    <dgm:scene3d>
+      <a:camera prst="orthographicFront"/>
+      <a:lightRig rig="threePt" dir="t"/>
+    </dgm:scene3d>
+    <dgm:sp3d/>
+    <dgm:txPr/>
+    <dgm:style>
+      <a:lnRef idx="2">
+        <a:scrgbClr r="0" g="0" b="0"/>
+      </a:lnRef>
+      <a:fillRef idx="1">
+        <a:scrgbClr r="0" g="0" b="0"/>
+      </a:fillRef>
+      <a:effectRef idx="0">
+        <a:scrgbClr r="0" g="0" b="0"/>
+      </a:effectRef>
+      <a:fontRef idx="minor">
+        <a:schemeClr val="tx1"/>
+      </a:fontRef>
+    </dgm:style>
+  </dgm:styleLbl>
+  <dgm:styleLbl name="alignNode1">
+    <dgm:scene3d>
+      <a:camera prst="orthographicFront"/>
+      <a:lightRig rig="threePt" dir="t"/>
+    </dgm:scene3d>
+    <dgm:sp3d/>
+    <dgm:txPr/>
+    <dgm:style>
+      <a:lnRef idx="2">
+        <a:scrgbClr r="0" g="0" b="0"/>
+      </a:lnRef>
+      <a:fillRef idx="1">
+        <a:scrgbClr r="0" g="0" b="0"/>
+      </a:fillRef>
+      <a:effectRef idx="0">
+        <a:scrgbClr r="0" g="0" b="0"/>
+      </a:effectRef>
+      <a:fontRef idx="minor">
+        <a:schemeClr val="lt1"/>
+      </a:fontRef>
+    </dgm:style>
+  </dgm:styleLbl>
+  <dgm:styleLbl name="node1">
+    <dgm:scene3d>
+      <a:camera prst="orthographicFront"/>
+      <a:lightRig rig="threePt" dir="t"/>
+    </dgm:scene3d>
+    <dgm:sp3d/>
+    <dgm:txPr/>
+    <dgm:style>
+      <a:lnRef idx="2">
+        <a:scrgbClr r="0" g="0" b="0"/>
+      </a:lnRef>
+      <a:fillRef idx="1">
+        <a:scrgbClr r="0" g="0" b="0"/>
+      </a:fillRef>
+      <a:effectRef idx="0">
+        <a:scrgbClr r="0" g="0" b="0"/>
+      </a:effectRef>
+      <a:fontRef idx="minor">
+        <a:schemeClr val="lt1"/>
+      </a:fontRef>
+    </dgm:style>
+  </dgm:styleLbl>
+  <dgm:styleLbl name="node2">
+    <dgm:scene3d>
+      <a:camera prst="orthographicFront"/>
+      <a:lightRig rig="threePt" dir="t"/>
+    </dgm:scene3d>
+    <dgm:sp3d/>
+    <dgm:txPr/>
+    <dgm:style>
+      <a:lnRef idx="2">
+        <a:scrgbClr r="0" g="0" b="0"/>
+      </a:lnRef>
+      <a:fillRef idx="1">
+        <a:scrgbClr r="0" g="0" b="0"/>
+      </a:fillRef>
+      <a:effectRef idx="0">
+        <a:scrgbClr r="0" g="0" b="0"/>
+      </a:effectRef>
+      <a:fontRef idx="minor">
+        <a:schemeClr val="lt1"/>
+      </a:fontRef>
+    </dgm:style>
+  </dgm:styleLbl>
+  <dgm:styleLbl name="node3">
+    <dgm:scene3d>
+      <a:camera prst="orthographicFront"/>
+      <a:lightRig rig="threePt" dir="t"/>
+    </dgm:scene3d>
+    <dgm:sp3d/>
+    <dgm:txPr/>
+    <dgm:style>
+      <a:lnRef idx="2">
+        <a:scrgbClr r="0" g="0" b="0"/>
+      </a:lnRef>
+      <a:fillRef idx="1">
+        <a:scrgbClr r="0" g="0" b="0"/>
+      </a:fillRef>
+      <a:effectRef idx="0">
+        <a:scrgbClr r="0" g="0" b="0"/>
+      </a:effectRef>
+      <a:fontRef idx="minor">
+        <a:schemeClr val="lt1"/>
+      </a:fontRef>
+    </dgm:style>
+  </dgm:styleLbl>
+  <dgm:styleLbl name="node4">
+    <dgm:scene3d>
+      <a:camera prst="orthographicFront"/>
+      <a:lightRig rig="threePt" dir="t"/>
+    </dgm:scene3d>
+    <dgm:sp3d/>
+    <dgm:txPr/>
+    <dgm:style>
+      <a:lnRef idx="2">
+        <a:scrgbClr r="0" g="0" b="0"/>
+      </a:lnRef>
+      <a:fillRef idx="1">
+        <a:scrgbClr r="0" g="0" b="0"/>
+      </a:fillRef>
+      <a:effectRef idx="0">
+        <a:scrgbClr r="0" g="0" b="0"/>
+      </a:effectRef>
+      <a:fontRef idx="minor">
+        <a:schemeClr val="lt1"/>
+      </a:fontRef>
+    </dgm:style>
+  </dgm:styleLbl>
+  <dgm:styleLbl name="fgImgPlace1">
+    <dgm:scene3d>
+      <a:camera prst="orthographicFront"/>
+      <a:lightRig rig="threePt" dir="t"/>
+    </dgm:scene3d>
+    <dgm:sp3d/>
+    <dgm:txPr/>
+    <dgm:style>
+      <a:lnRef idx="2">
+        <a:scrgbClr r="0" g="0" b="0"/>
+      </a:lnRef>
+      <a:fillRef idx="1">
+        <a:scrgbClr r="0" g="0" b="0"/>
+      </a:fillRef>
+      <a:effectRef idx="0">
+        <a:scrgbClr r="0" g="0" b="0"/>
+      </a:effectRef>
+      <a:fontRef idx="minor"/>
+    </dgm:style>
+  </dgm:styleLbl>
+  <dgm:styleLbl name="alignImgPlace1">
+    <dgm:scene3d>
+      <a:camera prst="orthographicFront"/>
+      <a:lightRig rig="threePt" dir="t"/>
+    </dgm:scene3d>
+    <dgm:sp3d/>
+    <dgm:txPr/>
+    <dgm:style>
+      <a:lnRef idx="2">
+        <a:scrgbClr r="0" g="0" b="0"/>
+      </a:lnRef>
+      <a:fillRef idx="1">
+        <a:scrgbClr r="0" g="0" b="0"/>
+      </a:fillRef>
+      <a:effectRef idx="0">
+        <a:scrgbClr r="0" g="0" b="0"/>
+      </a:effectRef>
+      <a:fontRef idx="minor"/>
+    </dgm:style>
+  </dgm:styleLbl>
+  <dgm:styleLbl name="bgImgPlace1">
+    <dgm:scene3d>
+      <a:camera prst="orthographicFront"/>
+      <a:lightRig rig="threePt" dir="t"/>
+    </dgm:scene3d>
+    <dgm:sp3d/>
+    <dgm:txPr/>
+    <dgm:style>
+      <a:lnRef idx="2">
+        <a:scrgbClr r="0" g="0" b="0"/>
+      </a:lnRef>
+      <a:fillRef idx="1">
+        <a:scrgbClr r="0" g="0" b="0"/>
+      </a:fillRef>
+      <a:effectRef idx="0">
+        <a:scrgbClr r="0" g="0" b="0"/>
+      </a:effectRef>
+      <a:fontRef idx="minor"/>
+    </dgm:style>
+  </dgm:styleLbl>
+  <dgm:styleLbl name="sibTrans2D1">
+    <dgm:scene3d>
+      <a:camera prst="orthographicFront"/>
+      <a:lightRig rig="threePt" dir="t"/>
+    </dgm:scene3d>
+    <dgm:sp3d/>
+    <dgm:txPr/>
+    <dgm:style>
+      <a:lnRef idx="0">
+        <a:scrgbClr r="0" g="0" b="0"/>
+      </a:lnRef>
+      <a:fillRef idx="1">
+        <a:scrgbClr r="0" g="0" b="0"/>
+      </a:fillRef>
+      <a:effectRef idx="0">
+        <a:scrgbClr r="0" g="0" b="0"/>
+      </a:effectRef>
+      <a:fontRef idx="minor">
+        <a:schemeClr val="lt1"/>
+      </a:fontRef>
+    </dgm:style>
+  </dgm:styleLbl>
+  <dgm:styleLbl name="fgSibTrans2D1">
+    <dgm:scene3d>
+      <a:camera prst="orthographicFront"/>
+      <a:lightRig rig="threePt" dir="t"/>
+    </dgm:scene3d>
+    <dgm:sp3d/>
+    <dgm:txPr/>
+    <dgm:style>
+      <a:lnRef idx="0">
+        <a:scrgbClr r="0" g="0" b="0"/>
+      </a:lnRef>
+      <a:fillRef idx="1">
+        <a:scrgbClr r="0" g="0" b="0"/>
+      </a:fillRef>
+      <a:effectRef idx="0">
+        <a:scrgbClr r="0" g="0" b="0"/>
+      </a:effectRef>
+      <a:fontRef idx="minor">
+        <a:schemeClr val="lt1"/>
+      </a:fontRef>
+    </dgm:style>
+  </dgm:styleLbl>
+  <dgm:styleLbl name="bgSibTrans2D1">
+    <dgm:scene3d>
+      <a:camera prst="orthographicFront"/>
+      <a:lightRig rig="threePt" dir="t"/>
+    </dgm:scene3d>
+    <dgm:sp3d/>
+    <dgm:txPr/>
+    <dgm:style>
+      <a:lnRef idx="0">
+        <a:scrgbClr r="0" g="0" b="0"/>
+      </a:lnRef>
+      <a:fillRef idx="1">
+        <a:scrgbClr r="0" g="0" b="0"/>
+      </a:fillRef>
+      <a:effectRef idx="0">
+        <a:scrgbClr r="0" g="0" b="0"/>
+      </a:effectRef>
+      <a:fontRef idx="minor">
+        <a:schemeClr val="lt1"/>
+      </a:fontRef>
+    </dgm:style>
+  </dgm:styleLbl>
+  <dgm:styleLbl name="sibTrans1D1">
+    <dgm:scene3d>
+      <a:camera prst="orthographicFront"/>
+      <a:lightRig rig="threePt" dir="t"/>
+    </dgm:scene3d>
+    <dgm:sp3d/>
+    <dgm:txPr/>
+    <dgm:style>
+      <a:lnRef idx="1">
+        <a:scrgbClr r="0" g="0" b="0"/>
+      </a:lnRef>
+      <a:fillRef idx="0">
+        <a:scrgbClr r="0" g="0" b="0"/>
+      </a:fillRef>
+      <a:effectRef idx="0">
+        <a:scrgbClr r="0" g="0" b="0"/>
+      </a:effectRef>
+      <a:fontRef idx="minor"/>
+    </dgm:style>
+  </dgm:styleLbl>
+  <dgm:styleLbl name="callout">
+    <dgm:scene3d>
+      <a:camera prst="orthographicFront"/>
+      <a:lightRig rig="threePt" dir="t"/>
+    </dgm:scene3d>
+    <dgm:sp3d/>
+    <dgm:txPr/>
+    <dgm:style>
+      <a:lnRef idx="2">
+        <a:scrgbClr r="0" g="0" b="0"/>
+      </a:lnRef>
+      <a:fillRef idx="1">
+        <a:scrgbClr r="0" g="0" b="0"/>
+      </a:fillRef>
+      <a:effectRef idx="0">
+        <a:scrgbClr r="0" g="0" b="0"/>
+      </a:effectRef>
+      <a:fontRef idx="minor"/>
+    </dgm:style>
+  </dgm:styleLbl>
+  <dgm:styleLbl name="asst0">
+    <dgm:scene3d>
+      <a:camera prst="orthographicFront"/>
+      <a:lightRig rig="threePt" dir="t"/>
+    </dgm:scene3d>
+    <dgm:sp3d/>
+    <dgm:txPr/>
+    <dgm:style>
+      <a:lnRef idx="2">
+        <a:scrgbClr r="0" g="0" b="0"/>
+      </a:lnRef>
+      <a:fillRef idx="1">
+        <a:scrgbClr r="0" g="0" b="0"/>
+      </a:fillRef>
+      <a:effectRef idx="0">
+        <a:scrgbClr r="0" g="0" b="0"/>
+      </a:effectRef>
+      <a:fontRef idx="minor">
+        <a:schemeClr val="lt1"/>
+      </a:fontRef>
+    </dgm:style>
+  </dgm:styleLbl>
+  <dgm:styleLbl name="asst1">
+    <dgm:scene3d>
+      <a:camera prst="orthographicFront"/>
+      <a:lightRig rig="threePt" dir="t"/>
+    </dgm:scene3d>
+    <dgm:sp3d/>
+    <dgm:txPr/>
+    <dgm:style>
+      <a:lnRef idx="2">
+        <a:scrgbClr r="0" g="0" b="0"/>
+      </a:lnRef>
+      <a:fillRef idx="1">
+        <a:scrgbClr r="0" g="0" b="0"/>
+      </a:fillRef>
+      <a:effectRef idx="0">
+        <a:scrgbClr r="0" g="0" b="0"/>
+      </a:effectRef>
+      <a:fontRef idx="minor">
+        <a:schemeClr val="lt1"/>
+      </a:fontRef>
+    </dgm:style>
+  </dgm:styleLbl>
+  <dgm:styleLbl name="asst2">
+    <dgm:scene3d>
+      <a:camera prst="orthographicFront"/>
+      <a:lightRig rig="threePt" dir="t"/>
+    </dgm:scene3d>
+    <dgm:sp3d/>
+    <dgm:txPr/>
+    <dgm:style>
+      <a:lnRef idx="2">
+        <a:scrgbClr r="0" g="0" b="0"/>
+      </a:lnRef>
+      <a:fillRef idx="1">
+        <a:scrgbClr r="0" g="0" b="0"/>
+      </a:fillRef>
+      <a:effectRef idx="0">
+        <a:scrgbClr r="0" g="0" b="0"/>
+      </a:effectRef>
+      <a:fontRef idx="minor">
+        <a:schemeClr val="lt1"/>
+      </a:fontRef>
+    </dgm:style>
+  </dgm:styleLbl>
+  <dgm:styleLbl name="asst3">
+    <dgm:scene3d>
+      <a:camera prst="orthographicFront"/>
+      <a:lightRig rig="threePt" dir="t"/>
+    </dgm:scene3d>
+    <dgm:sp3d/>
+    <dgm:txPr/>
+    <dgm:style>
+      <a:lnRef idx="2">
+        <a:scrgbClr r="0" g="0" b="0"/>
+      </a:lnRef>
+      <a:fillRef idx="1">
+        <a:scrgbClr r="0" g="0" b="0"/>
+      </a:fillRef>
+      <a:effectRef idx="0">
+        <a:scrgbClr r="0" g="0" b="0"/>
+      </a:effectRef>
+      <a:fontRef idx="minor">
+        <a:schemeClr val="lt1"/>
+      </a:fontRef>
+    </dgm:style>
+  </dgm:styleLbl>
+  <dgm:styleLbl name="asst4">
+    <dgm:scene3d>
+      <a:camera prst="orthographicFront"/>
+      <a:lightRig rig="threePt" dir="t"/>
+    </dgm:scene3d>
+    <dgm:sp3d/>
+    <dgm:txPr/>
+    <dgm:style>
+      <a:lnRef idx="2">
+        <a:scrgbClr r="0" g="0" b="0"/>
+      </a:lnRef>
+      <a:fillRef idx="1">
+        <a:scrgbClr r="0" g="0" b="0"/>
+      </a:fillRef>
+      <a:effectRef idx="0">
+        <a:scrgbClr r="0" g="0" b="0"/>
+      </a:effectRef>
+      <a:fontRef idx="minor">
+        <a:schemeClr val="lt1"/>
+      </a:fontRef>
+    </dgm:style>
+  </dgm:styleLbl>
+  <dgm:styleLbl name="parChTrans2D1">
+    <dgm:scene3d>
+      <a:camera prst="orthographicFront"/>
+      <a:lightRig rig="threePt" dir="t"/>
+    </dgm:scene3d>
+    <dgm:sp3d/>
+    <dgm:txPr/>
+    <dgm:style>
+      <a:lnRef idx="2">
+        <a:scrgbClr r="0" g="0" b="0"/>
+      </a:lnRef>
+      <a:fillRef idx="1">
+        <a:scrgbClr r="0" g="0" b="0"/>
+      </a:fillRef>
+      <a:effectRef idx="0">
+        <a:scrgbClr r="0" g="0" b="0"/>
+      </a:effectRef>
+      <a:fontRef idx="minor">
+        <a:schemeClr val="lt1"/>
+      </a:fontRef>
+    </dgm:style>
+  </dgm:styleLbl>
+  <dgm:styleLbl name="parChTrans2D2">
+    <dgm:scene3d>
+      <a:camera prst="orthographicFront"/>
+      <a:lightRig rig="threePt" dir="t"/>
+    </dgm:scene3d>
+    <dgm:sp3d/>
+    <dgm:txPr/>
+    <dgm:style>
+      <a:lnRef idx="2">
+        <a:scrgbClr r="0" g="0" b="0"/>
+      </a:lnRef>
+      <a:fillRef idx="1">
+        <a:scrgbClr r="0" g="0" b="0"/>
+      </a:fillRef>
+      <a:effectRef idx="0">
+        <a:scrgbClr r="0" g="0" b="0"/>
+      </a:effectRef>
+      <a:fontRef idx="minor">
+        <a:schemeClr val="lt1"/>
+      </a:fontRef>
+    </dgm:style>
+  </dgm:styleLbl>
+  <dgm:styleLbl name="parChTrans2D3">
+    <dgm:scene3d>
+      <a:camera prst="orthographicFront"/>
+      <a:lightRig rig="threePt" dir="t"/>
+    </dgm:scene3d>
+    <dgm:sp3d/>
+    <dgm:txPr/>
+    <dgm:style>
+      <a:lnRef idx="2">
+        <a:scrgbClr r="0" g="0" b="0"/>
+      </a:lnRef>
+      <a:fillRef idx="1">
+        <a:scrgbClr r="0" g="0" b="0"/>
+      </a:fillRef>
+      <a:effectRef idx="0">
+        <a:scrgbClr r="0" g="0" b="0"/>
+      </a:effectRef>
+      <a:fontRef idx="minor">
+        <a:schemeClr val="lt1"/>
+      </a:fontRef>
+    </dgm:style>
+  </dgm:styleLbl>
+  <dgm:styleLbl name="parChTrans2D4">
+    <dgm:scene3d>
+      <a:camera prst="orthographicFront"/>
+      <a:lightRig rig="threePt" dir="t"/>
+    </dgm:scene3d>
+    <dgm:sp3d/>
+    <dgm:txPr/>
+    <dgm:style>
+      <a:lnRef idx="2">
+        <a:scrgbClr r="0" g="0" b="0"/>
+      </a:lnRef>
+      <a:fillRef idx="1">
+        <a:scrgbClr r="0" g="0" b="0"/>
+      </a:fillRef>
+      <a:effectRef idx="0">
+        <a:scrgbClr r="0" g="0" b="0"/>
+      </a:effectRef>
+      <a:fontRef idx="minor">
+        <a:schemeClr val="lt1"/>
+      </a:fontRef>
+    </dgm:style>
+  </dgm:styleLbl>
+  <dgm:styleLbl name="parChTrans1D1">
+    <dgm:scene3d>
+      <a:camera prst="orthographicFront"/>
+      <a:lightRig rig="threePt" dir="t"/>
+    </dgm:scene3d>
+    <dgm:sp3d/>
+    <dgm:txPr/>
+    <dgm:style>
+      <a:lnRef idx="2">
+        <a:scrgbClr r="0" g="0" b="0"/>
+      </a:lnRef>
+      <a:fillRef idx="0">
+        <a:scrgbClr r="0" g="0" b="0"/>
+      </a:fillRef>
+      <a:effectRef idx="0">
+        <a:scrgbClr r="0" g="0" b="0"/>
+      </a:effectRef>
+      <a:fontRef idx="minor"/>
+    </dgm:style>
+  </dgm:styleLbl>
+  <dgm:styleLbl name="parChTrans1D2">
+    <dgm:scene3d>
+      <a:camera prst="orthographicFront"/>
+      <a:lightRig rig="threePt" dir="t"/>
+    </dgm:scene3d>
+    <dgm:sp3d/>
+    <dgm:txPr/>
+    <dgm:style>
+      <a:lnRef idx="2">
+        <a:scrgbClr r="0" g="0" b="0"/>
+      </a:lnRef>
+      <a:fillRef idx="0">
+        <a:scrgbClr r="0" g="0" b="0"/>
+      </a:fillRef>
+      <a:effectRef idx="0">
+        <a:scrgbClr r="0" g="0" b="0"/>
+      </a:effectRef>
+      <a:fontRef idx="minor"/>
+    </dgm:style>
+  </dgm:styleLbl>
+  <dgm:styleLbl name="parChTrans1D3">
+    <dgm:scene3d>
+      <a:camera prst="orthographicFront"/>
+      <a:lightRig rig="threePt" dir="t"/>
+    </dgm:scene3d>
+    <dgm:sp3d/>
+    <dgm:txPr/>
+    <dgm:style>
+      <a:lnRef idx="2">
+        <a:scrgbClr r="0" g="0" b="0"/>
+      </a:lnRef>
+      <a:fillRef idx="0">
+        <a:scrgbClr r="0" g="0" b="0"/>
+      </a:fillRef>
+      <a:effectRef idx="0">
+        <a:scrgbClr r="0" g="0" b="0"/>
+      </a:effectRef>
+      <a:fontRef idx="minor"/>
+    </dgm:style>
+  </dgm:styleLbl>
+  <dgm:styleLbl name="parChTrans1D4">
+    <dgm:scene3d>
+      <a:camera prst="orthographicFront"/>
+      <a:lightRig rig="threePt" dir="t"/>
+    </dgm:scene3d>
+    <dgm:sp3d/>
+    <dgm:txPr/>
+    <dgm:style>
+      <a:lnRef idx="2">
+        <a:scrgbClr r="0" g="0" b="0"/>
+      </a:lnRef>
+      <a:fillRef idx="0">
+        <a:scrgbClr r="0" g="0" b="0"/>
+      </a:fillRef>
+      <a:effectRef idx="0">
+        <a:scrgbClr r="0" g="0" b="0"/>
+      </a:effectRef>
+      <a:fontRef idx="minor"/>
+    </dgm:style>
+  </dgm:styleLbl>
+  <dgm:styleLbl name="fgAcc1">
+    <dgm:scene3d>
+      <a:camera prst="orthographicFront"/>
+      <a:lightRig rig="threePt" dir="t"/>
+    </dgm:scene3d>
+    <dgm:sp3d/>
+    <dgm:txPr/>
+    <dgm:style>
+      <a:lnRef idx="2">
+        <a:scrgbClr r="0" g="0" b="0"/>
+      </a:lnRef>
+      <a:fillRef idx="1">
+        <a:scrgbClr r="0" g="0" b="0"/>
+      </a:fillRef>
+      <a:effectRef idx="0">
+        <a:scrgbClr r="0" g="0" b="0"/>
+      </a:effectRef>
+      <a:fontRef idx="minor"/>
+    </dgm:style>
+  </dgm:styleLbl>
+  <dgm:styleLbl name="conFgAcc1">
+    <dgm:scene3d>
+      <a:camera prst="orthographicFront"/>
+      <a:lightRig rig="threePt" dir="t"/>
+    </dgm:scene3d>
+    <dgm:sp3d/>
+    <dgm:txPr/>
+    <dgm:style>
+      <a:lnRef idx="2">
+        <a:scrgbClr r="0" g="0" b="0"/>
+      </a:lnRef>
+      <a:fillRef idx="1">
+        <a:scrgbClr r="0" g="0" b="0"/>
+      </a:fillRef>
+      <a:effectRef idx="0">
+        <a:scrgbClr r="0" g="0" b="0"/>
+      </a:effectRef>
+      <a:fontRef idx="minor"/>
+    </dgm:style>
+  </dgm:styleLbl>
+  <dgm:styleLbl name="alignAcc1">
+    <dgm:scene3d>
+      <a:camera prst="orthographicFront"/>
+      <a:lightRig rig="threePt" dir="t"/>
+    </dgm:scene3d>
+    <dgm:sp3d/>
+    <dgm:txPr/>
+    <dgm:style>
+      <a:lnRef idx="2">
+        <a:scrgbClr r="0" g="0" b="0"/>
+      </a:lnRef>
+      <a:fillRef idx="1">
+        <a:scrgbClr r="0" g="0" b="0"/>
+      </a:fillRef>
+      <a:effectRef idx="0">
+        <a:scrgbClr r="0" g="0" b="0"/>
+      </a:effectRef>
+      <a:fontRef idx="minor"/>
+    </dgm:style>
+  </dgm:styleLbl>
+  <dgm:styleLbl name="trAlignAcc1">
+    <dgm:scene3d>
+      <a:camera prst="orthographicFront"/>
+      <a:lightRig rig="threePt" dir="t"/>
+    </dgm:scene3d>
+    <dgm:sp3d/>
+    <dgm:txPr/>
+    <dgm:style>
+      <a:lnRef idx="1">
+        <a:scrgbClr r="0" g="0" b="0"/>
+      </a:lnRef>
+      <a:fillRef idx="1">
+        <a:scrgbClr r="0" g="0" b="0"/>
+      </a:fillRef>
+      <a:effectRef idx="0">
+        <a:scrgbClr r="0" g="0" b="0"/>
+      </a:effectRef>
+      <a:fontRef idx="minor"/>
+    </dgm:style>
+  </dgm:styleLbl>
+  <dgm:styleLbl name="bgAcc1">
+    <dgm:scene3d>
+      <a:camera prst="orthographicFront"/>
+      <a:lightRig rig="threePt" dir="t"/>
+    </dgm:scene3d>
+    <dgm:sp3d/>
+    <dgm:txPr/>
+    <dgm:style>
+      <a:lnRef idx="2">
+        <a:scrgbClr r="0" g="0" b="0"/>
+      </a:lnRef>
+      <a:fillRef idx="1">
+        <a:scrgbClr r="0" g="0" b="0"/>
+      </a:fillRef>
+      <a:effectRef idx="0">
+        <a:scrgbClr r="0" g="0" b="0"/>
+      </a:effectRef>
+      <a:fontRef idx="minor"/>
+    </dgm:style>
+  </dgm:styleLbl>
+  <dgm:styleLbl name="solidFgAcc1">
+    <dgm:scene3d>
+      <a:camera prst="orthographicFront"/>
+      <a:lightRig rig="threePt" dir="t"/>
+    </dgm:scene3d>
+    <dgm:sp3d/>
+    <dgm:txPr/>
+    <dgm:style>
+      <a:lnRef idx="2">
+        <a:scrgbClr r="0" g="0" b="0"/>
+      </a:lnRef>
+      <a:fillRef idx="1">
+        <a:scrgbClr r="0" g="0" b="0"/>
+      </a:fillRef>
+      <a:effectRef idx="0">
+        <a:scrgbClr r="0" g="0" b="0"/>
+      </a:effectRef>
+      <a:fontRef idx="minor"/>
+    </dgm:style>
+  </dgm:styleLbl>
+  <dgm:styleLbl name="solidAlignAcc1">
+    <dgm:scene3d>
+      <a:camera prst="orthographicFront"/>
+      <a:lightRig rig="threePt" dir="t"/>
+    </dgm:scene3d>
+    <dgm:sp3d/>
+    <dgm:txPr/>
+    <dgm:style>
+      <a:lnRef idx="2">
+        <a:scrgbClr r="0" g="0" b="0"/>
+      </a:lnRef>
+      <a:fillRef idx="1">
+        <a:scrgbClr r="0" g="0" b="0"/>
+      </a:fillRef>
+      <a:effectRef idx="0">
+        <a:scrgbClr r="0" g="0" b="0"/>
+      </a:effectRef>
+      <a:fontRef idx="minor"/>
+    </dgm:style>
+  </dgm:styleLbl>
+  <dgm:styleLbl name="solidBgAcc1">
+    <dgm:scene3d>
+      <a:camera prst="orthographicFront"/>
+      <a:lightRig rig="threePt" dir="t"/>
+    </dgm:scene3d>
+    <dgm:sp3d/>
+    <dgm:txPr/>
+    <dgm:style>
+      <a:lnRef idx="2">
+        <a:scrgbClr r="0" g="0" b="0"/>
+      </a:lnRef>
+      <a:fillRef idx="1">
+        <a:scrgbClr r="0" g="0" b="0"/>
+      </a:fillRef>
+      <a:effectRef idx="0">
+        <a:scrgbClr r="0" g="0" b="0"/>
+      </a:effectRef>
+      <a:fontRef idx="minor"/>
+    </dgm:style>
+  </dgm:styleLbl>
+  <dgm:styleLbl name="fgAccFollowNode1">
+    <dgm:scene3d>
+      <a:camera prst="orthographicFront"/>
+      <a:lightRig rig="threePt" dir="t"/>
+    </dgm:scene3d>
+    <dgm:sp3d/>
+    <dgm:txPr/>
+    <dgm:style>
+      <a:lnRef idx="2">
+        <a:scrgbClr r="0" g="0" b="0"/>
+      </a:lnRef>
+      <a:fillRef idx="1">
+        <a:scrgbClr r="0" g="0" b="0"/>
+      </a:fillRef>
+      <a:effectRef idx="0">
+        <a:scrgbClr r="0" g="0" b="0"/>
+      </a:effectRef>
+      <a:fontRef idx="minor"/>
+    </dgm:style>
+  </dgm:styleLbl>
+  <dgm:styleLbl name="alignAccFollowNode1">
+    <dgm:scene3d>
+      <a:camera prst="orthographicFront"/>
+      <a:lightRig rig="threePt" dir="t"/>
+    </dgm:scene3d>
+    <dgm:sp3d/>
+    <dgm:txPr/>
+    <dgm:style>
+      <a:lnRef idx="2">
+        <a:scrgbClr r="0" g="0" b="0"/>
+      </a:lnRef>
+      <a:fillRef idx="1">
+        <a:scrgbClr r="0" g="0" b="0"/>
+      </a:fillRef>
+      <a:effectRef idx="0">
+        <a:scrgbClr r="0" g="0" b="0"/>
+      </a:effectRef>
+      <a:fontRef idx="minor"/>
+    </dgm:style>
+  </dgm:styleLbl>
+  <dgm:styleLbl name="bgAccFollowNode1">
+    <dgm:scene3d>
+      <a:camera prst="orthographicFront"/>
+      <a:lightRig rig="threePt" dir="t"/>
+    </dgm:scene3d>
+    <dgm:sp3d/>
+    <dgm:txPr/>
+    <dgm:style>
+      <a:lnRef idx="2">
+        <a:scrgbClr r="0" g="0" b="0"/>
+      </a:lnRef>
+      <a:fillRef idx="1">
+        <a:scrgbClr r="0" g="0" b="0"/>
+      </a:fillRef>
+      <a:effectRef idx="0">
+        <a:scrgbClr r="0" g="0" b="0"/>
+      </a:effectRef>
+      <a:fontRef idx="minor"/>
+    </dgm:style>
+  </dgm:styleLbl>
+  <dgm:styleLbl name="fgAcc0">
+    <dgm:scene3d>
+      <a:camera prst="orthographicFront"/>
+      <a:lightRig rig="threePt" dir="t"/>
+    </dgm:scene3d>
+    <dgm:sp3d/>
+    <dgm:txPr/>
+    <dgm:style>
+      <a:lnRef idx="2">
+        <a:scrgbClr r="0" g="0" b="0"/>
+      </a:lnRef>
+      <a:fillRef idx="1">
+        <a:scrgbClr r="0" g="0" b="0"/>
+      </a:fillRef>
+      <a:effectRef idx="0">
+        <a:scrgbClr r="0" g="0" b="0"/>
+      </a:effectRef>
+      <a:fontRef idx="minor"/>
+    </dgm:style>
+  </dgm:styleLbl>
+  <dgm:styleLbl name="fgAcc2">
+    <dgm:scene3d>
+      <a:camera prst="orthographicFront"/>
+      <a:lightRig rig="threePt" dir="t"/>
+    </dgm:scene3d>
+    <dgm:sp3d/>
+    <dgm:txPr/>
+    <dgm:style>
+      <a:lnRef idx="2">
+        <a:scrgbClr r="0" g="0" b="0"/>
+      </a:lnRef>
+      <a:fillRef idx="1">
+        <a:scrgbClr r="0" g="0" b="0"/>
+      </a:fillRef>
+      <a:effectRef idx="0">
+        <a:scrgbClr r="0" g="0" b="0"/>
+      </a:effectRef>
+      <a:fontRef idx="minor"/>
+    </dgm:style>
+  </dgm:styleLbl>
+  <dgm:styleLbl name="fgAcc3">
+    <dgm:scene3d>
+      <a:camera prst="orthographicFront"/>
+      <a:lightRig rig="threePt" dir="t"/>
+    </dgm:scene3d>
+    <dgm:sp3d/>
+    <dgm:txPr/>
+    <dgm:style>
+      <a:lnRef idx="2">
+        <a:scrgbClr r="0" g="0" b="0"/>
+      </a:lnRef>
+      <a:fillRef idx="1">
+        <a:scrgbClr r="0" g="0" b="0"/>
+      </a:fillRef>
+      <a:effectRef idx="0">
+        <a:scrgbClr r="0" g="0" b="0"/>
+      </a:effectRef>
+      <a:fontRef idx="minor"/>
+    </dgm:style>
+  </dgm:styleLbl>
+  <dgm:styleLbl name="fgAcc4">
+    <dgm:scene3d>
+      <a:camera prst="orthographicFront"/>
+      <a:lightRig rig="threePt" dir="t"/>
+    </dgm:scene3d>
+    <dgm:sp3d/>
+    <dgm:txPr/>
+    <dgm:style>
+      <a:lnRef idx="2">
+        <a:scrgbClr r="0" g="0" b="0"/>
+      </a:lnRef>
+      <a:fillRef idx="1">
+        <a:scrgbClr r="0" g="0" b="0"/>
+      </a:fillRef>
+      <a:effectRef idx="0">
+        <a:scrgbClr r="0" g="0" b="0"/>
+      </a:effectRef>
+      <a:fontRef idx="minor"/>
+    </dgm:style>
+  </dgm:styleLbl>
+  <dgm:styleLbl name="bgShp">
+    <dgm:scene3d>
+      <a:camera prst="orthographicFront"/>
+      <a:lightRig rig="threePt" dir="t"/>
+    </dgm:scene3d>
+    <dgm:sp3d/>
+    <dgm:txPr/>
+    <dgm:style>
+      <a:lnRef idx="0">
+        <a:scrgbClr r="0" g="0" b="0"/>
+      </a:lnRef>
+      <a:fillRef idx="1">
+        <a:scrgbClr r="0" g="0" b="0"/>
+      </a:fillRef>
+      <a:effectRef idx="0">
+        <a:scrgbClr r="0" g="0" b="0"/>
+      </a:effectRef>
+      <a:fontRef idx="minor"/>
+    </dgm:style>
+  </dgm:styleLbl>
+  <dgm:styleLbl name="dkBgShp">
+    <dgm:scene3d>
+      <a:camera prst="orthographicFront"/>
+      <a:lightRig rig="threePt" dir="t"/>
+    </dgm:scene3d>
+    <dgm:sp3d/>
+    <dgm:txPr/>
+    <dgm:style>
+      <a:lnRef idx="0">
+        <a:scrgbClr r="0" g="0" b="0"/>
+      </a:lnRef>
+      <a:fillRef idx="1">
+        <a:scrgbClr r="0" g="0" b="0"/>
+      </a:fillRef>
+      <a:effectRef idx="0">
+        <a:scrgbClr r="0" g="0" b="0"/>
+      </a:effectRef>
+      <a:fontRef idx="minor"/>
+    </dgm:style>
+  </dgm:styleLbl>
+  <dgm:styleLbl name="trBgShp">
+    <dgm:scene3d>
+      <a:camera prst="orthographicFront"/>
+      <a:lightRig rig="threePt" dir="t"/>
+    </dgm:scene3d>
+    <dgm:sp3d/>
+    <dgm:txPr/>
+    <dgm:style>
+      <a:lnRef idx="0">
+        <a:scrgbClr r="0" g="0" b="0"/>
+      </a:lnRef>
+      <a:fillRef idx="1">
+        <a:scrgbClr r="0" g="0" b="0"/>
+      </a:fillRef>
+      <a:effectRef idx="0">
+        <a:scrgbClr r="0" g="0" b="0"/>
+      </a:effectRef>
+      <a:fontRef idx="minor"/>
+    </dgm:style>
+  </dgm:styleLbl>
+  <dgm:styleLbl name="fgShp">
+    <dgm:scene3d>
+      <a:camera prst="orthographicFront"/>
+      <a:lightRig rig="threePt" dir="t"/>
+    </dgm:scene3d>
+    <dgm:sp3d/>
+    <dgm:txPr/>
+    <dgm:style>
+      <a:lnRef idx="2">
+        <a:scrgbClr r="0" g="0" b="0"/>
+      </a:lnRef>
+      <a:fillRef idx="1">
+        <a:scrgbClr r="0" g="0" b="0"/>
+      </a:fillRef>
+      <a:effectRef idx="0">
+        <a:scrgbClr r="0" g="0" b="0"/>
+      </a:effectRef>
+      <a:fontRef idx="minor"/>
+    </dgm:style>
+  </dgm:styleLbl>
+  <dgm:styleLbl name="revTx">
+    <dgm:scene3d>
+      <a:camera prst="orthographicFront"/>
+      <a:lightRig rig="threePt" dir="t"/>
+    </dgm:scene3d>
+    <dgm:sp3d/>
+    <dgm:txPr/>
+    <dgm:style>
+      <a:lnRef idx="0">
+        <a:scrgbClr r="0" g="0" b="0"/>
+      </a:lnRef>
+      <a:fillRef idx="0">
+        <a:scrgbClr r="0" g="0" b="0"/>
+      </a:fillRef>
+      <a:effectRef idx="0">
+        <a:scrgbClr r="0" g="0" b="0"/>
+      </a:effectRef>
+      <a:fontRef idx="minor"/>
+    </dgm:style>
+  </dgm:styleLbl>
+</dgm:styleDef>
+</file>
+
+<file path=ppt/diagrams/quickStyle8.xml><?xml version="1.0" encoding="utf-8"?>
 <dgm:styleDef xmlns:dgm="http://schemas.openxmlformats.org/drawingml/2006/diagram" xmlns:a="http://schemas.openxmlformats.org/drawingml/2006/main" uniqueId="urn:microsoft.com/office/officeart/2005/8/quickstyle/simple1">
   <dgm:title val=""/>
   <dgm:desc val=""/>
@@ -21959,7 +25315,7 @@
           <a:p>
             <a:fld id="{758B186F-0B28-4FD4-AB02-ABE5A9BA43A3}" type="datetimeFigureOut">
               <a:rPr lang="en-US" smtClean="0"/>
-              <a:t>2/24/2021</a:t>
+              <a:t>3/1/2021</a:t>
             </a:fld>
             <a:endParaRPr lang="en-US"/>
           </a:p>
@@ -22157,7 +25513,7 @@
           <a:p>
             <a:fld id="{758B186F-0B28-4FD4-AB02-ABE5A9BA43A3}" type="datetimeFigureOut">
               <a:rPr lang="en-US" smtClean="0"/>
-              <a:t>2/24/2021</a:t>
+              <a:t>3/1/2021</a:t>
             </a:fld>
             <a:endParaRPr lang="en-US"/>
           </a:p>
@@ -22365,7 +25721,7 @@
           <a:p>
             <a:fld id="{758B186F-0B28-4FD4-AB02-ABE5A9BA43A3}" type="datetimeFigureOut">
               <a:rPr lang="en-US" smtClean="0"/>
-              <a:t>2/24/2021</a:t>
+              <a:t>3/1/2021</a:t>
             </a:fld>
             <a:endParaRPr lang="en-US"/>
           </a:p>
@@ -22563,7 +25919,7 @@
           <a:p>
             <a:fld id="{758B186F-0B28-4FD4-AB02-ABE5A9BA43A3}" type="datetimeFigureOut">
               <a:rPr lang="en-US" smtClean="0"/>
-              <a:t>2/24/2021</a:t>
+              <a:t>3/1/2021</a:t>
             </a:fld>
             <a:endParaRPr lang="en-US"/>
           </a:p>
@@ -22838,7 +26194,7 @@
           <a:p>
             <a:fld id="{758B186F-0B28-4FD4-AB02-ABE5A9BA43A3}" type="datetimeFigureOut">
               <a:rPr lang="en-US" smtClean="0"/>
-              <a:t>2/24/2021</a:t>
+              <a:t>3/1/2021</a:t>
             </a:fld>
             <a:endParaRPr lang="en-US"/>
           </a:p>
@@ -23103,7 +26459,7 @@
           <a:p>
             <a:fld id="{758B186F-0B28-4FD4-AB02-ABE5A9BA43A3}" type="datetimeFigureOut">
               <a:rPr lang="en-US" smtClean="0"/>
-              <a:t>2/24/2021</a:t>
+              <a:t>3/1/2021</a:t>
             </a:fld>
             <a:endParaRPr lang="en-US"/>
           </a:p>
@@ -23515,7 +26871,7 @@
           <a:p>
             <a:fld id="{758B186F-0B28-4FD4-AB02-ABE5A9BA43A3}" type="datetimeFigureOut">
               <a:rPr lang="en-US" smtClean="0"/>
-              <a:t>2/24/2021</a:t>
+              <a:t>3/1/2021</a:t>
             </a:fld>
             <a:endParaRPr lang="en-US"/>
           </a:p>
@@ -23656,7 +27012,7 @@
           <a:p>
             <a:fld id="{758B186F-0B28-4FD4-AB02-ABE5A9BA43A3}" type="datetimeFigureOut">
               <a:rPr lang="en-US" smtClean="0"/>
-              <a:t>2/24/2021</a:t>
+              <a:t>3/1/2021</a:t>
             </a:fld>
             <a:endParaRPr lang="en-US"/>
           </a:p>
@@ -23769,7 +27125,7 @@
           <a:p>
             <a:fld id="{758B186F-0B28-4FD4-AB02-ABE5A9BA43A3}" type="datetimeFigureOut">
               <a:rPr lang="en-US" smtClean="0"/>
-              <a:t>2/24/2021</a:t>
+              <a:t>3/1/2021</a:t>
             </a:fld>
             <a:endParaRPr lang="en-US"/>
           </a:p>
@@ -24080,7 +27436,7 @@
           <a:p>
             <a:fld id="{758B186F-0B28-4FD4-AB02-ABE5A9BA43A3}" type="datetimeFigureOut">
               <a:rPr lang="en-US" smtClean="0"/>
-              <a:t>2/24/2021</a:t>
+              <a:t>3/1/2021</a:t>
             </a:fld>
             <a:endParaRPr lang="en-US"/>
           </a:p>
@@ -24368,7 +27724,7 @@
           <a:p>
             <a:fld id="{758B186F-0B28-4FD4-AB02-ABE5A9BA43A3}" type="datetimeFigureOut">
               <a:rPr lang="en-US" smtClean="0"/>
-              <a:t>2/24/2021</a:t>
+              <a:t>3/1/2021</a:t>
             </a:fld>
             <a:endParaRPr lang="en-US"/>
           </a:p>
@@ -24609,7 +27965,7 @@
           <a:p>
             <a:fld id="{758B186F-0B28-4FD4-AB02-ABE5A9BA43A3}" type="datetimeFigureOut">
               <a:rPr lang="en-US" smtClean="0"/>
-              <a:t>2/24/2021</a:t>
+              <a:t>3/1/2021</a:t>
             </a:fld>
             <a:endParaRPr lang="en-US"/>
           </a:p>
@@ -25653,6 +29009,205 @@
 </p:sld>
 </file>
 
+<file path=ppt/slides/slide6.xml><?xml version="1.0" encoding="utf-8"?>
+<p:sld xmlns:a="http://schemas.openxmlformats.org/drawingml/2006/main" xmlns:r="http://schemas.openxmlformats.org/officeDocument/2006/relationships" xmlns:p="http://schemas.openxmlformats.org/presentationml/2006/main">
+  <p:cSld>
+    <p:spTree>
+      <p:nvGrpSpPr>
+        <p:cNvPr id="1" name=""/>
+        <p:cNvGrpSpPr/>
+        <p:nvPr/>
+      </p:nvGrpSpPr>
+      <p:grpSpPr>
+        <a:xfrm>
+          <a:off x="0" y="0"/>
+          <a:ext cx="0" cy="0"/>
+          <a:chOff x="0" y="0"/>
+          <a:chExt cx="0" cy="0"/>
+        </a:xfrm>
+      </p:grpSpPr>
+      <p:sp>
+        <p:nvSpPr>
+          <p:cNvPr id="2" name="Title 1">
+            <a:extLst>
+              <a:ext uri="{FF2B5EF4-FFF2-40B4-BE49-F238E27FC236}">
+                <a16:creationId xmlns:a16="http://schemas.microsoft.com/office/drawing/2014/main" id="{F7FA4773-6B83-484D-A53E-819591F6CACC}"/>
+              </a:ext>
+            </a:extLst>
+          </p:cNvPr>
+          <p:cNvSpPr>
+            <a:spLocks noGrp="1"/>
+          </p:cNvSpPr>
+          <p:nvPr>
+            <p:ph type="title"/>
+          </p:nvPr>
+        </p:nvSpPr>
+        <p:spPr>
+          <a:xfrm>
+            <a:off x="838200" y="365125"/>
+            <a:ext cx="10515600" cy="835025"/>
+          </a:xfrm>
+        </p:spPr>
+        <p:txBody>
+          <a:bodyPr/>
+          <a:lstStyle/>
+          <a:p>
+            <a:r>
+              <a:rPr lang="en-US" dirty="0"/>
+              <a:t>AI Strategy</a:t>
+            </a:r>
+          </a:p>
+        </p:txBody>
+      </p:sp>
+      <p:graphicFrame>
+        <p:nvGraphicFramePr>
+          <p:cNvPr id="4" name="Content Placeholder 3">
+            <a:extLst>
+              <a:ext uri="{FF2B5EF4-FFF2-40B4-BE49-F238E27FC236}">
+                <a16:creationId xmlns:a16="http://schemas.microsoft.com/office/drawing/2014/main" id="{D0A1CC99-961D-40D7-A4BC-05AEFDCC8BAB}"/>
+              </a:ext>
+            </a:extLst>
+          </p:cNvPr>
+          <p:cNvGraphicFramePr>
+            <a:graphicFrameLocks noGrp="1"/>
+          </p:cNvGraphicFramePr>
+          <p:nvPr>
+            <p:ph idx="1"/>
+            <p:extLst>
+              <p:ext uri="{D42A27DB-BD31-4B8C-83A1-F6EECF244321}">
+                <p14:modId xmlns:p14="http://schemas.microsoft.com/office/powerpoint/2010/main" val="3281046073"/>
+              </p:ext>
+            </p:extLst>
+          </p:nvPr>
+        </p:nvGraphicFramePr>
+        <p:xfrm>
+          <a:off x="233362" y="1551504"/>
+          <a:ext cx="11268076" cy="4860926"/>
+        </p:xfrm>
+        <a:graphic>
+          <a:graphicData uri="http://schemas.openxmlformats.org/drawingml/2006/diagram">
+            <dgm:relIds xmlns:dgm="http://schemas.openxmlformats.org/drawingml/2006/diagram" xmlns:r="http://schemas.openxmlformats.org/officeDocument/2006/relationships" r:dm="rId2" r:lo="rId3" r:qs="rId4" r:cs="rId5"/>
+          </a:graphicData>
+        </a:graphic>
+      </p:graphicFrame>
+      <p:sp>
+        <p:nvSpPr>
+          <p:cNvPr id="6" name="TextBox 5">
+            <a:extLst>
+              <a:ext uri="{FF2B5EF4-FFF2-40B4-BE49-F238E27FC236}">
+                <a16:creationId xmlns:a16="http://schemas.microsoft.com/office/drawing/2014/main" id="{2AC4C208-2016-4261-A03C-50C5149C6E15}"/>
+              </a:ext>
+            </a:extLst>
+          </p:cNvPr>
+          <p:cNvSpPr txBox="1"/>
+          <p:nvPr/>
+        </p:nvSpPr>
+        <p:spPr>
+          <a:xfrm>
+            <a:off x="1237311" y="3429000"/>
+            <a:ext cx="1409457" cy="369332"/>
+          </a:xfrm>
+          <a:prstGeom prst="rect">
+            <a:avLst/>
+          </a:prstGeom>
+          <a:noFill/>
+        </p:spPr>
+        <p:txBody>
+          <a:bodyPr wrap="square" rtlCol="0">
+            <a:spAutoFit/>
+          </a:bodyPr>
+          <a:lstStyle/>
+          <a:p>
+            <a:r>
+              <a:rPr lang="en-US" dirty="0"/>
+              <a:t>Horizon 1</a:t>
+            </a:r>
+          </a:p>
+        </p:txBody>
+      </p:sp>
+      <p:sp>
+        <p:nvSpPr>
+          <p:cNvPr id="8" name="TextBox 7">
+            <a:extLst>
+              <a:ext uri="{FF2B5EF4-FFF2-40B4-BE49-F238E27FC236}">
+                <a16:creationId xmlns:a16="http://schemas.microsoft.com/office/drawing/2014/main" id="{67265ADA-C9EA-4930-9A56-424E232C1536}"/>
+              </a:ext>
+            </a:extLst>
+          </p:cNvPr>
+          <p:cNvSpPr txBox="1"/>
+          <p:nvPr/>
+        </p:nvSpPr>
+        <p:spPr>
+          <a:xfrm>
+            <a:off x="4575824" y="2081119"/>
+            <a:ext cx="1409457" cy="369332"/>
+          </a:xfrm>
+          <a:prstGeom prst="rect">
+            <a:avLst/>
+          </a:prstGeom>
+          <a:noFill/>
+        </p:spPr>
+        <p:txBody>
+          <a:bodyPr wrap="square" rtlCol="0">
+            <a:spAutoFit/>
+          </a:bodyPr>
+          <a:lstStyle/>
+          <a:p>
+            <a:r>
+              <a:rPr lang="en-US" dirty="0"/>
+              <a:t>Horizon 2</a:t>
+            </a:r>
+          </a:p>
+        </p:txBody>
+      </p:sp>
+      <p:sp>
+        <p:nvSpPr>
+          <p:cNvPr id="10" name="TextBox 9">
+            <a:extLst>
+              <a:ext uri="{FF2B5EF4-FFF2-40B4-BE49-F238E27FC236}">
+                <a16:creationId xmlns:a16="http://schemas.microsoft.com/office/drawing/2014/main" id="{50DA0290-4D87-4385-BA83-0530FF6EB07B}"/>
+              </a:ext>
+            </a:extLst>
+          </p:cNvPr>
+          <p:cNvSpPr txBox="1"/>
+          <p:nvPr/>
+        </p:nvSpPr>
+        <p:spPr>
+          <a:xfrm>
+            <a:off x="7880998" y="1258372"/>
+            <a:ext cx="1409457" cy="369332"/>
+          </a:xfrm>
+          <a:prstGeom prst="rect">
+            <a:avLst/>
+          </a:prstGeom>
+          <a:noFill/>
+        </p:spPr>
+        <p:txBody>
+          <a:bodyPr wrap="square" rtlCol="0">
+            <a:spAutoFit/>
+          </a:bodyPr>
+          <a:lstStyle/>
+          <a:p>
+            <a:r>
+              <a:rPr lang="en-US" dirty="0"/>
+              <a:t>Horizon 3</a:t>
+            </a:r>
+          </a:p>
+        </p:txBody>
+      </p:sp>
+    </p:spTree>
+    <p:extLst>
+      <p:ext uri="{BB962C8B-B14F-4D97-AF65-F5344CB8AC3E}">
+        <p14:creationId xmlns:p14="http://schemas.microsoft.com/office/powerpoint/2010/main" val="45177834"/>
+      </p:ext>
+    </p:extLst>
+  </p:cSld>
+  <p:clrMapOvr>
+    <a:masterClrMapping/>
+  </p:clrMapOvr>
+</p:sld>
+</file>
+
 <file path=ppt/theme/theme1.xml><?xml version="1.0" encoding="utf-8"?>
 <a:theme xmlns:a="http://schemas.openxmlformats.org/drawingml/2006/main" name="Office Theme">
   <a:themeElements>

--- a/DataHorizon.pptx
+++ b/DataHorizon.pptx
@@ -121,7 +121,7 @@
 <file path=ppt/revisionInfo.xml><?xml version="1.0" encoding="utf-8"?>
 <p1510:revInfo xmlns:a="http://schemas.openxmlformats.org/drawingml/2006/main" xmlns:r="http://schemas.openxmlformats.org/officeDocument/2006/relationships" xmlns:p1510="http://schemas.microsoft.com/office/powerpoint/2015/10/main">
   <p1510:revLst>
-    <p1510:client id="{41DF914D-9D01-4B99-9EAD-184C29A11D2A}" v="1051" dt="2021-04-05T11:30:20.996"/>
+    <p1510:client id="{41DF914D-9D01-4B99-9EAD-184C29A11D2A}" v="1054" dt="2021-04-16T16:01:52.067"/>
   </p1510:revLst>
 </p1510:revInfo>
 </file>
@@ -344,7 +344,7 @@
   <pc:docChgLst>
     <pc:chgData name="Balamurugan Balakreshnan" userId="35e9483b-bf32-4d17-a07b-837bc83be0f5" providerId="ADAL" clId="{41DF914D-9D01-4B99-9EAD-184C29A11D2A}"/>
     <pc:docChg chg="undo custSel addSld modSld">
-      <pc:chgData name="Balamurugan Balakreshnan" userId="35e9483b-bf32-4d17-a07b-837bc83be0f5" providerId="ADAL" clId="{41DF914D-9D01-4B99-9EAD-184C29A11D2A}" dt="2021-04-05T11:30:33.871" v="1207" actId="20577"/>
+      <pc:chgData name="Balamurugan Balakreshnan" userId="35e9483b-bf32-4d17-a07b-837bc83be0f5" providerId="ADAL" clId="{41DF914D-9D01-4B99-9EAD-184C29A11D2A}" dt="2021-04-16T16:01:50.286" v="1214"/>
       <pc:docMkLst>
         <pc:docMk/>
       </pc:docMkLst>
@@ -419,7 +419,7 @@
         </pc:graphicFrameChg>
       </pc:sldChg>
       <pc:sldChg chg="addSp delSp modSp new mod">
-        <pc:chgData name="Balamurugan Balakreshnan" userId="35e9483b-bf32-4d17-a07b-837bc83be0f5" providerId="ADAL" clId="{41DF914D-9D01-4B99-9EAD-184C29A11D2A}" dt="2021-02-24T19:27:17.052" v="324" actId="1076"/>
+        <pc:chgData name="Balamurugan Balakreshnan" userId="35e9483b-bf32-4d17-a07b-837bc83be0f5" providerId="ADAL" clId="{41DF914D-9D01-4B99-9EAD-184C29A11D2A}" dt="2021-04-16T16:01:50.286" v="1214"/>
         <pc:sldMkLst>
           <pc:docMk/>
           <pc:sldMk cId="4136494140" sldId="260"/>
@@ -457,7 +457,7 @@
           </ac:spMkLst>
         </pc:spChg>
         <pc:graphicFrameChg chg="add mod modGraphic">
-          <ac:chgData name="Balamurugan Balakreshnan" userId="35e9483b-bf32-4d17-a07b-837bc83be0f5" providerId="ADAL" clId="{41DF914D-9D01-4B99-9EAD-184C29A11D2A}" dt="2021-02-24T19:27:09.204" v="322" actId="1076"/>
+          <ac:chgData name="Balamurugan Balakreshnan" userId="35e9483b-bf32-4d17-a07b-837bc83be0f5" providerId="ADAL" clId="{41DF914D-9D01-4B99-9EAD-184C29A11D2A}" dt="2021-04-16T16:01:50.286" v="1214"/>
           <ac:graphicFrameMkLst>
             <pc:docMk/>
             <pc:sldMk cId="4136494140" sldId="260"/>
@@ -545,7 +545,7 @@
         </pc:graphicFrameChg>
       </pc:sldChg>
       <pc:sldChg chg="addSp delSp modSp new mod">
-        <pc:chgData name="Balamurugan Balakreshnan" userId="35e9483b-bf32-4d17-a07b-837bc83be0f5" providerId="ADAL" clId="{41DF914D-9D01-4B99-9EAD-184C29A11D2A}" dt="2021-03-01T13:55:47.056" v="1056" actId="1076"/>
+        <pc:chgData name="Balamurugan Balakreshnan" userId="35e9483b-bf32-4d17-a07b-837bc83be0f5" providerId="ADAL" clId="{41DF914D-9D01-4B99-9EAD-184C29A11D2A}" dt="2021-04-12T17:31:02.629" v="1212" actId="22"/>
         <pc:sldMkLst>
           <pc:docMk/>
           <pc:sldMk cId="45177834" sldId="262"/>
@@ -567,7 +567,7 @@
           </ac:spMkLst>
         </pc:spChg>
         <pc:spChg chg="add mod">
-          <ac:chgData name="Balamurugan Balakreshnan" userId="35e9483b-bf32-4d17-a07b-837bc83be0f5" providerId="ADAL" clId="{41DF914D-9D01-4B99-9EAD-184C29A11D2A}" dt="2021-03-01T13:55:47.056" v="1056" actId="1076"/>
+          <ac:chgData name="Balamurugan Balakreshnan" userId="35e9483b-bf32-4d17-a07b-837bc83be0f5" providerId="ADAL" clId="{41DF914D-9D01-4B99-9EAD-184C29A11D2A}" dt="2021-04-07T20:45:06.632" v="1209" actId="207"/>
           <ac:spMkLst>
             <pc:docMk/>
             <pc:sldMk cId="45177834" sldId="262"/>
@@ -575,7 +575,7 @@
           </ac:spMkLst>
         </pc:spChg>
         <pc:spChg chg="add mod">
-          <ac:chgData name="Balamurugan Balakreshnan" userId="35e9483b-bf32-4d17-a07b-837bc83be0f5" providerId="ADAL" clId="{41DF914D-9D01-4B99-9EAD-184C29A11D2A}" dt="2021-03-01T13:55:36.342" v="1054" actId="1076"/>
+          <ac:chgData name="Balamurugan Balakreshnan" userId="35e9483b-bf32-4d17-a07b-837bc83be0f5" providerId="ADAL" clId="{41DF914D-9D01-4B99-9EAD-184C29A11D2A}" dt="2021-04-07T20:45:11.264" v="1210" actId="207"/>
           <ac:spMkLst>
             <pc:docMk/>
             <pc:sldMk cId="45177834" sldId="262"/>
@@ -583,7 +583,7 @@
           </ac:spMkLst>
         </pc:spChg>
         <pc:spChg chg="add mod">
-          <ac:chgData name="Balamurugan Balakreshnan" userId="35e9483b-bf32-4d17-a07b-837bc83be0f5" providerId="ADAL" clId="{41DF914D-9D01-4B99-9EAD-184C29A11D2A}" dt="2021-03-01T13:55:40.991" v="1055" actId="1076"/>
+          <ac:chgData name="Balamurugan Balakreshnan" userId="35e9483b-bf32-4d17-a07b-837bc83be0f5" providerId="ADAL" clId="{41DF914D-9D01-4B99-9EAD-184C29A11D2A}" dt="2021-04-07T20:45:15.123" v="1211" actId="207"/>
           <ac:spMkLst>
             <pc:docMk/>
             <pc:sldMk cId="45177834" sldId="262"/>
@@ -598,8 +598,16 @@
             <ac:spMk id="12" creationId="{FCA21673-3BB1-4690-8ECF-D87D8B933187}"/>
           </ac:spMkLst>
         </pc:spChg>
+        <pc:graphicFrameChg chg="add">
+          <ac:chgData name="Balamurugan Balakreshnan" userId="35e9483b-bf32-4d17-a07b-837bc83be0f5" providerId="ADAL" clId="{41DF914D-9D01-4B99-9EAD-184C29A11D2A}" dt="2021-04-12T17:31:02.629" v="1212" actId="22"/>
+          <ac:graphicFrameMkLst>
+            <pc:docMk/>
+            <pc:sldMk cId="45177834" sldId="262"/>
+            <ac:graphicFrameMk id="3" creationId="{1BE4BF5B-ACD3-4FA9-8301-AC0F98500537}"/>
+          </ac:graphicFrameMkLst>
+        </pc:graphicFrameChg>
         <pc:graphicFrameChg chg="add del mod modGraphic">
-          <ac:chgData name="Balamurugan Balakreshnan" userId="35e9483b-bf32-4d17-a07b-837bc83be0f5" providerId="ADAL" clId="{41DF914D-9D01-4B99-9EAD-184C29A11D2A}" dt="2021-03-01T13:55:29.481" v="1053" actId="1076"/>
+          <ac:chgData name="Balamurugan Balakreshnan" userId="35e9483b-bf32-4d17-a07b-837bc83be0f5" providerId="ADAL" clId="{41DF914D-9D01-4B99-9EAD-184C29A11D2A}" dt="2021-04-07T20:45:01.685" v="1208" actId="1076"/>
           <ac:graphicFrameMkLst>
             <pc:docMk/>
             <pc:sldMk cId="45177834" sldId="262"/>
@@ -1399,6 +1407,753 @@
 </file>
 
 <file path=ppt/diagrams/colors10.xml><?xml version="1.0" encoding="utf-8"?>
+<dgm:colorsDef xmlns:dgm="http://schemas.openxmlformats.org/drawingml/2006/diagram" xmlns:a="http://schemas.openxmlformats.org/drawingml/2006/main" uniqueId="urn:microsoft.com/office/officeart/2005/8/colors/accent1_2">
+  <dgm:title val=""/>
+  <dgm:desc val=""/>
+  <dgm:catLst>
+    <dgm:cat type="accent1" pri="11200"/>
+  </dgm:catLst>
+  <dgm:styleLbl name="node0">
+    <dgm:fillClrLst meth="repeat">
+      <a:schemeClr val="accent1"/>
+    </dgm:fillClrLst>
+    <dgm:linClrLst meth="repeat">
+      <a:schemeClr val="lt1"/>
+    </dgm:linClrLst>
+    <dgm:effectClrLst/>
+    <dgm:txLinClrLst/>
+    <dgm:txFillClrLst/>
+    <dgm:txEffectClrLst/>
+  </dgm:styleLbl>
+  <dgm:styleLbl name="alignNode1">
+    <dgm:fillClrLst meth="repeat">
+      <a:schemeClr val="accent1"/>
+    </dgm:fillClrLst>
+    <dgm:linClrLst meth="repeat">
+      <a:schemeClr val="accent1"/>
+    </dgm:linClrLst>
+    <dgm:effectClrLst/>
+    <dgm:txLinClrLst/>
+    <dgm:txFillClrLst/>
+    <dgm:txEffectClrLst/>
+  </dgm:styleLbl>
+  <dgm:styleLbl name="node1">
+    <dgm:fillClrLst meth="repeat">
+      <a:schemeClr val="accent1"/>
+    </dgm:fillClrLst>
+    <dgm:linClrLst meth="repeat">
+      <a:schemeClr val="lt1"/>
+    </dgm:linClrLst>
+    <dgm:effectClrLst/>
+    <dgm:txLinClrLst/>
+    <dgm:txFillClrLst/>
+    <dgm:txEffectClrLst/>
+  </dgm:styleLbl>
+  <dgm:styleLbl name="lnNode1">
+    <dgm:fillClrLst meth="repeat">
+      <a:schemeClr val="accent1"/>
+    </dgm:fillClrLst>
+    <dgm:linClrLst meth="repeat">
+      <a:schemeClr val="lt1"/>
+    </dgm:linClrLst>
+    <dgm:effectClrLst/>
+    <dgm:txLinClrLst/>
+    <dgm:txFillClrLst/>
+    <dgm:txEffectClrLst/>
+  </dgm:styleLbl>
+  <dgm:styleLbl name="vennNode1">
+    <dgm:fillClrLst meth="repeat">
+      <a:schemeClr val="accent1">
+        <a:alpha val="50000"/>
+      </a:schemeClr>
+    </dgm:fillClrLst>
+    <dgm:linClrLst meth="repeat">
+      <a:schemeClr val="lt1"/>
+    </dgm:linClrLst>
+    <dgm:effectClrLst/>
+    <dgm:txLinClrLst/>
+    <dgm:txFillClrLst/>
+    <dgm:txEffectClrLst/>
+  </dgm:styleLbl>
+  <dgm:styleLbl name="node2">
+    <dgm:fillClrLst meth="repeat">
+      <a:schemeClr val="accent1"/>
+    </dgm:fillClrLst>
+    <dgm:linClrLst meth="repeat">
+      <a:schemeClr val="lt1"/>
+    </dgm:linClrLst>
+    <dgm:effectClrLst/>
+    <dgm:txLinClrLst/>
+    <dgm:txFillClrLst/>
+    <dgm:txEffectClrLst/>
+  </dgm:styleLbl>
+  <dgm:styleLbl name="node3">
+    <dgm:fillClrLst meth="repeat">
+      <a:schemeClr val="accent1"/>
+    </dgm:fillClrLst>
+    <dgm:linClrLst meth="repeat">
+      <a:schemeClr val="lt1"/>
+    </dgm:linClrLst>
+    <dgm:effectClrLst/>
+    <dgm:txLinClrLst/>
+    <dgm:txFillClrLst/>
+    <dgm:txEffectClrLst/>
+  </dgm:styleLbl>
+  <dgm:styleLbl name="node4">
+    <dgm:fillClrLst meth="repeat">
+      <a:schemeClr val="accent1"/>
+    </dgm:fillClrLst>
+    <dgm:linClrLst meth="repeat">
+      <a:schemeClr val="lt1"/>
+    </dgm:linClrLst>
+    <dgm:effectClrLst/>
+    <dgm:txLinClrLst/>
+    <dgm:txFillClrLst/>
+    <dgm:txEffectClrLst/>
+  </dgm:styleLbl>
+  <dgm:styleLbl name="fgImgPlace1">
+    <dgm:fillClrLst meth="repeat">
+      <a:schemeClr val="accent1">
+        <a:tint val="50000"/>
+      </a:schemeClr>
+    </dgm:fillClrLst>
+    <dgm:linClrLst meth="repeat">
+      <a:schemeClr val="lt1"/>
+    </dgm:linClrLst>
+    <dgm:effectClrLst/>
+    <dgm:txLinClrLst/>
+    <dgm:txFillClrLst meth="repeat">
+      <a:schemeClr val="lt1"/>
+    </dgm:txFillClrLst>
+    <dgm:txEffectClrLst/>
+  </dgm:styleLbl>
+  <dgm:styleLbl name="alignImgPlace1">
+    <dgm:fillClrLst meth="repeat">
+      <a:schemeClr val="accent1">
+        <a:tint val="50000"/>
+      </a:schemeClr>
+    </dgm:fillClrLst>
+    <dgm:linClrLst meth="repeat">
+      <a:schemeClr val="lt1"/>
+    </dgm:linClrLst>
+    <dgm:effectClrLst/>
+    <dgm:txLinClrLst/>
+    <dgm:txFillClrLst meth="repeat">
+      <a:schemeClr val="lt1"/>
+    </dgm:txFillClrLst>
+    <dgm:txEffectClrLst/>
+  </dgm:styleLbl>
+  <dgm:styleLbl name="bgImgPlace1">
+    <dgm:fillClrLst meth="repeat">
+      <a:schemeClr val="accent1">
+        <a:tint val="50000"/>
+      </a:schemeClr>
+    </dgm:fillClrLst>
+    <dgm:linClrLst meth="repeat">
+      <a:schemeClr val="lt1"/>
+    </dgm:linClrLst>
+    <dgm:effectClrLst/>
+    <dgm:txLinClrLst/>
+    <dgm:txFillClrLst meth="repeat">
+      <a:schemeClr val="lt1"/>
+    </dgm:txFillClrLst>
+    <dgm:txEffectClrLst/>
+  </dgm:styleLbl>
+  <dgm:styleLbl name="sibTrans2D1">
+    <dgm:fillClrLst meth="repeat">
+      <a:schemeClr val="accent1">
+        <a:tint val="60000"/>
+      </a:schemeClr>
+    </dgm:fillClrLst>
+    <dgm:linClrLst meth="repeat">
+      <a:schemeClr val="accent1">
+        <a:tint val="60000"/>
+      </a:schemeClr>
+    </dgm:linClrLst>
+    <dgm:effectClrLst/>
+    <dgm:txLinClrLst/>
+    <dgm:txFillClrLst/>
+    <dgm:txEffectClrLst/>
+  </dgm:styleLbl>
+  <dgm:styleLbl name="fgSibTrans2D1">
+    <dgm:fillClrLst meth="repeat">
+      <a:schemeClr val="accent1">
+        <a:tint val="60000"/>
+      </a:schemeClr>
+    </dgm:fillClrLst>
+    <dgm:linClrLst meth="repeat">
+      <a:schemeClr val="accent1">
+        <a:tint val="60000"/>
+      </a:schemeClr>
+    </dgm:linClrLst>
+    <dgm:effectClrLst/>
+    <dgm:txLinClrLst/>
+    <dgm:txFillClrLst/>
+    <dgm:txEffectClrLst/>
+  </dgm:styleLbl>
+  <dgm:styleLbl name="bgSibTrans2D1">
+    <dgm:fillClrLst meth="repeat">
+      <a:schemeClr val="accent1">
+        <a:tint val="60000"/>
+      </a:schemeClr>
+    </dgm:fillClrLst>
+    <dgm:linClrLst meth="repeat">
+      <a:schemeClr val="accent1">
+        <a:tint val="60000"/>
+      </a:schemeClr>
+    </dgm:linClrLst>
+    <dgm:effectClrLst/>
+    <dgm:txLinClrLst/>
+    <dgm:txFillClrLst/>
+    <dgm:txEffectClrLst/>
+  </dgm:styleLbl>
+  <dgm:styleLbl name="sibTrans1D1">
+    <dgm:fillClrLst meth="repeat">
+      <a:schemeClr val="accent1"/>
+    </dgm:fillClrLst>
+    <dgm:linClrLst meth="repeat">
+      <a:schemeClr val="accent1"/>
+    </dgm:linClrLst>
+    <dgm:effectClrLst/>
+    <dgm:txLinClrLst/>
+    <dgm:txFillClrLst meth="repeat">
+      <a:schemeClr val="tx1"/>
+    </dgm:txFillClrLst>
+    <dgm:txEffectClrLst/>
+  </dgm:styleLbl>
+  <dgm:styleLbl name="callout">
+    <dgm:fillClrLst meth="repeat">
+      <a:schemeClr val="accent1"/>
+    </dgm:fillClrLst>
+    <dgm:linClrLst meth="repeat">
+      <a:schemeClr val="accent1">
+        <a:tint val="50000"/>
+      </a:schemeClr>
+    </dgm:linClrLst>
+    <dgm:effectClrLst/>
+    <dgm:txLinClrLst/>
+    <dgm:txFillClrLst meth="repeat">
+      <a:schemeClr val="tx1"/>
+    </dgm:txFillClrLst>
+    <dgm:txEffectClrLst/>
+  </dgm:styleLbl>
+  <dgm:styleLbl name="asst0">
+    <dgm:fillClrLst meth="repeat">
+      <a:schemeClr val="accent1"/>
+    </dgm:fillClrLst>
+    <dgm:linClrLst meth="repeat">
+      <a:schemeClr val="lt1"/>
+    </dgm:linClrLst>
+    <dgm:effectClrLst/>
+    <dgm:txLinClrLst/>
+    <dgm:txFillClrLst/>
+    <dgm:txEffectClrLst/>
+  </dgm:styleLbl>
+  <dgm:styleLbl name="asst1">
+    <dgm:fillClrLst meth="repeat">
+      <a:schemeClr val="accent1"/>
+    </dgm:fillClrLst>
+    <dgm:linClrLst meth="repeat">
+      <a:schemeClr val="lt1"/>
+    </dgm:linClrLst>
+    <dgm:effectClrLst/>
+    <dgm:txLinClrLst/>
+    <dgm:txFillClrLst/>
+    <dgm:txEffectClrLst/>
+  </dgm:styleLbl>
+  <dgm:styleLbl name="asst2">
+    <dgm:fillClrLst meth="repeat">
+      <a:schemeClr val="accent1"/>
+    </dgm:fillClrLst>
+    <dgm:linClrLst meth="repeat">
+      <a:schemeClr val="lt1"/>
+    </dgm:linClrLst>
+    <dgm:effectClrLst/>
+    <dgm:txLinClrLst/>
+    <dgm:txFillClrLst/>
+    <dgm:txEffectClrLst/>
+  </dgm:styleLbl>
+  <dgm:styleLbl name="asst3">
+    <dgm:fillClrLst meth="repeat">
+      <a:schemeClr val="accent1"/>
+    </dgm:fillClrLst>
+    <dgm:linClrLst meth="repeat">
+      <a:schemeClr val="lt1"/>
+    </dgm:linClrLst>
+    <dgm:effectClrLst/>
+    <dgm:txLinClrLst/>
+    <dgm:txFillClrLst/>
+    <dgm:txEffectClrLst/>
+  </dgm:styleLbl>
+  <dgm:styleLbl name="asst4">
+    <dgm:fillClrLst meth="repeat">
+      <a:schemeClr val="accent1"/>
+    </dgm:fillClrLst>
+    <dgm:linClrLst meth="repeat">
+      <a:schemeClr val="lt1"/>
+    </dgm:linClrLst>
+    <dgm:effectClrLst/>
+    <dgm:txLinClrLst/>
+    <dgm:txFillClrLst/>
+    <dgm:txEffectClrLst/>
+  </dgm:styleLbl>
+  <dgm:styleLbl name="parChTrans2D1">
+    <dgm:fillClrLst meth="repeat">
+      <a:schemeClr val="accent1">
+        <a:tint val="60000"/>
+      </a:schemeClr>
+    </dgm:fillClrLst>
+    <dgm:linClrLst meth="repeat">
+      <a:schemeClr val="accent1">
+        <a:tint val="60000"/>
+      </a:schemeClr>
+    </dgm:linClrLst>
+    <dgm:effectClrLst/>
+    <dgm:txLinClrLst/>
+    <dgm:txFillClrLst meth="repeat">
+      <a:schemeClr val="lt1"/>
+    </dgm:txFillClrLst>
+    <dgm:txEffectClrLst/>
+  </dgm:styleLbl>
+  <dgm:styleLbl name="parChTrans2D2">
+    <dgm:fillClrLst meth="repeat">
+      <a:schemeClr val="accent1"/>
+    </dgm:fillClrLst>
+    <dgm:linClrLst meth="repeat">
+      <a:schemeClr val="accent1"/>
+    </dgm:linClrLst>
+    <dgm:effectClrLst/>
+    <dgm:txLinClrLst/>
+    <dgm:txFillClrLst meth="repeat">
+      <a:schemeClr val="lt1"/>
+    </dgm:txFillClrLst>
+    <dgm:txEffectClrLst/>
+  </dgm:styleLbl>
+  <dgm:styleLbl name="parChTrans2D3">
+    <dgm:fillClrLst meth="repeat">
+      <a:schemeClr val="accent1"/>
+    </dgm:fillClrLst>
+    <dgm:linClrLst meth="repeat">
+      <a:schemeClr val="accent1"/>
+    </dgm:linClrLst>
+    <dgm:effectClrLst/>
+    <dgm:txLinClrLst/>
+    <dgm:txFillClrLst meth="repeat">
+      <a:schemeClr val="lt1"/>
+    </dgm:txFillClrLst>
+    <dgm:txEffectClrLst/>
+  </dgm:styleLbl>
+  <dgm:styleLbl name="parChTrans2D4">
+    <dgm:fillClrLst meth="repeat">
+      <a:schemeClr val="accent1"/>
+    </dgm:fillClrLst>
+    <dgm:linClrLst meth="repeat">
+      <a:schemeClr val="accent1"/>
+    </dgm:linClrLst>
+    <dgm:effectClrLst/>
+    <dgm:txLinClrLst/>
+    <dgm:txFillClrLst meth="repeat">
+      <a:schemeClr val="lt1"/>
+    </dgm:txFillClrLst>
+    <dgm:txEffectClrLst/>
+  </dgm:styleLbl>
+  <dgm:styleLbl name="parChTrans1D1">
+    <dgm:fillClrLst meth="repeat">
+      <a:schemeClr val="accent1"/>
+    </dgm:fillClrLst>
+    <dgm:linClrLst meth="repeat">
+      <a:schemeClr val="accent1">
+        <a:shade val="60000"/>
+      </a:schemeClr>
+    </dgm:linClrLst>
+    <dgm:effectClrLst/>
+    <dgm:txLinClrLst/>
+    <dgm:txFillClrLst meth="repeat">
+      <a:schemeClr val="tx1"/>
+    </dgm:txFillClrLst>
+    <dgm:txEffectClrLst/>
+  </dgm:styleLbl>
+  <dgm:styleLbl name="parChTrans1D2">
+    <dgm:fillClrLst meth="repeat">
+      <a:schemeClr val="accent1"/>
+    </dgm:fillClrLst>
+    <dgm:linClrLst meth="repeat">
+      <a:schemeClr val="accent1">
+        <a:shade val="60000"/>
+      </a:schemeClr>
+    </dgm:linClrLst>
+    <dgm:effectClrLst/>
+    <dgm:txLinClrLst/>
+    <dgm:txFillClrLst meth="repeat">
+      <a:schemeClr val="tx1"/>
+    </dgm:txFillClrLst>
+    <dgm:txEffectClrLst/>
+  </dgm:styleLbl>
+  <dgm:styleLbl name="parChTrans1D3">
+    <dgm:fillClrLst meth="repeat">
+      <a:schemeClr val="accent1"/>
+    </dgm:fillClrLst>
+    <dgm:linClrLst meth="repeat">
+      <a:schemeClr val="accent1">
+        <a:shade val="80000"/>
+      </a:schemeClr>
+    </dgm:linClrLst>
+    <dgm:effectClrLst/>
+    <dgm:txLinClrLst/>
+    <dgm:txFillClrLst meth="repeat">
+      <a:schemeClr val="tx1"/>
+    </dgm:txFillClrLst>
+    <dgm:txEffectClrLst/>
+  </dgm:styleLbl>
+  <dgm:styleLbl name="parChTrans1D4">
+    <dgm:fillClrLst meth="repeat">
+      <a:schemeClr val="accent1"/>
+    </dgm:fillClrLst>
+    <dgm:linClrLst meth="repeat">
+      <a:schemeClr val="accent1">
+        <a:shade val="80000"/>
+      </a:schemeClr>
+    </dgm:linClrLst>
+    <dgm:effectClrLst/>
+    <dgm:txLinClrLst/>
+    <dgm:txFillClrLst meth="repeat">
+      <a:schemeClr val="tx1"/>
+    </dgm:txFillClrLst>
+    <dgm:txEffectClrLst/>
+  </dgm:styleLbl>
+  <dgm:styleLbl name="fgAcc1">
+    <dgm:fillClrLst meth="repeat">
+      <a:schemeClr val="lt1">
+        <a:alpha val="90000"/>
+      </a:schemeClr>
+    </dgm:fillClrLst>
+    <dgm:linClrLst meth="repeat">
+      <a:schemeClr val="accent1"/>
+    </dgm:linClrLst>
+    <dgm:effectClrLst/>
+    <dgm:txLinClrLst/>
+    <dgm:txFillClrLst meth="repeat">
+      <a:schemeClr val="dk1"/>
+    </dgm:txFillClrLst>
+    <dgm:txEffectClrLst/>
+  </dgm:styleLbl>
+  <dgm:styleLbl name="conFgAcc1">
+    <dgm:fillClrLst meth="repeat">
+      <a:schemeClr val="lt1">
+        <a:alpha val="90000"/>
+      </a:schemeClr>
+    </dgm:fillClrLst>
+    <dgm:linClrLst meth="repeat">
+      <a:schemeClr val="accent1"/>
+    </dgm:linClrLst>
+    <dgm:effectClrLst/>
+    <dgm:txLinClrLst/>
+    <dgm:txFillClrLst meth="repeat">
+      <a:schemeClr val="dk1"/>
+    </dgm:txFillClrLst>
+    <dgm:txEffectClrLst/>
+  </dgm:styleLbl>
+  <dgm:styleLbl name="alignAcc1">
+    <dgm:fillClrLst meth="repeat">
+      <a:schemeClr val="lt1">
+        <a:alpha val="90000"/>
+      </a:schemeClr>
+    </dgm:fillClrLst>
+    <dgm:linClrLst meth="repeat">
+      <a:schemeClr val="accent1"/>
+    </dgm:linClrLst>
+    <dgm:effectClrLst/>
+    <dgm:txLinClrLst/>
+    <dgm:txFillClrLst meth="repeat">
+      <a:schemeClr val="dk1"/>
+    </dgm:txFillClrLst>
+    <dgm:txEffectClrLst/>
+  </dgm:styleLbl>
+  <dgm:styleLbl name="trAlignAcc1">
+    <dgm:fillClrLst meth="repeat">
+      <a:schemeClr val="lt1">
+        <a:alpha val="40000"/>
+      </a:schemeClr>
+    </dgm:fillClrLst>
+    <dgm:linClrLst meth="repeat">
+      <a:schemeClr val="accent1"/>
+    </dgm:linClrLst>
+    <dgm:effectClrLst/>
+    <dgm:txLinClrLst/>
+    <dgm:txFillClrLst meth="repeat">
+      <a:schemeClr val="dk1"/>
+    </dgm:txFillClrLst>
+    <dgm:txEffectClrLst/>
+  </dgm:styleLbl>
+  <dgm:styleLbl name="bgAcc1">
+    <dgm:fillClrLst meth="repeat">
+      <a:schemeClr val="lt1">
+        <a:alpha val="90000"/>
+      </a:schemeClr>
+    </dgm:fillClrLst>
+    <dgm:linClrLst meth="repeat">
+      <a:schemeClr val="accent1"/>
+    </dgm:linClrLst>
+    <dgm:effectClrLst/>
+    <dgm:txLinClrLst/>
+    <dgm:txFillClrLst meth="repeat">
+      <a:schemeClr val="dk1"/>
+    </dgm:txFillClrLst>
+    <dgm:txEffectClrLst/>
+  </dgm:styleLbl>
+  <dgm:styleLbl name="solidFgAcc1">
+    <dgm:fillClrLst meth="repeat">
+      <a:schemeClr val="lt1"/>
+    </dgm:fillClrLst>
+    <dgm:linClrLst meth="repeat">
+      <a:schemeClr val="accent1"/>
+    </dgm:linClrLst>
+    <dgm:effectClrLst/>
+    <dgm:txLinClrLst/>
+    <dgm:txFillClrLst meth="repeat">
+      <a:schemeClr val="dk1"/>
+    </dgm:txFillClrLst>
+    <dgm:txEffectClrLst/>
+  </dgm:styleLbl>
+  <dgm:styleLbl name="solidAlignAcc1">
+    <dgm:fillClrLst meth="repeat">
+      <a:schemeClr val="lt1"/>
+    </dgm:fillClrLst>
+    <dgm:linClrLst meth="repeat">
+      <a:schemeClr val="accent1"/>
+    </dgm:linClrLst>
+    <dgm:effectClrLst/>
+    <dgm:txLinClrLst/>
+    <dgm:txFillClrLst meth="repeat">
+      <a:schemeClr val="dk1"/>
+    </dgm:txFillClrLst>
+    <dgm:txEffectClrLst/>
+  </dgm:styleLbl>
+  <dgm:styleLbl name="solidBgAcc1">
+    <dgm:fillClrLst meth="repeat">
+      <a:schemeClr val="lt1"/>
+    </dgm:fillClrLst>
+    <dgm:linClrLst meth="repeat">
+      <a:schemeClr val="accent1"/>
+    </dgm:linClrLst>
+    <dgm:effectClrLst/>
+    <dgm:txLinClrLst/>
+    <dgm:txFillClrLst meth="repeat">
+      <a:schemeClr val="dk1"/>
+    </dgm:txFillClrLst>
+    <dgm:txEffectClrLst/>
+  </dgm:styleLbl>
+  <dgm:styleLbl name="fgAccFollowNode1">
+    <dgm:fillClrLst meth="repeat">
+      <a:schemeClr val="accent1">
+        <a:alpha val="90000"/>
+        <a:tint val="40000"/>
+      </a:schemeClr>
+    </dgm:fillClrLst>
+    <dgm:linClrLst meth="repeat">
+      <a:schemeClr val="accent1">
+        <a:alpha val="90000"/>
+        <a:tint val="40000"/>
+      </a:schemeClr>
+    </dgm:linClrLst>
+    <dgm:effectClrLst/>
+    <dgm:txLinClrLst/>
+    <dgm:txFillClrLst meth="repeat">
+      <a:schemeClr val="dk1"/>
+    </dgm:txFillClrLst>
+    <dgm:txEffectClrLst/>
+  </dgm:styleLbl>
+  <dgm:styleLbl name="alignAccFollowNode1">
+    <dgm:fillClrLst meth="repeat">
+      <a:schemeClr val="accent1">
+        <a:alpha val="90000"/>
+        <a:tint val="40000"/>
+      </a:schemeClr>
+    </dgm:fillClrLst>
+    <dgm:linClrLst meth="repeat">
+      <a:schemeClr val="accent1">
+        <a:alpha val="90000"/>
+        <a:tint val="40000"/>
+      </a:schemeClr>
+    </dgm:linClrLst>
+    <dgm:effectClrLst/>
+    <dgm:txLinClrLst/>
+    <dgm:txFillClrLst meth="repeat">
+      <a:schemeClr val="dk1"/>
+    </dgm:txFillClrLst>
+    <dgm:txEffectClrLst/>
+  </dgm:styleLbl>
+  <dgm:styleLbl name="bgAccFollowNode1">
+    <dgm:fillClrLst meth="repeat">
+      <a:schemeClr val="accent1">
+        <a:alpha val="90000"/>
+        <a:tint val="40000"/>
+      </a:schemeClr>
+    </dgm:fillClrLst>
+    <dgm:linClrLst meth="repeat">
+      <a:schemeClr val="accent1">
+        <a:alpha val="90000"/>
+        <a:tint val="40000"/>
+      </a:schemeClr>
+    </dgm:linClrLst>
+    <dgm:effectClrLst/>
+    <dgm:txLinClrLst/>
+    <dgm:txFillClrLst meth="repeat">
+      <a:schemeClr val="dk1"/>
+    </dgm:txFillClrLst>
+    <dgm:txEffectClrLst/>
+  </dgm:styleLbl>
+  <dgm:styleLbl name="fgAcc0">
+    <dgm:fillClrLst meth="repeat">
+      <a:schemeClr val="lt1">
+        <a:alpha val="90000"/>
+      </a:schemeClr>
+    </dgm:fillClrLst>
+    <dgm:linClrLst meth="repeat">
+      <a:schemeClr val="accent1"/>
+    </dgm:linClrLst>
+    <dgm:effectClrLst/>
+    <dgm:txLinClrLst/>
+    <dgm:txFillClrLst meth="repeat">
+      <a:schemeClr val="dk1"/>
+    </dgm:txFillClrLst>
+    <dgm:txEffectClrLst/>
+  </dgm:styleLbl>
+  <dgm:styleLbl name="fgAcc2">
+    <dgm:fillClrLst meth="repeat">
+      <a:schemeClr val="lt1">
+        <a:alpha val="90000"/>
+      </a:schemeClr>
+    </dgm:fillClrLst>
+    <dgm:linClrLst meth="repeat">
+      <a:schemeClr val="accent1"/>
+    </dgm:linClrLst>
+    <dgm:effectClrLst/>
+    <dgm:txLinClrLst/>
+    <dgm:txFillClrLst meth="repeat">
+      <a:schemeClr val="dk1"/>
+    </dgm:txFillClrLst>
+    <dgm:txEffectClrLst/>
+  </dgm:styleLbl>
+  <dgm:styleLbl name="fgAcc3">
+    <dgm:fillClrLst meth="repeat">
+      <a:schemeClr val="lt1">
+        <a:alpha val="90000"/>
+      </a:schemeClr>
+    </dgm:fillClrLst>
+    <dgm:linClrLst meth="repeat">
+      <a:schemeClr val="accent1"/>
+    </dgm:linClrLst>
+    <dgm:effectClrLst/>
+    <dgm:txLinClrLst/>
+    <dgm:txFillClrLst meth="repeat">
+      <a:schemeClr val="dk1"/>
+    </dgm:txFillClrLst>
+    <dgm:txEffectClrLst/>
+  </dgm:styleLbl>
+  <dgm:styleLbl name="fgAcc4">
+    <dgm:fillClrLst meth="repeat">
+      <a:schemeClr val="lt1">
+        <a:alpha val="90000"/>
+      </a:schemeClr>
+    </dgm:fillClrLst>
+    <dgm:linClrLst meth="repeat">
+      <a:schemeClr val="accent1"/>
+    </dgm:linClrLst>
+    <dgm:effectClrLst/>
+    <dgm:txLinClrLst/>
+    <dgm:txFillClrLst meth="repeat">
+      <a:schemeClr val="dk1"/>
+    </dgm:txFillClrLst>
+    <dgm:txEffectClrLst/>
+  </dgm:styleLbl>
+  <dgm:styleLbl name="bgShp">
+    <dgm:fillClrLst meth="repeat">
+      <a:schemeClr val="accent1">
+        <a:tint val="40000"/>
+      </a:schemeClr>
+    </dgm:fillClrLst>
+    <dgm:linClrLst meth="repeat">
+      <a:schemeClr val="accent1"/>
+    </dgm:linClrLst>
+    <dgm:effectClrLst/>
+    <dgm:txLinClrLst/>
+    <dgm:txFillClrLst meth="repeat">
+      <a:schemeClr val="dk1"/>
+    </dgm:txFillClrLst>
+    <dgm:txEffectClrLst/>
+  </dgm:styleLbl>
+  <dgm:styleLbl name="dkBgShp">
+    <dgm:fillClrLst meth="repeat">
+      <a:schemeClr val="accent1">
+        <a:shade val="80000"/>
+      </a:schemeClr>
+    </dgm:fillClrLst>
+    <dgm:linClrLst meth="repeat">
+      <a:schemeClr val="accent1"/>
+    </dgm:linClrLst>
+    <dgm:effectClrLst/>
+    <dgm:txLinClrLst/>
+    <dgm:txFillClrLst meth="repeat">
+      <a:schemeClr val="lt1"/>
+    </dgm:txFillClrLst>
+    <dgm:txEffectClrLst/>
+  </dgm:styleLbl>
+  <dgm:styleLbl name="trBgShp">
+    <dgm:fillClrLst meth="repeat">
+      <a:schemeClr val="accent1">
+        <a:tint val="50000"/>
+        <a:alpha val="40000"/>
+      </a:schemeClr>
+    </dgm:fillClrLst>
+    <dgm:linClrLst meth="repeat">
+      <a:schemeClr val="accent1"/>
+    </dgm:linClrLst>
+    <dgm:effectClrLst/>
+    <dgm:txLinClrLst/>
+    <dgm:txFillClrLst meth="repeat">
+      <a:schemeClr val="lt1"/>
+    </dgm:txFillClrLst>
+    <dgm:txEffectClrLst/>
+  </dgm:styleLbl>
+  <dgm:styleLbl name="fgShp">
+    <dgm:fillClrLst meth="repeat">
+      <a:schemeClr val="accent1">
+        <a:tint val="60000"/>
+      </a:schemeClr>
+    </dgm:fillClrLst>
+    <dgm:linClrLst meth="repeat">
+      <a:schemeClr val="lt1"/>
+    </dgm:linClrLst>
+    <dgm:effectClrLst/>
+    <dgm:txLinClrLst/>
+    <dgm:txFillClrLst meth="repeat">
+      <a:schemeClr val="dk1"/>
+    </dgm:txFillClrLst>
+    <dgm:txEffectClrLst/>
+  </dgm:styleLbl>
+  <dgm:styleLbl name="revTx">
+    <dgm:fillClrLst meth="repeat">
+      <a:schemeClr val="lt1">
+        <a:alpha val="0"/>
+      </a:schemeClr>
+    </dgm:fillClrLst>
+    <dgm:linClrLst meth="repeat">
+      <a:schemeClr val="dk1">
+        <a:alpha val="0"/>
+      </a:schemeClr>
+    </dgm:linClrLst>
+    <dgm:effectClrLst/>
+    <dgm:txLinClrLst/>
+    <dgm:txFillClrLst meth="repeat">
+      <a:schemeClr val="tx1"/>
+    </dgm:txFillClrLst>
+    <dgm:txEffectClrLst/>
+  </dgm:styleLbl>
+</dgm:colorsDef>
+</file>
+
+<file path=ppt/diagrams/colors11.xml><?xml version="1.0" encoding="utf-8"?>
 <dgm:colorsDef xmlns:dgm="http://schemas.openxmlformats.org/drawingml/2006/diagram" xmlns:a="http://schemas.openxmlformats.org/drawingml/2006/main" uniqueId="urn:microsoft.com/office/officeart/2005/8/colors/accent1_2">
   <dgm:title val=""/>
   <dgm:desc val=""/>
@@ -8693,6 +9448,187 @@
   <dgm:extLst>
     <a:ext uri="http://schemas.microsoft.com/office/drawing/2008/diagram">
       <dsp:dataModelExt xmlns:dsp="http://schemas.microsoft.com/office/drawing/2008/diagram" relId="rId6" minVer="http://schemas.openxmlformats.org/drawingml/2006/diagram"/>
+    </a:ext>
+  </dgm:extLst>
+</dgm:dataModel>
+</file>
+
+<file path=ppt/diagrams/data11.xml><?xml version="1.0" encoding="utf-8"?>
+<dgm:dataModel xmlns:dgm="http://schemas.openxmlformats.org/drawingml/2006/diagram" xmlns:a="http://schemas.openxmlformats.org/drawingml/2006/main">
+  <dgm:ptLst>
+    <dgm:pt modelId="{9C467E97-C880-48D4-B8EC-E3CB95D4C9A0}" type="doc">
+      <dgm:prSet loTypeId="urn:microsoft.com/office/officeart/2005/8/layout/hChevron3" loCatId="process" qsTypeId="urn:microsoft.com/office/officeart/2005/8/quickstyle/simple1" qsCatId="simple" csTypeId="urn:microsoft.com/office/officeart/2005/8/colors/accent1_2" csCatId="accent1" phldr="1"/>
+      <dgm:spPr/>
+    </dgm:pt>
+    <dgm:pt modelId="{5FCB9BA0-9BC7-4DC7-96D6-AB63630ECB2C}">
+      <dgm:prSet phldrT="[Text]"/>
+      <dgm:spPr/>
+      <dgm:t>
+        <a:bodyPr/>
+        <a:lstStyle/>
+        <a:p>
+          <a:r>
+            <a:rPr lang="en-US" dirty="0"/>
+            <a:t>1</a:t>
+          </a:r>
+        </a:p>
+      </dgm:t>
+    </dgm:pt>
+    <dgm:pt modelId="{956C4F86-4E30-4E18-813E-98B60AC10CB6}" type="parTrans" cxnId="{3E5298CE-72AB-4CD2-A45C-F8E487647298}">
+      <dgm:prSet/>
+      <dgm:spPr/>
+      <dgm:t>
+        <a:bodyPr/>
+        <a:lstStyle/>
+        <a:p>
+          <a:endParaRPr lang="en-US"/>
+        </a:p>
+      </dgm:t>
+    </dgm:pt>
+    <dgm:pt modelId="{DCEA512F-F265-422C-97C7-1B2F8F65DBC5}" type="sibTrans" cxnId="{3E5298CE-72AB-4CD2-A45C-F8E487647298}">
+      <dgm:prSet/>
+      <dgm:spPr/>
+      <dgm:t>
+        <a:bodyPr/>
+        <a:lstStyle/>
+        <a:p>
+          <a:endParaRPr lang="en-US"/>
+        </a:p>
+      </dgm:t>
+    </dgm:pt>
+    <dgm:pt modelId="{D816DD95-E432-4B42-B593-D636DDBE3C82}">
+      <dgm:prSet phldrT="[Text]"/>
+      <dgm:spPr/>
+      <dgm:t>
+        <a:bodyPr/>
+        <a:lstStyle/>
+        <a:p>
+          <a:r>
+            <a:rPr lang="en-US" dirty="0"/>
+            <a:t>1-3</a:t>
+          </a:r>
+        </a:p>
+      </dgm:t>
+    </dgm:pt>
+    <dgm:pt modelId="{ABD3C5A3-D369-4B4D-A2CA-763292F03D1E}" type="parTrans" cxnId="{8EA339B8-0D14-4A79-9EF2-CE69E37B6259}">
+      <dgm:prSet/>
+      <dgm:spPr/>
+      <dgm:t>
+        <a:bodyPr/>
+        <a:lstStyle/>
+        <a:p>
+          <a:endParaRPr lang="en-US"/>
+        </a:p>
+      </dgm:t>
+    </dgm:pt>
+    <dgm:pt modelId="{33F71026-5D37-4050-8A71-15AF05482716}" type="sibTrans" cxnId="{8EA339B8-0D14-4A79-9EF2-CE69E37B6259}">
+      <dgm:prSet/>
+      <dgm:spPr/>
+      <dgm:t>
+        <a:bodyPr/>
+        <a:lstStyle/>
+        <a:p>
+          <a:endParaRPr lang="en-US"/>
+        </a:p>
+      </dgm:t>
+    </dgm:pt>
+    <dgm:pt modelId="{580659A8-0462-4BAC-A66D-ED57608BCCE7}">
+      <dgm:prSet phldrT="[Text]"/>
+      <dgm:spPr/>
+      <dgm:t>
+        <a:bodyPr/>
+        <a:lstStyle/>
+        <a:p>
+          <a:r>
+            <a:rPr lang="en-US" dirty="0"/>
+            <a:t>1-5</a:t>
+          </a:r>
+        </a:p>
+      </dgm:t>
+    </dgm:pt>
+    <dgm:pt modelId="{8BB8D5AF-95D3-476A-9AF9-BE151393A6F8}" type="parTrans" cxnId="{973D97CD-C4F9-40AE-8A7C-E849099B005E}">
+      <dgm:prSet/>
+      <dgm:spPr/>
+      <dgm:t>
+        <a:bodyPr/>
+        <a:lstStyle/>
+        <a:p>
+          <a:endParaRPr lang="en-US"/>
+        </a:p>
+      </dgm:t>
+    </dgm:pt>
+    <dgm:pt modelId="{5A804915-3800-4B70-AB0C-2C94233E6BEC}" type="sibTrans" cxnId="{973D97CD-C4F9-40AE-8A7C-E849099B005E}">
+      <dgm:prSet/>
+      <dgm:spPr/>
+      <dgm:t>
+        <a:bodyPr/>
+        <a:lstStyle/>
+        <a:p>
+          <a:endParaRPr lang="en-US"/>
+        </a:p>
+      </dgm:t>
+    </dgm:pt>
+    <dgm:pt modelId="{D8C5FC70-B9F7-4531-94D8-5D1AD2AEC8C6}" type="pres">
+      <dgm:prSet presAssocID="{9C467E97-C880-48D4-B8EC-E3CB95D4C9A0}" presName="Name0" presStyleCnt="0">
+        <dgm:presLayoutVars>
+          <dgm:dir/>
+          <dgm:resizeHandles val="exact"/>
+        </dgm:presLayoutVars>
+      </dgm:prSet>
+      <dgm:spPr/>
+    </dgm:pt>
+    <dgm:pt modelId="{C59C7E5F-5CAB-443B-ABCF-BFDE27387CE0}" type="pres">
+      <dgm:prSet presAssocID="{5FCB9BA0-9BC7-4DC7-96D6-AB63630ECB2C}" presName="parTxOnly" presStyleLbl="node1" presStyleIdx="0" presStyleCnt="3">
+        <dgm:presLayoutVars>
+          <dgm:bulletEnabled val="1"/>
+        </dgm:presLayoutVars>
+      </dgm:prSet>
+      <dgm:spPr/>
+    </dgm:pt>
+    <dgm:pt modelId="{841C1E2D-769A-4498-9B24-3EB4288C0941}" type="pres">
+      <dgm:prSet presAssocID="{DCEA512F-F265-422C-97C7-1B2F8F65DBC5}" presName="parSpace" presStyleCnt="0"/>
+      <dgm:spPr/>
+    </dgm:pt>
+    <dgm:pt modelId="{54A181AB-1EFB-4496-84B3-91F2E034E28A}" type="pres">
+      <dgm:prSet presAssocID="{D816DD95-E432-4B42-B593-D636DDBE3C82}" presName="parTxOnly" presStyleLbl="node1" presStyleIdx="1" presStyleCnt="3">
+        <dgm:presLayoutVars>
+          <dgm:bulletEnabled val="1"/>
+        </dgm:presLayoutVars>
+      </dgm:prSet>
+      <dgm:spPr/>
+    </dgm:pt>
+    <dgm:pt modelId="{40DE5C05-7CEF-447E-8EFE-A1206212749B}" type="pres">
+      <dgm:prSet presAssocID="{33F71026-5D37-4050-8A71-15AF05482716}" presName="parSpace" presStyleCnt="0"/>
+      <dgm:spPr/>
+    </dgm:pt>
+    <dgm:pt modelId="{60634BA8-F26E-4E0F-A07F-AAFB7B3B179D}" type="pres">
+      <dgm:prSet presAssocID="{580659A8-0462-4BAC-A66D-ED57608BCCE7}" presName="parTxOnly" presStyleLbl="node1" presStyleIdx="2" presStyleCnt="3">
+        <dgm:presLayoutVars>
+          <dgm:bulletEnabled val="1"/>
+        </dgm:presLayoutVars>
+      </dgm:prSet>
+      <dgm:spPr/>
+    </dgm:pt>
+  </dgm:ptLst>
+  <dgm:cxnLst>
+    <dgm:cxn modelId="{2B590206-D2DB-478F-B563-A4DF88B29088}" type="presOf" srcId="{D816DD95-E432-4B42-B593-D636DDBE3C82}" destId="{54A181AB-1EFB-4496-84B3-91F2E034E28A}" srcOrd="0" destOrd="0" presId="urn:microsoft.com/office/officeart/2005/8/layout/hChevron3"/>
+    <dgm:cxn modelId="{61A30E15-112F-44E0-BDFC-559702E71E83}" type="presOf" srcId="{580659A8-0462-4BAC-A66D-ED57608BCCE7}" destId="{60634BA8-F26E-4E0F-A07F-AAFB7B3B179D}" srcOrd="0" destOrd="0" presId="urn:microsoft.com/office/officeart/2005/8/layout/hChevron3"/>
+    <dgm:cxn modelId="{50510175-7E20-4364-A031-07941BEF9FAF}" type="presOf" srcId="{5FCB9BA0-9BC7-4DC7-96D6-AB63630ECB2C}" destId="{C59C7E5F-5CAB-443B-ABCF-BFDE27387CE0}" srcOrd="0" destOrd="0" presId="urn:microsoft.com/office/officeart/2005/8/layout/hChevron3"/>
+    <dgm:cxn modelId="{8C701958-0038-429C-91D6-5DA6754A84E0}" type="presOf" srcId="{9C467E97-C880-48D4-B8EC-E3CB95D4C9A0}" destId="{D8C5FC70-B9F7-4531-94D8-5D1AD2AEC8C6}" srcOrd="0" destOrd="0" presId="urn:microsoft.com/office/officeart/2005/8/layout/hChevron3"/>
+    <dgm:cxn modelId="{8EA339B8-0D14-4A79-9EF2-CE69E37B6259}" srcId="{9C467E97-C880-48D4-B8EC-E3CB95D4C9A0}" destId="{D816DD95-E432-4B42-B593-D636DDBE3C82}" srcOrd="1" destOrd="0" parTransId="{ABD3C5A3-D369-4B4D-A2CA-763292F03D1E}" sibTransId="{33F71026-5D37-4050-8A71-15AF05482716}"/>
+    <dgm:cxn modelId="{973D97CD-C4F9-40AE-8A7C-E849099B005E}" srcId="{9C467E97-C880-48D4-B8EC-E3CB95D4C9A0}" destId="{580659A8-0462-4BAC-A66D-ED57608BCCE7}" srcOrd="2" destOrd="0" parTransId="{8BB8D5AF-95D3-476A-9AF9-BE151393A6F8}" sibTransId="{5A804915-3800-4B70-AB0C-2C94233E6BEC}"/>
+    <dgm:cxn modelId="{3E5298CE-72AB-4CD2-A45C-F8E487647298}" srcId="{9C467E97-C880-48D4-B8EC-E3CB95D4C9A0}" destId="{5FCB9BA0-9BC7-4DC7-96D6-AB63630ECB2C}" srcOrd="0" destOrd="0" parTransId="{956C4F86-4E30-4E18-813E-98B60AC10CB6}" sibTransId="{DCEA512F-F265-422C-97C7-1B2F8F65DBC5}"/>
+    <dgm:cxn modelId="{76881802-2BE8-43E1-AA11-D40C09C01091}" type="presParOf" srcId="{D8C5FC70-B9F7-4531-94D8-5D1AD2AEC8C6}" destId="{C59C7E5F-5CAB-443B-ABCF-BFDE27387CE0}" srcOrd="0" destOrd="0" presId="urn:microsoft.com/office/officeart/2005/8/layout/hChevron3"/>
+    <dgm:cxn modelId="{D2AAC669-E537-42FD-8866-7983B2D5B7DF}" type="presParOf" srcId="{D8C5FC70-B9F7-4531-94D8-5D1AD2AEC8C6}" destId="{841C1E2D-769A-4498-9B24-3EB4288C0941}" srcOrd="1" destOrd="0" presId="urn:microsoft.com/office/officeart/2005/8/layout/hChevron3"/>
+    <dgm:cxn modelId="{A63E401A-BC0A-4816-94D7-6B060902009D}" type="presParOf" srcId="{D8C5FC70-B9F7-4531-94D8-5D1AD2AEC8C6}" destId="{54A181AB-1EFB-4496-84B3-91F2E034E28A}" srcOrd="2" destOrd="0" presId="urn:microsoft.com/office/officeart/2005/8/layout/hChevron3"/>
+    <dgm:cxn modelId="{0804D0C3-25DD-4AD7-922E-8F9B2DA83C5B}" type="presParOf" srcId="{D8C5FC70-B9F7-4531-94D8-5D1AD2AEC8C6}" destId="{40DE5C05-7CEF-447E-8EFE-A1206212749B}" srcOrd="3" destOrd="0" presId="urn:microsoft.com/office/officeart/2005/8/layout/hChevron3"/>
+    <dgm:cxn modelId="{2B1013E9-5D70-4F4E-8717-DEECB59C3B28}" type="presParOf" srcId="{D8C5FC70-B9F7-4531-94D8-5D1AD2AEC8C6}" destId="{60634BA8-F26E-4E0F-A07F-AAFB7B3B179D}" srcOrd="4" destOrd="0" presId="urn:microsoft.com/office/officeart/2005/8/layout/hChevron3"/>
+  </dgm:cxnLst>
+  <dgm:bg/>
+  <dgm:whole/>
+  <dgm:extLst>
+    <a:ext uri="http://schemas.microsoft.com/office/drawing/2008/diagram">
+      <dsp:dataModelExt xmlns:dsp="http://schemas.microsoft.com/office/drawing/2008/diagram" relId="rId11" minVer="http://schemas.openxmlformats.org/drawingml/2006/diagram"/>
     </a:ext>
   </dgm:extLst>
 </dgm:dataModel>
@@ -10591,7 +11527,7 @@
       <dgm:spPr/>
     </dgm:pt>
     <dgm:pt modelId="{3082DC70-EA80-4450-8D7A-9DBDB227BCFB}" type="pres">
-      <dgm:prSet presAssocID="{50D84AF5-A752-41DC-981C-9FD9A2322A18}" presName="node" presStyleLbl="alignAccFollowNode1" presStyleIdx="1" presStyleCnt="6" custScaleX="79425" custScaleY="80423">
+      <dgm:prSet presAssocID="{50D84AF5-A752-41DC-981C-9FD9A2322A18}" presName="node" presStyleLbl="alignAccFollowNode1" presStyleIdx="1" presStyleCnt="6" custScaleX="80524" custScaleY="80423">
         <dgm:presLayoutVars>
           <dgm:bulletEnabled val="1"/>
         </dgm:presLayoutVars>
@@ -12756,6 +13692,252 @@
       <dsp:txXfrm>
         <a:off x="7760107" y="302858"/>
         <a:ext cx="2728759" cy="2391917"/>
+      </dsp:txXfrm>
+    </dsp:sp>
+  </dsp:spTree>
+</dsp:drawing>
+</file>
+
+<file path=ppt/diagrams/drawing11.xml><?xml version="1.0" encoding="utf-8"?>
+<dsp:drawing xmlns:dgm="http://schemas.openxmlformats.org/drawingml/2006/diagram" xmlns:dsp="http://schemas.microsoft.com/office/drawing/2008/diagram" xmlns:a="http://schemas.openxmlformats.org/drawingml/2006/main">
+  <dsp:spTree>
+    <dsp:nvGrpSpPr>
+      <dsp:cNvPr id="0" name=""/>
+      <dsp:cNvGrpSpPr/>
+    </dsp:nvGrpSpPr>
+    <dsp:grpSpPr/>
+    <dsp:sp modelId="{C59C7E5F-5CAB-443B-ABCF-BFDE27387CE0}">
+      <dsp:nvSpPr>
+        <dsp:cNvPr id="0" name=""/>
+        <dsp:cNvSpPr/>
+      </dsp:nvSpPr>
+      <dsp:spPr>
+        <a:xfrm>
+          <a:off x="4621" y="0"/>
+          <a:ext cx="4040906" cy="369332"/>
+        </a:xfrm>
+        <a:prstGeom prst="homePlate">
+          <a:avLst/>
+        </a:prstGeom>
+        <a:solidFill>
+          <a:schemeClr val="accent1">
+            <a:hueOff val="0"/>
+            <a:satOff val="0"/>
+            <a:lumOff val="0"/>
+            <a:alphaOff val="0"/>
+          </a:schemeClr>
+        </a:solidFill>
+        <a:ln w="12700" cap="flat" cmpd="sng" algn="ctr">
+          <a:solidFill>
+            <a:schemeClr val="lt1">
+              <a:hueOff val="0"/>
+              <a:satOff val="0"/>
+              <a:lumOff val="0"/>
+              <a:alphaOff val="0"/>
+            </a:schemeClr>
+          </a:solidFill>
+          <a:prstDash val="solid"/>
+          <a:miter lim="800000"/>
+        </a:ln>
+        <a:effectLst/>
+      </dsp:spPr>
+      <dsp:style>
+        <a:lnRef idx="2">
+          <a:scrgbClr r="0" g="0" b="0"/>
+        </a:lnRef>
+        <a:fillRef idx="1">
+          <a:scrgbClr r="0" g="0" b="0"/>
+        </a:fillRef>
+        <a:effectRef idx="0">
+          <a:scrgbClr r="0" g="0" b="0"/>
+        </a:effectRef>
+        <a:fontRef idx="minor">
+          <a:schemeClr val="lt1"/>
+        </a:fontRef>
+      </dsp:style>
+      <dsp:txBody>
+        <a:bodyPr spcFirstLastPara="0" vert="horz" wrap="square" lIns="101346" tIns="50673" rIns="25337" bIns="50673" numCol="1" spcCol="1270" anchor="ctr" anchorCtr="0">
+          <a:noAutofit/>
+        </a:bodyPr>
+        <a:lstStyle/>
+        <a:p>
+          <a:pPr marL="0" lvl="0" indent="0" algn="ctr" defTabSz="844550">
+            <a:lnSpc>
+              <a:spcPct val="90000"/>
+            </a:lnSpc>
+            <a:spcBef>
+              <a:spcPct val="0"/>
+            </a:spcBef>
+            <a:spcAft>
+              <a:spcPct val="35000"/>
+            </a:spcAft>
+            <a:buNone/>
+          </a:pPr>
+          <a:r>
+            <a:rPr lang="en-US" sz="1900" kern="1200" dirty="0"/>
+            <a:t>1</a:t>
+          </a:r>
+        </a:p>
+      </dsp:txBody>
+      <dsp:txXfrm>
+        <a:off x="4621" y="0"/>
+        <a:ext cx="3948573" cy="369332"/>
+      </dsp:txXfrm>
+    </dsp:sp>
+    <dsp:sp modelId="{54A181AB-1EFB-4496-84B3-91F2E034E28A}">
+      <dsp:nvSpPr>
+        <dsp:cNvPr id="0" name=""/>
+        <dsp:cNvSpPr/>
+      </dsp:nvSpPr>
+      <dsp:spPr>
+        <a:xfrm>
+          <a:off x="3237346" y="0"/>
+          <a:ext cx="4040906" cy="369332"/>
+        </a:xfrm>
+        <a:prstGeom prst="chevron">
+          <a:avLst/>
+        </a:prstGeom>
+        <a:solidFill>
+          <a:schemeClr val="accent1">
+            <a:hueOff val="0"/>
+            <a:satOff val="0"/>
+            <a:lumOff val="0"/>
+            <a:alphaOff val="0"/>
+          </a:schemeClr>
+        </a:solidFill>
+        <a:ln w="12700" cap="flat" cmpd="sng" algn="ctr">
+          <a:solidFill>
+            <a:schemeClr val="lt1">
+              <a:hueOff val="0"/>
+              <a:satOff val="0"/>
+              <a:lumOff val="0"/>
+              <a:alphaOff val="0"/>
+            </a:schemeClr>
+          </a:solidFill>
+          <a:prstDash val="solid"/>
+          <a:miter lim="800000"/>
+        </a:ln>
+        <a:effectLst/>
+      </dsp:spPr>
+      <dsp:style>
+        <a:lnRef idx="2">
+          <a:scrgbClr r="0" g="0" b="0"/>
+        </a:lnRef>
+        <a:fillRef idx="1">
+          <a:scrgbClr r="0" g="0" b="0"/>
+        </a:fillRef>
+        <a:effectRef idx="0">
+          <a:scrgbClr r="0" g="0" b="0"/>
+        </a:effectRef>
+        <a:fontRef idx="minor">
+          <a:schemeClr val="lt1"/>
+        </a:fontRef>
+      </dsp:style>
+      <dsp:txBody>
+        <a:bodyPr spcFirstLastPara="0" vert="horz" wrap="square" lIns="76010" tIns="50673" rIns="25337" bIns="50673" numCol="1" spcCol="1270" anchor="ctr" anchorCtr="0">
+          <a:noAutofit/>
+        </a:bodyPr>
+        <a:lstStyle/>
+        <a:p>
+          <a:pPr marL="0" lvl="0" indent="0" algn="ctr" defTabSz="844550">
+            <a:lnSpc>
+              <a:spcPct val="90000"/>
+            </a:lnSpc>
+            <a:spcBef>
+              <a:spcPct val="0"/>
+            </a:spcBef>
+            <a:spcAft>
+              <a:spcPct val="35000"/>
+            </a:spcAft>
+            <a:buNone/>
+          </a:pPr>
+          <a:r>
+            <a:rPr lang="en-US" sz="1900" kern="1200" dirty="0"/>
+            <a:t>1-3</a:t>
+          </a:r>
+        </a:p>
+      </dsp:txBody>
+      <dsp:txXfrm>
+        <a:off x="3422012" y="0"/>
+        <a:ext cx="3671574" cy="369332"/>
+      </dsp:txXfrm>
+    </dsp:sp>
+    <dsp:sp modelId="{60634BA8-F26E-4E0F-A07F-AAFB7B3B179D}">
+      <dsp:nvSpPr>
+        <dsp:cNvPr id="0" name=""/>
+        <dsp:cNvSpPr/>
+      </dsp:nvSpPr>
+      <dsp:spPr>
+        <a:xfrm>
+          <a:off x="6470072" y="0"/>
+          <a:ext cx="4040906" cy="369332"/>
+        </a:xfrm>
+        <a:prstGeom prst="chevron">
+          <a:avLst/>
+        </a:prstGeom>
+        <a:solidFill>
+          <a:schemeClr val="accent1">
+            <a:hueOff val="0"/>
+            <a:satOff val="0"/>
+            <a:lumOff val="0"/>
+            <a:alphaOff val="0"/>
+          </a:schemeClr>
+        </a:solidFill>
+        <a:ln w="12700" cap="flat" cmpd="sng" algn="ctr">
+          <a:solidFill>
+            <a:schemeClr val="lt1">
+              <a:hueOff val="0"/>
+              <a:satOff val="0"/>
+              <a:lumOff val="0"/>
+              <a:alphaOff val="0"/>
+            </a:schemeClr>
+          </a:solidFill>
+          <a:prstDash val="solid"/>
+          <a:miter lim="800000"/>
+        </a:ln>
+        <a:effectLst/>
+      </dsp:spPr>
+      <dsp:style>
+        <a:lnRef idx="2">
+          <a:scrgbClr r="0" g="0" b="0"/>
+        </a:lnRef>
+        <a:fillRef idx="1">
+          <a:scrgbClr r="0" g="0" b="0"/>
+        </a:fillRef>
+        <a:effectRef idx="0">
+          <a:scrgbClr r="0" g="0" b="0"/>
+        </a:effectRef>
+        <a:fontRef idx="minor">
+          <a:schemeClr val="lt1"/>
+        </a:fontRef>
+      </dsp:style>
+      <dsp:txBody>
+        <a:bodyPr spcFirstLastPara="0" vert="horz" wrap="square" lIns="76010" tIns="50673" rIns="25337" bIns="50673" numCol="1" spcCol="1270" anchor="ctr" anchorCtr="0">
+          <a:noAutofit/>
+        </a:bodyPr>
+        <a:lstStyle/>
+        <a:p>
+          <a:pPr marL="0" lvl="0" indent="0" algn="ctr" defTabSz="844550">
+            <a:lnSpc>
+              <a:spcPct val="90000"/>
+            </a:lnSpc>
+            <a:spcBef>
+              <a:spcPct val="0"/>
+            </a:spcBef>
+            <a:spcAft>
+              <a:spcPct val="35000"/>
+            </a:spcAft>
+            <a:buNone/>
+          </a:pPr>
+          <a:r>
+            <a:rPr lang="en-US" sz="1900" kern="1200" dirty="0"/>
+            <a:t>1-5</a:t>
+          </a:r>
+        </a:p>
+      </dsp:txBody>
+      <dsp:txXfrm>
+        <a:off x="6654738" y="0"/>
+        <a:ext cx="3671574" cy="369332"/>
       </dsp:txXfrm>
     </dsp:sp>
   </dsp:spTree>
@@ -15160,7 +16342,7 @@
       <dsp:spPr>
         <a:xfrm>
           <a:off x="6027894" y="34285"/>
-          <a:ext cx="2470369" cy="1000563"/>
+          <a:ext cx="2504551" cy="1000563"/>
         </a:xfrm>
         <a:prstGeom prst="chevron">
           <a:avLst/>
@@ -15247,7 +16429,7 @@
       </dsp:txBody>
       <dsp:txXfrm>
         <a:off x="6528176" y="34285"/>
-        <a:ext cx="1469806" cy="1000563"/>
+        <a:ext cx="1503988" cy="1000563"/>
       </dsp:txXfrm>
     </dsp:sp>
     <dsp:sp modelId="{E3E2FC99-435A-4D0E-A451-141BB526C004}">
@@ -18493,6 +19675,278 @@
 </dgm:layoutDef>
 </file>
 
+<file path=ppt/diagrams/layout11.xml><?xml version="1.0" encoding="utf-8"?>
+<dgm:layoutDef xmlns:dgm="http://schemas.openxmlformats.org/drawingml/2006/diagram" xmlns:a="http://schemas.openxmlformats.org/drawingml/2006/main" uniqueId="urn:microsoft.com/office/officeart/2005/8/layout/hChevron3">
+  <dgm:title val=""/>
+  <dgm:desc val=""/>
+  <dgm:catLst>
+    <dgm:cat type="process" pri="10000"/>
+  </dgm:catLst>
+  <dgm:sampData useDef="1">
+    <dgm:dataModel>
+      <dgm:ptLst/>
+      <dgm:bg/>
+      <dgm:whole/>
+    </dgm:dataModel>
+  </dgm:sampData>
+  <dgm:styleData>
+    <dgm:dataModel>
+      <dgm:ptLst>
+        <dgm:pt modelId="0" type="doc"/>
+        <dgm:pt modelId="1"/>
+        <dgm:pt modelId="2"/>
+      </dgm:ptLst>
+      <dgm:cxnLst>
+        <dgm:cxn modelId="3" srcId="0" destId="1" srcOrd="0" destOrd="0"/>
+        <dgm:cxn modelId="4" srcId="0" destId="2" srcOrd="1" destOrd="0"/>
+      </dgm:cxnLst>
+      <dgm:bg/>
+      <dgm:whole/>
+    </dgm:dataModel>
+  </dgm:styleData>
+  <dgm:clrData>
+    <dgm:dataModel>
+      <dgm:ptLst>
+        <dgm:pt modelId="0" type="doc"/>
+        <dgm:pt modelId="1"/>
+        <dgm:pt modelId="2"/>
+        <dgm:pt modelId="3"/>
+        <dgm:pt modelId="4"/>
+      </dgm:ptLst>
+      <dgm:cxnLst>
+        <dgm:cxn modelId="5" srcId="0" destId="1" srcOrd="0" destOrd="0"/>
+        <dgm:cxn modelId="6" srcId="0" destId="2" srcOrd="1" destOrd="0"/>
+        <dgm:cxn modelId="7" srcId="0" destId="3" srcOrd="2" destOrd="0"/>
+        <dgm:cxn modelId="8" srcId="0" destId="4" srcOrd="3" destOrd="0"/>
+      </dgm:cxnLst>
+      <dgm:bg/>
+      <dgm:whole/>
+    </dgm:dataModel>
+  </dgm:clrData>
+  <dgm:layoutNode name="Name0">
+    <dgm:varLst>
+      <dgm:dir/>
+      <dgm:resizeHandles val="exact"/>
+    </dgm:varLst>
+    <dgm:choose name="Name1">
+      <dgm:if name="Name2" func="var" arg="dir" op="equ" val="norm">
+        <dgm:alg type="lin"/>
+      </dgm:if>
+      <dgm:else name="Name3">
+        <dgm:alg type="lin">
+          <dgm:param type="linDir" val="fromR"/>
+        </dgm:alg>
+      </dgm:else>
+    </dgm:choose>
+    <dgm:shape xmlns:r="http://schemas.openxmlformats.org/officeDocument/2006/relationships" r:blip="">
+      <dgm:adjLst/>
+    </dgm:shape>
+    <dgm:presOf/>
+    <dgm:choose name="Name4">
+      <dgm:if name="Name5" axis="root des" func="maxDepth" op="gte" val="2">
+        <dgm:constrLst>
+          <dgm:constr type="w" for="ch" forName="parAndChTx" refType="w"/>
+          <dgm:constr type="primFontSz" for="ch" ptType="node" op="equ"/>
+          <dgm:constr type="w" for="ch" forName="parAndChSpace" refType="w" refFor="ch" refForName="parAndChTx" fact="-0.2"/>
+          <dgm:constr type="w" for="ch" ptType="sibTrans" op="equ"/>
+        </dgm:constrLst>
+        <dgm:ruleLst/>
+        <dgm:forEach name="Name6" axis="ch" ptType="node">
+          <dgm:layoutNode name="parAndChTx">
+            <dgm:varLst>
+              <dgm:bulletEnabled val="1"/>
+            </dgm:varLst>
+            <dgm:alg type="tx"/>
+            <dgm:choose name="Name7">
+              <dgm:if name="Name8" func="var" arg="dir" op="equ" val="norm">
+                <dgm:choose name="Name9">
+                  <dgm:if name="Name10" axis="self" ptType="node" func="pos" op="equ" val="1">
+                    <dgm:shape xmlns:r="http://schemas.openxmlformats.org/officeDocument/2006/relationships" type="homePlate" r:blip="">
+                      <dgm:adjLst>
+                        <dgm:adj idx="1" val="0.25"/>
+                      </dgm:adjLst>
+                    </dgm:shape>
+                    <dgm:presOf axis="desOrSelf" ptType="node"/>
+                    <dgm:constrLst>
+                      <dgm:constr type="h" refType="w" op="equ" fact="0.8"/>
+                      <dgm:constr type="primFontSz" val="65"/>
+                      <dgm:constr type="tMarg" refType="primFontSz" fact="0.2"/>
+                      <dgm:constr type="bMarg" refType="primFontSz" fact="0.2"/>
+                      <dgm:constr type="lMarg" refType="w" fact="0.1"/>
+                      <dgm:constr type="rMarg" refType="w" fact="0.4"/>
+                    </dgm:constrLst>
+                  </dgm:if>
+                  <dgm:else name="Name11">
+                    <dgm:shape xmlns:r="http://schemas.openxmlformats.org/officeDocument/2006/relationships" type="chevron" r:blip="">
+                      <dgm:adjLst>
+                        <dgm:adj idx="1" val="0.25"/>
+                      </dgm:adjLst>
+                    </dgm:shape>
+                    <dgm:presOf axis="desOrSelf" ptType="node"/>
+                    <dgm:constrLst>
+                      <dgm:constr type="h" refType="w" op="equ" fact="0.8"/>
+                      <dgm:constr type="primFontSz" val="65"/>
+                      <dgm:constr type="tMarg" refType="primFontSz" fact="0.2"/>
+                      <dgm:constr type="bMarg" refType="primFontSz" fact="0.2"/>
+                      <dgm:constr type="lMarg" refType="w" fact="0.1"/>
+                      <dgm:constr type="rMarg" refType="w" fact="0.1"/>
+                    </dgm:constrLst>
+                  </dgm:else>
+                </dgm:choose>
+              </dgm:if>
+              <dgm:else name="Name12">
+                <dgm:choose name="Name13">
+                  <dgm:if name="Name14" axis="self" ptType="node" func="pos" op="equ" val="1">
+                    <dgm:shape xmlns:r="http://schemas.openxmlformats.org/officeDocument/2006/relationships" rot="180" type="homePlate" r:blip="">
+                      <dgm:adjLst>
+                        <dgm:adj idx="1" val="0.25"/>
+                      </dgm:adjLst>
+                    </dgm:shape>
+                    <dgm:presOf axis="desOrSelf" ptType="node"/>
+                    <dgm:constrLst>
+                      <dgm:constr type="h" refType="w" op="equ" fact="0.8"/>
+                      <dgm:constr type="primFontSz" val="65"/>
+                      <dgm:constr type="tMarg" refType="primFontSz" fact="0.2"/>
+                      <dgm:constr type="bMarg" refType="primFontSz" fact="0.2"/>
+                      <dgm:constr type="lMarg" refType="w" fact="0.4"/>
+                      <dgm:constr type="rMarg" refType="w" fact="0.1"/>
+                    </dgm:constrLst>
+                  </dgm:if>
+                  <dgm:else name="Name15">
+                    <dgm:shape xmlns:r="http://schemas.openxmlformats.org/officeDocument/2006/relationships" rot="180" type="chevron" r:blip="">
+                      <dgm:adjLst>
+                        <dgm:adj idx="1" val="0.25"/>
+                      </dgm:adjLst>
+                    </dgm:shape>
+                    <dgm:presOf axis="desOrSelf" ptType="node"/>
+                    <dgm:constrLst>
+                      <dgm:constr type="h" refType="w" op="equ" fact="0.8"/>
+                      <dgm:constr type="primFontSz" val="65"/>
+                      <dgm:constr type="tMarg" refType="primFontSz" fact="0.2"/>
+                      <dgm:constr type="bMarg" refType="primFontSz" fact="0.2"/>
+                      <dgm:constr type="lMarg" refType="w" fact="0.1"/>
+                      <dgm:constr type="rMarg" refType="w" fact="0.1"/>
+                    </dgm:constrLst>
+                  </dgm:else>
+                </dgm:choose>
+              </dgm:else>
+            </dgm:choose>
+            <dgm:ruleLst>
+              <dgm:rule type="primFontSz" val="5" fact="NaN" max="NaN"/>
+            </dgm:ruleLst>
+          </dgm:layoutNode>
+          <dgm:forEach name="Name16" axis="followSib" ptType="sibTrans" cnt="1">
+            <dgm:layoutNode name="parAndChSpace">
+              <dgm:alg type="sp"/>
+              <dgm:shape xmlns:r="http://schemas.openxmlformats.org/officeDocument/2006/relationships" r:blip="">
+                <dgm:adjLst/>
+              </dgm:shape>
+              <dgm:presOf/>
+              <dgm:constrLst/>
+              <dgm:ruleLst/>
+            </dgm:layoutNode>
+          </dgm:forEach>
+        </dgm:forEach>
+      </dgm:if>
+      <dgm:else name="Name17">
+        <dgm:constrLst>
+          <dgm:constr type="w" for="ch" forName="parTxOnly" refType="w"/>
+          <dgm:constr type="primFontSz" for="ch" ptType="node" op="equ"/>
+          <dgm:constr type="w" for="ch" forName="parSpace" refType="w" refFor="ch" refForName="parTxOnly" fact="-0.2"/>
+          <dgm:constr type="w" for="ch" ptType="sibTrans" op="equ"/>
+        </dgm:constrLst>
+        <dgm:ruleLst/>
+        <dgm:forEach name="Name18" axis="ch" ptType="node">
+          <dgm:layoutNode name="parTxOnly">
+            <dgm:varLst>
+              <dgm:bulletEnabled val="1"/>
+            </dgm:varLst>
+            <dgm:alg type="tx"/>
+            <dgm:presOf axis="desOrSelf" ptType="node"/>
+            <dgm:choose name="Name19">
+              <dgm:if name="Name20" func="var" arg="dir" op="equ" val="norm">
+                <dgm:choose name="Name21">
+                  <dgm:if name="Name22" axis="self" ptType="node" func="pos" op="equ" val="1">
+                    <dgm:shape xmlns:r="http://schemas.openxmlformats.org/officeDocument/2006/relationships" type="homePlate" r:blip="">
+                      <dgm:adjLst/>
+                    </dgm:shape>
+                    <dgm:constrLst>
+                      <dgm:constr type="h" refType="w" op="equ" fact="0.4"/>
+                      <dgm:constr type="primFontSz" val="65"/>
+                      <dgm:constr type="tMarg" refType="primFontSz" fact="0.21"/>
+                      <dgm:constr type="bMarg" refType="primFontSz" fact="0.21"/>
+                      <dgm:constr type="lMarg" refType="primFontSz" fact="0.42"/>
+                      <dgm:constr type="rMarg" refType="primFontSz" fact="0.105"/>
+                    </dgm:constrLst>
+                  </dgm:if>
+                  <dgm:else name="Name23">
+                    <dgm:shape xmlns:r="http://schemas.openxmlformats.org/officeDocument/2006/relationships" type="chevron" r:blip="">
+                      <dgm:adjLst/>
+                    </dgm:shape>
+                    <dgm:constrLst>
+                      <dgm:constr type="h" refType="w" op="equ" fact="0.4"/>
+                      <dgm:constr type="primFontSz" val="65"/>
+                      <dgm:constr type="tMarg" refType="primFontSz" fact="0.21"/>
+                      <dgm:constr type="bMarg" refType="primFontSz" fact="0.21"/>
+                      <dgm:constr type="lMarg" refType="primFontSz" fact="0.315"/>
+                      <dgm:constr type="rMarg" refType="primFontSz" fact="0.105"/>
+                    </dgm:constrLst>
+                  </dgm:else>
+                </dgm:choose>
+              </dgm:if>
+              <dgm:else name="Name24">
+                <dgm:choose name="Name25">
+                  <dgm:if name="Name26" axis="self" ptType="node" func="pos" op="equ" val="1">
+                    <dgm:shape xmlns:r="http://schemas.openxmlformats.org/officeDocument/2006/relationships" rot="180" type="homePlate" r:blip="">
+                      <dgm:adjLst/>
+                    </dgm:shape>
+                    <dgm:constrLst>
+                      <dgm:constr type="h" refType="w" op="equ" fact="0.4"/>
+                      <dgm:constr type="primFontSz" val="65"/>
+                      <dgm:constr type="tMarg" refType="primFontSz" fact="0.21"/>
+                      <dgm:constr type="bMarg" refType="primFontSz" fact="0.21"/>
+                      <dgm:constr type="lMarg" refType="primFontSz" fact="0.105"/>
+                      <dgm:constr type="rMarg" refType="primFontSz" fact="0.42"/>
+                    </dgm:constrLst>
+                  </dgm:if>
+                  <dgm:else name="Name27">
+                    <dgm:shape xmlns:r="http://schemas.openxmlformats.org/officeDocument/2006/relationships" rot="180" type="chevron" r:blip="">
+                      <dgm:adjLst/>
+                    </dgm:shape>
+                    <dgm:constrLst>
+                      <dgm:constr type="h" refType="w" op="equ" fact="0.4"/>
+                      <dgm:constr type="primFontSz" val="65"/>
+                      <dgm:constr type="tMarg" refType="primFontSz" fact="0.21"/>
+                      <dgm:constr type="bMarg" refType="primFontSz" fact="0.21"/>
+                      <dgm:constr type="lMarg" refType="primFontSz" fact="0.105"/>
+                      <dgm:constr type="rMarg" refType="primFontSz" fact="0.315"/>
+                    </dgm:constrLst>
+                  </dgm:else>
+                </dgm:choose>
+              </dgm:else>
+            </dgm:choose>
+            <dgm:ruleLst>
+              <dgm:rule type="primFontSz" val="5" fact="NaN" max="NaN"/>
+            </dgm:ruleLst>
+          </dgm:layoutNode>
+          <dgm:forEach name="Name28" axis="followSib" ptType="sibTrans" cnt="1">
+            <dgm:layoutNode name="parSpace">
+              <dgm:alg type="sp"/>
+              <dgm:shape xmlns:r="http://schemas.openxmlformats.org/officeDocument/2006/relationships" r:blip="">
+                <dgm:adjLst/>
+              </dgm:shape>
+              <dgm:presOf/>
+              <dgm:constrLst/>
+              <dgm:ruleLst/>
+            </dgm:layoutNode>
+          </dgm:forEach>
+        </dgm:forEach>
+      </dgm:else>
+    </dgm:choose>
+  </dgm:layoutNode>
+</dgm:layoutDef>
+</file>
+
 <file path=ppt/diagrams/layout2.xml><?xml version="1.0" encoding="utf-8"?>
 <dgm:layoutDef xmlns:dgm="http://schemas.openxmlformats.org/drawingml/2006/diagram" xmlns:a="http://schemas.openxmlformats.org/drawingml/2006/main" uniqueId="urn:microsoft.com/office/officeart/2009/3/layout/StepUpProcess">
   <dgm:title val=""/>
@@ -22583,6 +24037,1040 @@
 </dgm:styleDef>
 </file>
 
+<file path=ppt/diagrams/quickStyle11.xml><?xml version="1.0" encoding="utf-8"?>
+<dgm:styleDef xmlns:dgm="http://schemas.openxmlformats.org/drawingml/2006/diagram" xmlns:a="http://schemas.openxmlformats.org/drawingml/2006/main" uniqueId="urn:microsoft.com/office/officeart/2005/8/quickstyle/simple1">
+  <dgm:title val=""/>
+  <dgm:desc val=""/>
+  <dgm:catLst>
+    <dgm:cat type="simple" pri="10100"/>
+  </dgm:catLst>
+  <dgm:scene3d>
+    <a:camera prst="orthographicFront"/>
+    <a:lightRig rig="threePt" dir="t"/>
+  </dgm:scene3d>
+  <dgm:styleLbl name="node0">
+    <dgm:scene3d>
+      <a:camera prst="orthographicFront"/>
+      <a:lightRig rig="threePt" dir="t"/>
+    </dgm:scene3d>
+    <dgm:sp3d/>
+    <dgm:txPr/>
+    <dgm:style>
+      <a:lnRef idx="2">
+        <a:scrgbClr r="0" g="0" b="0"/>
+      </a:lnRef>
+      <a:fillRef idx="1">
+        <a:scrgbClr r="0" g="0" b="0"/>
+      </a:fillRef>
+      <a:effectRef idx="0">
+        <a:scrgbClr r="0" g="0" b="0"/>
+      </a:effectRef>
+      <a:fontRef idx="minor">
+        <a:schemeClr val="lt1"/>
+      </a:fontRef>
+    </dgm:style>
+  </dgm:styleLbl>
+  <dgm:styleLbl name="lnNode1">
+    <dgm:scene3d>
+      <a:camera prst="orthographicFront"/>
+      <a:lightRig rig="threePt" dir="t"/>
+    </dgm:scene3d>
+    <dgm:sp3d/>
+    <dgm:txPr/>
+    <dgm:style>
+      <a:lnRef idx="2">
+        <a:scrgbClr r="0" g="0" b="0"/>
+      </a:lnRef>
+      <a:fillRef idx="1">
+        <a:scrgbClr r="0" g="0" b="0"/>
+      </a:fillRef>
+      <a:effectRef idx="0">
+        <a:scrgbClr r="0" g="0" b="0"/>
+      </a:effectRef>
+      <a:fontRef idx="minor">
+        <a:schemeClr val="lt1"/>
+      </a:fontRef>
+    </dgm:style>
+  </dgm:styleLbl>
+  <dgm:styleLbl name="vennNode1">
+    <dgm:scene3d>
+      <a:camera prst="orthographicFront"/>
+      <a:lightRig rig="threePt" dir="t"/>
+    </dgm:scene3d>
+    <dgm:sp3d/>
+    <dgm:txPr/>
+    <dgm:style>
+      <a:lnRef idx="2">
+        <a:scrgbClr r="0" g="0" b="0"/>
+      </a:lnRef>
+      <a:fillRef idx="1">
+        <a:scrgbClr r="0" g="0" b="0"/>
+      </a:fillRef>
+      <a:effectRef idx="0">
+        <a:scrgbClr r="0" g="0" b="0"/>
+      </a:effectRef>
+      <a:fontRef idx="minor">
+        <a:schemeClr val="tx1"/>
+      </a:fontRef>
+    </dgm:style>
+  </dgm:styleLbl>
+  <dgm:styleLbl name="alignNode1">
+    <dgm:scene3d>
+      <a:camera prst="orthographicFront"/>
+      <a:lightRig rig="threePt" dir="t"/>
+    </dgm:scene3d>
+    <dgm:sp3d/>
+    <dgm:txPr/>
+    <dgm:style>
+      <a:lnRef idx="2">
+        <a:scrgbClr r="0" g="0" b="0"/>
+      </a:lnRef>
+      <a:fillRef idx="1">
+        <a:scrgbClr r="0" g="0" b="0"/>
+      </a:fillRef>
+      <a:effectRef idx="0">
+        <a:scrgbClr r="0" g="0" b="0"/>
+      </a:effectRef>
+      <a:fontRef idx="minor">
+        <a:schemeClr val="lt1"/>
+      </a:fontRef>
+    </dgm:style>
+  </dgm:styleLbl>
+  <dgm:styleLbl name="node1">
+    <dgm:scene3d>
+      <a:camera prst="orthographicFront"/>
+      <a:lightRig rig="threePt" dir="t"/>
+    </dgm:scene3d>
+    <dgm:sp3d/>
+    <dgm:txPr/>
+    <dgm:style>
+      <a:lnRef idx="2">
+        <a:scrgbClr r="0" g="0" b="0"/>
+      </a:lnRef>
+      <a:fillRef idx="1">
+        <a:scrgbClr r="0" g="0" b="0"/>
+      </a:fillRef>
+      <a:effectRef idx="0">
+        <a:scrgbClr r="0" g="0" b="0"/>
+      </a:effectRef>
+      <a:fontRef idx="minor">
+        <a:schemeClr val="lt1"/>
+      </a:fontRef>
+    </dgm:style>
+  </dgm:styleLbl>
+  <dgm:styleLbl name="node2">
+    <dgm:scene3d>
+      <a:camera prst="orthographicFront"/>
+      <a:lightRig rig="threePt" dir="t"/>
+    </dgm:scene3d>
+    <dgm:sp3d/>
+    <dgm:txPr/>
+    <dgm:style>
+      <a:lnRef idx="2">
+        <a:scrgbClr r="0" g="0" b="0"/>
+      </a:lnRef>
+      <a:fillRef idx="1">
+        <a:scrgbClr r="0" g="0" b="0"/>
+      </a:fillRef>
+      <a:effectRef idx="0">
+        <a:scrgbClr r="0" g="0" b="0"/>
+      </a:effectRef>
+      <a:fontRef idx="minor">
+        <a:schemeClr val="lt1"/>
+      </a:fontRef>
+    </dgm:style>
+  </dgm:styleLbl>
+  <dgm:styleLbl name="node3">
+    <dgm:scene3d>
+      <a:camera prst="orthographicFront"/>
+      <a:lightRig rig="threePt" dir="t"/>
+    </dgm:scene3d>
+    <dgm:sp3d/>
+    <dgm:txPr/>
+    <dgm:style>
+      <a:lnRef idx="2">
+        <a:scrgbClr r="0" g="0" b="0"/>
+      </a:lnRef>
+      <a:fillRef idx="1">
+        <a:scrgbClr r="0" g="0" b="0"/>
+      </a:fillRef>
+      <a:effectRef idx="0">
+        <a:scrgbClr r="0" g="0" b="0"/>
+      </a:effectRef>
+      <a:fontRef idx="minor">
+        <a:schemeClr val="lt1"/>
+      </a:fontRef>
+    </dgm:style>
+  </dgm:styleLbl>
+  <dgm:styleLbl name="node4">
+    <dgm:scene3d>
+      <a:camera prst="orthographicFront"/>
+      <a:lightRig rig="threePt" dir="t"/>
+    </dgm:scene3d>
+    <dgm:sp3d/>
+    <dgm:txPr/>
+    <dgm:style>
+      <a:lnRef idx="2">
+        <a:scrgbClr r="0" g="0" b="0"/>
+      </a:lnRef>
+      <a:fillRef idx="1">
+        <a:scrgbClr r="0" g="0" b="0"/>
+      </a:fillRef>
+      <a:effectRef idx="0">
+        <a:scrgbClr r="0" g="0" b="0"/>
+      </a:effectRef>
+      <a:fontRef idx="minor">
+        <a:schemeClr val="lt1"/>
+      </a:fontRef>
+    </dgm:style>
+  </dgm:styleLbl>
+  <dgm:styleLbl name="fgImgPlace1">
+    <dgm:scene3d>
+      <a:camera prst="orthographicFront"/>
+      <a:lightRig rig="threePt" dir="t"/>
+    </dgm:scene3d>
+    <dgm:sp3d/>
+    <dgm:txPr/>
+    <dgm:style>
+      <a:lnRef idx="2">
+        <a:scrgbClr r="0" g="0" b="0"/>
+      </a:lnRef>
+      <a:fillRef idx="1">
+        <a:scrgbClr r="0" g="0" b="0"/>
+      </a:fillRef>
+      <a:effectRef idx="0">
+        <a:scrgbClr r="0" g="0" b="0"/>
+      </a:effectRef>
+      <a:fontRef idx="minor"/>
+    </dgm:style>
+  </dgm:styleLbl>
+  <dgm:styleLbl name="alignImgPlace1">
+    <dgm:scene3d>
+      <a:camera prst="orthographicFront"/>
+      <a:lightRig rig="threePt" dir="t"/>
+    </dgm:scene3d>
+    <dgm:sp3d/>
+    <dgm:txPr/>
+    <dgm:style>
+      <a:lnRef idx="2">
+        <a:scrgbClr r="0" g="0" b="0"/>
+      </a:lnRef>
+      <a:fillRef idx="1">
+        <a:scrgbClr r="0" g="0" b="0"/>
+      </a:fillRef>
+      <a:effectRef idx="0">
+        <a:scrgbClr r="0" g="0" b="0"/>
+      </a:effectRef>
+      <a:fontRef idx="minor"/>
+    </dgm:style>
+  </dgm:styleLbl>
+  <dgm:styleLbl name="bgImgPlace1">
+    <dgm:scene3d>
+      <a:camera prst="orthographicFront"/>
+      <a:lightRig rig="threePt" dir="t"/>
+    </dgm:scene3d>
+    <dgm:sp3d/>
+    <dgm:txPr/>
+    <dgm:style>
+      <a:lnRef idx="2">
+        <a:scrgbClr r="0" g="0" b="0"/>
+      </a:lnRef>
+      <a:fillRef idx="1">
+        <a:scrgbClr r="0" g="0" b="0"/>
+      </a:fillRef>
+      <a:effectRef idx="0">
+        <a:scrgbClr r="0" g="0" b="0"/>
+      </a:effectRef>
+      <a:fontRef idx="minor"/>
+    </dgm:style>
+  </dgm:styleLbl>
+  <dgm:styleLbl name="sibTrans2D1">
+    <dgm:scene3d>
+      <a:camera prst="orthographicFront"/>
+      <a:lightRig rig="threePt" dir="t"/>
+    </dgm:scene3d>
+    <dgm:sp3d/>
+    <dgm:txPr/>
+    <dgm:style>
+      <a:lnRef idx="0">
+        <a:scrgbClr r="0" g="0" b="0"/>
+      </a:lnRef>
+      <a:fillRef idx="1">
+        <a:scrgbClr r="0" g="0" b="0"/>
+      </a:fillRef>
+      <a:effectRef idx="0">
+        <a:scrgbClr r="0" g="0" b="0"/>
+      </a:effectRef>
+      <a:fontRef idx="minor">
+        <a:schemeClr val="lt1"/>
+      </a:fontRef>
+    </dgm:style>
+  </dgm:styleLbl>
+  <dgm:styleLbl name="fgSibTrans2D1">
+    <dgm:scene3d>
+      <a:camera prst="orthographicFront"/>
+      <a:lightRig rig="threePt" dir="t"/>
+    </dgm:scene3d>
+    <dgm:sp3d/>
+    <dgm:txPr/>
+    <dgm:style>
+      <a:lnRef idx="0">
+        <a:scrgbClr r="0" g="0" b="0"/>
+      </a:lnRef>
+      <a:fillRef idx="1">
+        <a:scrgbClr r="0" g="0" b="0"/>
+      </a:fillRef>
+      <a:effectRef idx="0">
+        <a:scrgbClr r="0" g="0" b="0"/>
+      </a:effectRef>
+      <a:fontRef idx="minor">
+        <a:schemeClr val="lt1"/>
+      </a:fontRef>
+    </dgm:style>
+  </dgm:styleLbl>
+  <dgm:styleLbl name="bgSibTrans2D1">
+    <dgm:scene3d>
+      <a:camera prst="orthographicFront"/>
+      <a:lightRig rig="threePt" dir="t"/>
+    </dgm:scene3d>
+    <dgm:sp3d/>
+    <dgm:txPr/>
+    <dgm:style>
+      <a:lnRef idx="0">
+        <a:scrgbClr r="0" g="0" b="0"/>
+      </a:lnRef>
+      <a:fillRef idx="1">
+        <a:scrgbClr r="0" g="0" b="0"/>
+      </a:fillRef>
+      <a:effectRef idx="0">
+        <a:scrgbClr r="0" g="0" b="0"/>
+      </a:effectRef>
+      <a:fontRef idx="minor">
+        <a:schemeClr val="lt1"/>
+      </a:fontRef>
+    </dgm:style>
+  </dgm:styleLbl>
+  <dgm:styleLbl name="sibTrans1D1">
+    <dgm:scene3d>
+      <a:camera prst="orthographicFront"/>
+      <a:lightRig rig="threePt" dir="t"/>
+    </dgm:scene3d>
+    <dgm:sp3d/>
+    <dgm:txPr/>
+    <dgm:style>
+      <a:lnRef idx="1">
+        <a:scrgbClr r="0" g="0" b="0"/>
+      </a:lnRef>
+      <a:fillRef idx="0">
+        <a:scrgbClr r="0" g="0" b="0"/>
+      </a:fillRef>
+      <a:effectRef idx="0">
+        <a:scrgbClr r="0" g="0" b="0"/>
+      </a:effectRef>
+      <a:fontRef idx="minor"/>
+    </dgm:style>
+  </dgm:styleLbl>
+  <dgm:styleLbl name="callout">
+    <dgm:scene3d>
+      <a:camera prst="orthographicFront"/>
+      <a:lightRig rig="threePt" dir="t"/>
+    </dgm:scene3d>
+    <dgm:sp3d/>
+    <dgm:txPr/>
+    <dgm:style>
+      <a:lnRef idx="2">
+        <a:scrgbClr r="0" g="0" b="0"/>
+      </a:lnRef>
+      <a:fillRef idx="1">
+        <a:scrgbClr r="0" g="0" b="0"/>
+      </a:fillRef>
+      <a:effectRef idx="0">
+        <a:scrgbClr r="0" g="0" b="0"/>
+      </a:effectRef>
+      <a:fontRef idx="minor"/>
+    </dgm:style>
+  </dgm:styleLbl>
+  <dgm:styleLbl name="asst0">
+    <dgm:scene3d>
+      <a:camera prst="orthographicFront"/>
+      <a:lightRig rig="threePt" dir="t"/>
+    </dgm:scene3d>
+    <dgm:sp3d/>
+    <dgm:txPr/>
+    <dgm:style>
+      <a:lnRef idx="2">
+        <a:scrgbClr r="0" g="0" b="0"/>
+      </a:lnRef>
+      <a:fillRef idx="1">
+        <a:scrgbClr r="0" g="0" b="0"/>
+      </a:fillRef>
+      <a:effectRef idx="0">
+        <a:scrgbClr r="0" g="0" b="0"/>
+      </a:effectRef>
+      <a:fontRef idx="minor">
+        <a:schemeClr val="lt1"/>
+      </a:fontRef>
+    </dgm:style>
+  </dgm:styleLbl>
+  <dgm:styleLbl name="asst1">
+    <dgm:scene3d>
+      <a:camera prst="orthographicFront"/>
+      <a:lightRig rig="threePt" dir="t"/>
+    </dgm:scene3d>
+    <dgm:sp3d/>
+    <dgm:txPr/>
+    <dgm:style>
+      <a:lnRef idx="2">
+        <a:scrgbClr r="0" g="0" b="0"/>
+      </a:lnRef>
+      <a:fillRef idx="1">
+        <a:scrgbClr r="0" g="0" b="0"/>
+      </a:fillRef>
+      <a:effectRef idx="0">
+        <a:scrgbClr r="0" g="0" b="0"/>
+      </a:effectRef>
+      <a:fontRef idx="minor">
+        <a:schemeClr val="lt1"/>
+      </a:fontRef>
+    </dgm:style>
+  </dgm:styleLbl>
+  <dgm:styleLbl name="asst2">
+    <dgm:scene3d>
+      <a:camera prst="orthographicFront"/>
+      <a:lightRig rig="threePt" dir="t"/>
+    </dgm:scene3d>
+    <dgm:sp3d/>
+    <dgm:txPr/>
+    <dgm:style>
+      <a:lnRef idx="2">
+        <a:scrgbClr r="0" g="0" b="0"/>
+      </a:lnRef>
+      <a:fillRef idx="1">
+        <a:scrgbClr r="0" g="0" b="0"/>
+      </a:fillRef>
+      <a:effectRef idx="0">
+        <a:scrgbClr r="0" g="0" b="0"/>
+      </a:effectRef>
+      <a:fontRef idx="minor">
+        <a:schemeClr val="lt1"/>
+      </a:fontRef>
+    </dgm:style>
+  </dgm:styleLbl>
+  <dgm:styleLbl name="asst3">
+    <dgm:scene3d>
+      <a:camera prst="orthographicFront"/>
+      <a:lightRig rig="threePt" dir="t"/>
+    </dgm:scene3d>
+    <dgm:sp3d/>
+    <dgm:txPr/>
+    <dgm:style>
+      <a:lnRef idx="2">
+        <a:scrgbClr r="0" g="0" b="0"/>
+      </a:lnRef>
+      <a:fillRef idx="1">
+        <a:scrgbClr r="0" g="0" b="0"/>
+      </a:fillRef>
+      <a:effectRef idx="0">
+        <a:scrgbClr r="0" g="0" b="0"/>
+      </a:effectRef>
+      <a:fontRef idx="minor">
+        <a:schemeClr val="lt1"/>
+      </a:fontRef>
+    </dgm:style>
+  </dgm:styleLbl>
+  <dgm:styleLbl name="asst4">
+    <dgm:scene3d>
+      <a:camera prst="orthographicFront"/>
+      <a:lightRig rig="threePt" dir="t"/>
+    </dgm:scene3d>
+    <dgm:sp3d/>
+    <dgm:txPr/>
+    <dgm:style>
+      <a:lnRef idx="2">
+        <a:scrgbClr r="0" g="0" b="0"/>
+      </a:lnRef>
+      <a:fillRef idx="1">
+        <a:scrgbClr r="0" g="0" b="0"/>
+      </a:fillRef>
+      <a:effectRef idx="0">
+        <a:scrgbClr r="0" g="0" b="0"/>
+      </a:effectRef>
+      <a:fontRef idx="minor">
+        <a:schemeClr val="lt1"/>
+      </a:fontRef>
+    </dgm:style>
+  </dgm:styleLbl>
+  <dgm:styleLbl name="parChTrans2D1">
+    <dgm:scene3d>
+      <a:camera prst="orthographicFront"/>
+      <a:lightRig rig="threePt" dir="t"/>
+    </dgm:scene3d>
+    <dgm:sp3d/>
+    <dgm:txPr/>
+    <dgm:style>
+      <a:lnRef idx="2">
+        <a:scrgbClr r="0" g="0" b="0"/>
+      </a:lnRef>
+      <a:fillRef idx="1">
+        <a:scrgbClr r="0" g="0" b="0"/>
+      </a:fillRef>
+      <a:effectRef idx="0">
+        <a:scrgbClr r="0" g="0" b="0"/>
+      </a:effectRef>
+      <a:fontRef idx="minor">
+        <a:schemeClr val="lt1"/>
+      </a:fontRef>
+    </dgm:style>
+  </dgm:styleLbl>
+  <dgm:styleLbl name="parChTrans2D2">
+    <dgm:scene3d>
+      <a:camera prst="orthographicFront"/>
+      <a:lightRig rig="threePt" dir="t"/>
+    </dgm:scene3d>
+    <dgm:sp3d/>
+    <dgm:txPr/>
+    <dgm:style>
+      <a:lnRef idx="2">
+        <a:scrgbClr r="0" g="0" b="0"/>
+      </a:lnRef>
+      <a:fillRef idx="1">
+        <a:scrgbClr r="0" g="0" b="0"/>
+      </a:fillRef>
+      <a:effectRef idx="0">
+        <a:scrgbClr r="0" g="0" b="0"/>
+      </a:effectRef>
+      <a:fontRef idx="minor">
+        <a:schemeClr val="lt1"/>
+      </a:fontRef>
+    </dgm:style>
+  </dgm:styleLbl>
+  <dgm:styleLbl name="parChTrans2D3">
+    <dgm:scene3d>
+      <a:camera prst="orthographicFront"/>
+      <a:lightRig rig="threePt" dir="t"/>
+    </dgm:scene3d>
+    <dgm:sp3d/>
+    <dgm:txPr/>
+    <dgm:style>
+      <a:lnRef idx="2">
+        <a:scrgbClr r="0" g="0" b="0"/>
+      </a:lnRef>
+      <a:fillRef idx="1">
+        <a:scrgbClr r="0" g="0" b="0"/>
+      </a:fillRef>
+      <a:effectRef idx="0">
+        <a:scrgbClr r="0" g="0" b="0"/>
+      </a:effectRef>
+      <a:fontRef idx="minor">
+        <a:schemeClr val="lt1"/>
+      </a:fontRef>
+    </dgm:style>
+  </dgm:styleLbl>
+  <dgm:styleLbl name="parChTrans2D4">
+    <dgm:scene3d>
+      <a:camera prst="orthographicFront"/>
+      <a:lightRig rig="threePt" dir="t"/>
+    </dgm:scene3d>
+    <dgm:sp3d/>
+    <dgm:txPr/>
+    <dgm:style>
+      <a:lnRef idx="2">
+        <a:scrgbClr r="0" g="0" b="0"/>
+      </a:lnRef>
+      <a:fillRef idx="1">
+        <a:scrgbClr r="0" g="0" b="0"/>
+      </a:fillRef>
+      <a:effectRef idx="0">
+        <a:scrgbClr r="0" g="0" b="0"/>
+      </a:effectRef>
+      <a:fontRef idx="minor">
+        <a:schemeClr val="lt1"/>
+      </a:fontRef>
+    </dgm:style>
+  </dgm:styleLbl>
+  <dgm:styleLbl name="parChTrans1D1">
+    <dgm:scene3d>
+      <a:camera prst="orthographicFront"/>
+      <a:lightRig rig="threePt" dir="t"/>
+    </dgm:scene3d>
+    <dgm:sp3d/>
+    <dgm:txPr/>
+    <dgm:style>
+      <a:lnRef idx="2">
+        <a:scrgbClr r="0" g="0" b="0"/>
+      </a:lnRef>
+      <a:fillRef idx="0">
+        <a:scrgbClr r="0" g="0" b="0"/>
+      </a:fillRef>
+      <a:effectRef idx="0">
+        <a:scrgbClr r="0" g="0" b="0"/>
+      </a:effectRef>
+      <a:fontRef idx="minor"/>
+    </dgm:style>
+  </dgm:styleLbl>
+  <dgm:styleLbl name="parChTrans1D2">
+    <dgm:scene3d>
+      <a:camera prst="orthographicFront"/>
+      <a:lightRig rig="threePt" dir="t"/>
+    </dgm:scene3d>
+    <dgm:sp3d/>
+    <dgm:txPr/>
+    <dgm:style>
+      <a:lnRef idx="2">
+        <a:scrgbClr r="0" g="0" b="0"/>
+      </a:lnRef>
+      <a:fillRef idx="0">
+        <a:scrgbClr r="0" g="0" b="0"/>
+      </a:fillRef>
+      <a:effectRef idx="0">
+        <a:scrgbClr r="0" g="0" b="0"/>
+      </a:effectRef>
+      <a:fontRef idx="minor"/>
+    </dgm:style>
+  </dgm:styleLbl>
+  <dgm:styleLbl name="parChTrans1D3">
+    <dgm:scene3d>
+      <a:camera prst="orthographicFront"/>
+      <a:lightRig rig="threePt" dir="t"/>
+    </dgm:scene3d>
+    <dgm:sp3d/>
+    <dgm:txPr/>
+    <dgm:style>
+      <a:lnRef idx="2">
+        <a:scrgbClr r="0" g="0" b="0"/>
+      </a:lnRef>
+      <a:fillRef idx="0">
+        <a:scrgbClr r="0" g="0" b="0"/>
+      </a:fillRef>
+      <a:effectRef idx="0">
+        <a:scrgbClr r="0" g="0" b="0"/>
+      </a:effectRef>
+      <a:fontRef idx="minor"/>
+    </dgm:style>
+  </dgm:styleLbl>
+  <dgm:styleLbl name="parChTrans1D4">
+    <dgm:scene3d>
+      <a:camera prst="orthographicFront"/>
+      <a:lightRig rig="threePt" dir="t"/>
+    </dgm:scene3d>
+    <dgm:sp3d/>
+    <dgm:txPr/>
+    <dgm:style>
+      <a:lnRef idx="2">
+        <a:scrgbClr r="0" g="0" b="0"/>
+      </a:lnRef>
+      <a:fillRef idx="0">
+        <a:scrgbClr r="0" g="0" b="0"/>
+      </a:fillRef>
+      <a:effectRef idx="0">
+        <a:scrgbClr r="0" g="0" b="0"/>
+      </a:effectRef>
+      <a:fontRef idx="minor"/>
+    </dgm:style>
+  </dgm:styleLbl>
+  <dgm:styleLbl name="fgAcc1">
+    <dgm:scene3d>
+      <a:camera prst="orthographicFront"/>
+      <a:lightRig rig="threePt" dir="t"/>
+    </dgm:scene3d>
+    <dgm:sp3d/>
+    <dgm:txPr/>
+    <dgm:style>
+      <a:lnRef idx="2">
+        <a:scrgbClr r="0" g="0" b="0"/>
+      </a:lnRef>
+      <a:fillRef idx="1">
+        <a:scrgbClr r="0" g="0" b="0"/>
+      </a:fillRef>
+      <a:effectRef idx="0">
+        <a:scrgbClr r="0" g="0" b="0"/>
+      </a:effectRef>
+      <a:fontRef idx="minor"/>
+    </dgm:style>
+  </dgm:styleLbl>
+  <dgm:styleLbl name="conFgAcc1">
+    <dgm:scene3d>
+      <a:camera prst="orthographicFront"/>
+      <a:lightRig rig="threePt" dir="t"/>
+    </dgm:scene3d>
+    <dgm:sp3d/>
+    <dgm:txPr/>
+    <dgm:style>
+      <a:lnRef idx="2">
+        <a:scrgbClr r="0" g="0" b="0"/>
+      </a:lnRef>
+      <a:fillRef idx="1">
+        <a:scrgbClr r="0" g="0" b="0"/>
+      </a:fillRef>
+      <a:effectRef idx="0">
+        <a:scrgbClr r="0" g="0" b="0"/>
+      </a:effectRef>
+      <a:fontRef idx="minor"/>
+    </dgm:style>
+  </dgm:styleLbl>
+  <dgm:styleLbl name="alignAcc1">
+    <dgm:scene3d>
+      <a:camera prst="orthographicFront"/>
+      <a:lightRig rig="threePt" dir="t"/>
+    </dgm:scene3d>
+    <dgm:sp3d/>
+    <dgm:txPr/>
+    <dgm:style>
+      <a:lnRef idx="2">
+        <a:scrgbClr r="0" g="0" b="0"/>
+      </a:lnRef>
+      <a:fillRef idx="1">
+        <a:scrgbClr r="0" g="0" b="0"/>
+      </a:fillRef>
+      <a:effectRef idx="0">
+        <a:scrgbClr r="0" g="0" b="0"/>
+      </a:effectRef>
+      <a:fontRef idx="minor"/>
+    </dgm:style>
+  </dgm:styleLbl>
+  <dgm:styleLbl name="trAlignAcc1">
+    <dgm:scene3d>
+      <a:camera prst="orthographicFront"/>
+      <a:lightRig rig="threePt" dir="t"/>
+    </dgm:scene3d>
+    <dgm:sp3d/>
+    <dgm:txPr/>
+    <dgm:style>
+      <a:lnRef idx="1">
+        <a:scrgbClr r="0" g="0" b="0"/>
+      </a:lnRef>
+      <a:fillRef idx="1">
+        <a:scrgbClr r="0" g="0" b="0"/>
+      </a:fillRef>
+      <a:effectRef idx="0">
+        <a:scrgbClr r="0" g="0" b="0"/>
+      </a:effectRef>
+      <a:fontRef idx="minor"/>
+    </dgm:style>
+  </dgm:styleLbl>
+  <dgm:styleLbl name="bgAcc1">
+    <dgm:scene3d>
+      <a:camera prst="orthographicFront"/>
+      <a:lightRig rig="threePt" dir="t"/>
+    </dgm:scene3d>
+    <dgm:sp3d/>
+    <dgm:txPr/>
+    <dgm:style>
+      <a:lnRef idx="2">
+        <a:scrgbClr r="0" g="0" b="0"/>
+      </a:lnRef>
+      <a:fillRef idx="1">
+        <a:scrgbClr r="0" g="0" b="0"/>
+      </a:fillRef>
+      <a:effectRef idx="0">
+        <a:scrgbClr r="0" g="0" b="0"/>
+      </a:effectRef>
+      <a:fontRef idx="minor"/>
+    </dgm:style>
+  </dgm:styleLbl>
+  <dgm:styleLbl name="solidFgAcc1">
+    <dgm:scene3d>
+      <a:camera prst="orthographicFront"/>
+      <a:lightRig rig="threePt" dir="t"/>
+    </dgm:scene3d>
+    <dgm:sp3d/>
+    <dgm:txPr/>
+    <dgm:style>
+      <a:lnRef idx="2">
+        <a:scrgbClr r="0" g="0" b="0"/>
+      </a:lnRef>
+      <a:fillRef idx="1">
+        <a:scrgbClr r="0" g="0" b="0"/>
+      </a:fillRef>
+      <a:effectRef idx="0">
+        <a:scrgbClr r="0" g="0" b="0"/>
+      </a:effectRef>
+      <a:fontRef idx="minor"/>
+    </dgm:style>
+  </dgm:styleLbl>
+  <dgm:styleLbl name="solidAlignAcc1">
+    <dgm:scene3d>
+      <a:camera prst="orthographicFront"/>
+      <a:lightRig rig="threePt" dir="t"/>
+    </dgm:scene3d>
+    <dgm:sp3d/>
+    <dgm:txPr/>
+    <dgm:style>
+      <a:lnRef idx="2">
+        <a:scrgbClr r="0" g="0" b="0"/>
+      </a:lnRef>
+      <a:fillRef idx="1">
+        <a:scrgbClr r="0" g="0" b="0"/>
+      </a:fillRef>
+      <a:effectRef idx="0">
+        <a:scrgbClr r="0" g="0" b="0"/>
+      </a:effectRef>
+      <a:fontRef idx="minor"/>
+    </dgm:style>
+  </dgm:styleLbl>
+  <dgm:styleLbl name="solidBgAcc1">
+    <dgm:scene3d>
+      <a:camera prst="orthographicFront"/>
+      <a:lightRig rig="threePt" dir="t"/>
+    </dgm:scene3d>
+    <dgm:sp3d/>
+    <dgm:txPr/>
+    <dgm:style>
+      <a:lnRef idx="2">
+        <a:scrgbClr r="0" g="0" b="0"/>
+      </a:lnRef>
+      <a:fillRef idx="1">
+        <a:scrgbClr r="0" g="0" b="0"/>
+      </a:fillRef>
+      <a:effectRef idx="0">
+        <a:scrgbClr r="0" g="0" b="0"/>
+      </a:effectRef>
+      <a:fontRef idx="minor"/>
+    </dgm:style>
+  </dgm:styleLbl>
+  <dgm:styleLbl name="fgAccFollowNode1">
+    <dgm:scene3d>
+      <a:camera prst="orthographicFront"/>
+      <a:lightRig rig="threePt" dir="t"/>
+    </dgm:scene3d>
+    <dgm:sp3d/>
+    <dgm:txPr/>
+    <dgm:style>
+      <a:lnRef idx="2">
+        <a:scrgbClr r="0" g="0" b="0"/>
+      </a:lnRef>
+      <a:fillRef idx="1">
+        <a:scrgbClr r="0" g="0" b="0"/>
+      </a:fillRef>
+      <a:effectRef idx="0">
+        <a:scrgbClr r="0" g="0" b="0"/>
+      </a:effectRef>
+      <a:fontRef idx="minor"/>
+    </dgm:style>
+  </dgm:styleLbl>
+  <dgm:styleLbl name="alignAccFollowNode1">
+    <dgm:scene3d>
+      <a:camera prst="orthographicFront"/>
+      <a:lightRig rig="threePt" dir="t"/>
+    </dgm:scene3d>
+    <dgm:sp3d/>
+    <dgm:txPr/>
+    <dgm:style>
+      <a:lnRef idx="2">
+        <a:scrgbClr r="0" g="0" b="0"/>
+      </a:lnRef>
+      <a:fillRef idx="1">
+        <a:scrgbClr r="0" g="0" b="0"/>
+      </a:fillRef>
+      <a:effectRef idx="0">
+        <a:scrgbClr r="0" g="0" b="0"/>
+      </a:effectRef>
+      <a:fontRef idx="minor"/>
+    </dgm:style>
+  </dgm:styleLbl>
+  <dgm:styleLbl name="bgAccFollowNode1">
+    <dgm:scene3d>
+      <a:camera prst="orthographicFront"/>
+      <a:lightRig rig="threePt" dir="t"/>
+    </dgm:scene3d>
+    <dgm:sp3d/>
+    <dgm:txPr/>
+    <dgm:style>
+      <a:lnRef idx="2">
+        <a:scrgbClr r="0" g="0" b="0"/>
+      </a:lnRef>
+      <a:fillRef idx="1">
+        <a:scrgbClr r="0" g="0" b="0"/>
+      </a:fillRef>
+      <a:effectRef idx="0">
+        <a:scrgbClr r="0" g="0" b="0"/>
+      </a:effectRef>
+      <a:fontRef idx="minor"/>
+    </dgm:style>
+  </dgm:styleLbl>
+  <dgm:styleLbl name="fgAcc0">
+    <dgm:scene3d>
+      <a:camera prst="orthographicFront"/>
+      <a:lightRig rig="threePt" dir="t"/>
+    </dgm:scene3d>
+    <dgm:sp3d/>
+    <dgm:txPr/>
+    <dgm:style>
+      <a:lnRef idx="2">
+        <a:scrgbClr r="0" g="0" b="0"/>
+      </a:lnRef>
+      <a:fillRef idx="1">
+        <a:scrgbClr r="0" g="0" b="0"/>
+      </a:fillRef>
+      <a:effectRef idx="0">
+        <a:scrgbClr r="0" g="0" b="0"/>
+      </a:effectRef>
+      <a:fontRef idx="minor"/>
+    </dgm:style>
+  </dgm:styleLbl>
+  <dgm:styleLbl name="fgAcc2">
+    <dgm:scene3d>
+      <a:camera prst="orthographicFront"/>
+      <a:lightRig rig="threePt" dir="t"/>
+    </dgm:scene3d>
+    <dgm:sp3d/>
+    <dgm:txPr/>
+    <dgm:style>
+      <a:lnRef idx="2">
+        <a:scrgbClr r="0" g="0" b="0"/>
+      </a:lnRef>
+      <a:fillRef idx="1">
+        <a:scrgbClr r="0" g="0" b="0"/>
+      </a:fillRef>
+      <a:effectRef idx="0">
+        <a:scrgbClr r="0" g="0" b="0"/>
+      </a:effectRef>
+      <a:fontRef idx="minor"/>
+    </dgm:style>
+  </dgm:styleLbl>
+  <dgm:styleLbl name="fgAcc3">
+    <dgm:scene3d>
+      <a:camera prst="orthographicFront"/>
+      <a:lightRig rig="threePt" dir="t"/>
+    </dgm:scene3d>
+    <dgm:sp3d/>
+    <dgm:txPr/>
+    <dgm:style>
+      <a:lnRef idx="2">
+        <a:scrgbClr r="0" g="0" b="0"/>
+      </a:lnRef>
+      <a:fillRef idx="1">
+        <a:scrgbClr r="0" g="0" b="0"/>
+      </a:fillRef>
+      <a:effectRef idx="0">
+        <a:scrgbClr r="0" g="0" b="0"/>
+      </a:effectRef>
+      <a:fontRef idx="minor"/>
+    </dgm:style>
+  </dgm:styleLbl>
+  <dgm:styleLbl name="fgAcc4">
+    <dgm:scene3d>
+      <a:camera prst="orthographicFront"/>
+      <a:lightRig rig="threePt" dir="t"/>
+    </dgm:scene3d>
+    <dgm:sp3d/>
+    <dgm:txPr/>
+    <dgm:style>
+      <a:lnRef idx="2">
+        <a:scrgbClr r="0" g="0" b="0"/>
+      </a:lnRef>
+      <a:fillRef idx="1">
+        <a:scrgbClr r="0" g="0" b="0"/>
+      </a:fillRef>
+      <a:effectRef idx="0">
+        <a:scrgbClr r="0" g="0" b="0"/>
+      </a:effectRef>
+      <a:fontRef idx="minor"/>
+    </dgm:style>
+  </dgm:styleLbl>
+  <dgm:styleLbl name="bgShp">
+    <dgm:scene3d>
+      <a:camera prst="orthographicFront"/>
+      <a:lightRig rig="threePt" dir="t"/>
+    </dgm:scene3d>
+    <dgm:sp3d/>
+    <dgm:txPr/>
+    <dgm:style>
+      <a:lnRef idx="0">
+        <a:scrgbClr r="0" g="0" b="0"/>
+      </a:lnRef>
+      <a:fillRef idx="1">
+        <a:scrgbClr r="0" g="0" b="0"/>
+      </a:fillRef>
+      <a:effectRef idx="0">
+        <a:scrgbClr r="0" g="0" b="0"/>
+      </a:effectRef>
+      <a:fontRef idx="minor"/>
+    </dgm:style>
+  </dgm:styleLbl>
+  <dgm:styleLbl name="dkBgShp">
+    <dgm:scene3d>
+      <a:camera prst="orthographicFront"/>
+      <a:lightRig rig="threePt" dir="t"/>
+    </dgm:scene3d>
+    <dgm:sp3d/>
+    <dgm:txPr/>
+    <dgm:style>
+      <a:lnRef idx="0">
+        <a:scrgbClr r="0" g="0" b="0"/>
+      </a:lnRef>
+      <a:fillRef idx="1">
+        <a:scrgbClr r="0" g="0" b="0"/>
+      </a:fillRef>
+      <a:effectRef idx="0">
+        <a:scrgbClr r="0" g="0" b="0"/>
+      </a:effectRef>
+      <a:fontRef idx="minor"/>
+    </dgm:style>
+  </dgm:styleLbl>
+  <dgm:styleLbl name="trBgShp">
+    <dgm:scene3d>
+      <a:camera prst="orthographicFront"/>
+      <a:lightRig rig="threePt" dir="t"/>
+    </dgm:scene3d>
+    <dgm:sp3d/>
+    <dgm:txPr/>
+    <dgm:style>
+      <a:lnRef idx="0">
+        <a:scrgbClr r="0" g="0" b="0"/>
+      </a:lnRef>
+      <a:fillRef idx="1">
+        <a:scrgbClr r="0" g="0" b="0"/>
+      </a:fillRef>
+      <a:effectRef idx="0">
+        <a:scrgbClr r="0" g="0" b="0"/>
+      </a:effectRef>
+      <a:fontRef idx="minor"/>
+    </dgm:style>
+  </dgm:styleLbl>
+  <dgm:styleLbl name="fgShp">
+    <dgm:scene3d>
+      <a:camera prst="orthographicFront"/>
+      <a:lightRig rig="threePt" dir="t"/>
+    </dgm:scene3d>
+    <dgm:sp3d/>
+    <dgm:txPr/>
+    <dgm:style>
+      <a:lnRef idx="2">
+        <a:scrgbClr r="0" g="0" b="0"/>
+      </a:lnRef>
+      <a:fillRef idx="1">
+        <a:scrgbClr r="0" g="0" b="0"/>
+      </a:fillRef>
+      <a:effectRef idx="0">
+        <a:scrgbClr r="0" g="0" b="0"/>
+      </a:effectRef>
+      <a:fontRef idx="minor"/>
+    </dgm:style>
+  </dgm:styleLbl>
+  <dgm:styleLbl name="revTx">
+    <dgm:scene3d>
+      <a:camera prst="orthographicFront"/>
+      <a:lightRig rig="threePt" dir="t"/>
+    </dgm:scene3d>
+    <dgm:sp3d/>
+    <dgm:txPr/>
+    <dgm:style>
+      <a:lnRef idx="0">
+        <a:scrgbClr r="0" g="0" b="0"/>
+      </a:lnRef>
+      <a:fillRef idx="0">
+        <a:scrgbClr r="0" g="0" b="0"/>
+      </a:fillRef>
+      <a:effectRef idx="0">
+        <a:scrgbClr r="0" g="0" b="0"/>
+      </a:effectRef>
+      <a:fontRef idx="minor"/>
+    </dgm:style>
+  </dgm:styleLbl>
+</dgm:styleDef>
+</file>
+
 <file path=ppt/diagrams/quickStyle2.xml><?xml version="1.0" encoding="utf-8"?>
 <dgm:styleDef xmlns:dgm="http://schemas.openxmlformats.org/drawingml/2006/diagram" xmlns:a="http://schemas.openxmlformats.org/drawingml/2006/main" uniqueId="urn:microsoft.com/office/officeart/2005/8/quickstyle/simple1">
   <dgm:title val=""/>
@@ -31002,7 +33490,7 @@
           <a:p>
             <a:fld id="{758B186F-0B28-4FD4-AB02-ABE5A9BA43A3}" type="datetimeFigureOut">
               <a:rPr lang="en-US" smtClean="0"/>
-              <a:t>4/5/2021</a:t>
+              <a:t>4/16/2021</a:t>
             </a:fld>
             <a:endParaRPr lang="en-US"/>
           </a:p>
@@ -31200,7 +33688,7 @@
           <a:p>
             <a:fld id="{758B186F-0B28-4FD4-AB02-ABE5A9BA43A3}" type="datetimeFigureOut">
               <a:rPr lang="en-US" smtClean="0"/>
-              <a:t>4/5/2021</a:t>
+              <a:t>4/16/2021</a:t>
             </a:fld>
             <a:endParaRPr lang="en-US"/>
           </a:p>
@@ -31408,7 +33896,7 @@
           <a:p>
             <a:fld id="{758B186F-0B28-4FD4-AB02-ABE5A9BA43A3}" type="datetimeFigureOut">
               <a:rPr lang="en-US" smtClean="0"/>
-              <a:t>4/5/2021</a:t>
+              <a:t>4/16/2021</a:t>
             </a:fld>
             <a:endParaRPr lang="en-US"/>
           </a:p>
@@ -31606,7 +34094,7 @@
           <a:p>
             <a:fld id="{758B186F-0B28-4FD4-AB02-ABE5A9BA43A3}" type="datetimeFigureOut">
               <a:rPr lang="en-US" smtClean="0"/>
-              <a:t>4/5/2021</a:t>
+              <a:t>4/16/2021</a:t>
             </a:fld>
             <a:endParaRPr lang="en-US"/>
           </a:p>
@@ -31881,7 +34369,7 @@
           <a:p>
             <a:fld id="{758B186F-0B28-4FD4-AB02-ABE5A9BA43A3}" type="datetimeFigureOut">
               <a:rPr lang="en-US" smtClean="0"/>
-              <a:t>4/5/2021</a:t>
+              <a:t>4/16/2021</a:t>
             </a:fld>
             <a:endParaRPr lang="en-US"/>
           </a:p>
@@ -32146,7 +34634,7 @@
           <a:p>
             <a:fld id="{758B186F-0B28-4FD4-AB02-ABE5A9BA43A3}" type="datetimeFigureOut">
               <a:rPr lang="en-US" smtClean="0"/>
-              <a:t>4/5/2021</a:t>
+              <a:t>4/16/2021</a:t>
             </a:fld>
             <a:endParaRPr lang="en-US"/>
           </a:p>
@@ -32558,7 +35046,7 @@
           <a:p>
             <a:fld id="{758B186F-0B28-4FD4-AB02-ABE5A9BA43A3}" type="datetimeFigureOut">
               <a:rPr lang="en-US" smtClean="0"/>
-              <a:t>4/5/2021</a:t>
+              <a:t>4/16/2021</a:t>
             </a:fld>
             <a:endParaRPr lang="en-US"/>
           </a:p>
@@ -32699,7 +35187,7 @@
           <a:p>
             <a:fld id="{758B186F-0B28-4FD4-AB02-ABE5A9BA43A3}" type="datetimeFigureOut">
               <a:rPr lang="en-US" smtClean="0"/>
-              <a:t>4/5/2021</a:t>
+              <a:t>4/16/2021</a:t>
             </a:fld>
             <a:endParaRPr lang="en-US"/>
           </a:p>
@@ -32812,7 +35300,7 @@
           <a:p>
             <a:fld id="{758B186F-0B28-4FD4-AB02-ABE5A9BA43A3}" type="datetimeFigureOut">
               <a:rPr lang="en-US" smtClean="0"/>
-              <a:t>4/5/2021</a:t>
+              <a:t>4/16/2021</a:t>
             </a:fld>
             <a:endParaRPr lang="en-US"/>
           </a:p>
@@ -33123,7 +35611,7 @@
           <a:p>
             <a:fld id="{758B186F-0B28-4FD4-AB02-ABE5A9BA43A3}" type="datetimeFigureOut">
               <a:rPr lang="en-US" smtClean="0"/>
-              <a:t>4/5/2021</a:t>
+              <a:t>4/16/2021</a:t>
             </a:fld>
             <a:endParaRPr lang="en-US"/>
           </a:p>
@@ -33411,7 +35899,7 @@
           <a:p>
             <a:fld id="{758B186F-0B28-4FD4-AB02-ABE5A9BA43A3}" type="datetimeFigureOut">
               <a:rPr lang="en-US" smtClean="0"/>
-              <a:t>4/5/2021</a:t>
+              <a:t>4/16/2021</a:t>
             </a:fld>
             <a:endParaRPr lang="en-US"/>
           </a:p>
@@ -33652,7 +36140,7 @@
           <a:p>
             <a:fld id="{758B186F-0B28-4FD4-AB02-ABE5A9BA43A3}" type="datetimeFigureOut">
               <a:rPr lang="en-US" smtClean="0"/>
-              <a:t>4/5/2021</a:t>
+              <a:t>4/16/2021</a:t>
             </a:fld>
             <a:endParaRPr lang="en-US"/>
           </a:p>
@@ -34649,7 +37137,7 @@
             <p:ph idx="1"/>
             <p:extLst>
               <p:ext uri="{D42A27DB-BD31-4B8C-83A1-F6EECF244321}">
-                <p14:modId xmlns:p14="http://schemas.microsoft.com/office/powerpoint/2010/main" val="1510581323"/>
+                <p14:modId xmlns:p14="http://schemas.microsoft.com/office/powerpoint/2010/main" val="1276539139"/>
               </p:ext>
             </p:extLst>
           </p:nvPr>
@@ -34888,13 +37376,13 @@
             <p:ph idx="1"/>
             <p:extLst>
               <p:ext uri="{D42A27DB-BD31-4B8C-83A1-F6EECF244321}">
-                <p14:modId xmlns:p14="http://schemas.microsoft.com/office/powerpoint/2010/main" val="3281046073"/>
+                <p14:modId xmlns:p14="http://schemas.microsoft.com/office/powerpoint/2010/main" val="3074090773"/>
               </p:ext>
             </p:extLst>
           </p:nvPr>
         </p:nvGraphicFramePr>
         <p:xfrm>
-          <a:off x="233362" y="1551504"/>
+          <a:off x="223837" y="1294329"/>
           <a:ext cx="11268076" cy="4860926"/>
         </p:xfrm>
         <a:graphic>
@@ -34932,7 +37420,11 @@
           <a:lstStyle/>
           <a:p>
             <a:r>
-              <a:rPr lang="en-US" dirty="0"/>
+              <a:rPr lang="en-US" dirty="0">
+                <a:solidFill>
+                  <a:schemeClr val="bg1"/>
+                </a:solidFill>
+              </a:rPr>
               <a:t>Horizon 1</a:t>
             </a:r>
           </a:p>
@@ -34967,7 +37459,11 @@
           <a:lstStyle/>
           <a:p>
             <a:r>
-              <a:rPr lang="en-US" dirty="0"/>
+              <a:rPr lang="en-US" dirty="0">
+                <a:solidFill>
+                  <a:schemeClr val="bg1"/>
+                </a:solidFill>
+              </a:rPr>
               <a:t>Horizon 2</a:t>
             </a:r>
           </a:p>
@@ -35002,12 +37498,44 @@
           <a:lstStyle/>
           <a:p>
             <a:r>
-              <a:rPr lang="en-US" dirty="0"/>
+              <a:rPr lang="en-US" dirty="0">
+                <a:solidFill>
+                  <a:schemeClr val="bg1"/>
+                </a:solidFill>
+              </a:rPr>
               <a:t>Horizon 3</a:t>
             </a:r>
           </a:p>
         </p:txBody>
       </p:sp>
+      <p:graphicFrame>
+        <p:nvGraphicFramePr>
+          <p:cNvPr id="3" name="Diagram 2">
+            <a:extLst>
+              <a:ext uri="{FF2B5EF4-FFF2-40B4-BE49-F238E27FC236}">
+                <a16:creationId xmlns:a16="http://schemas.microsoft.com/office/drawing/2014/main" id="{1BE4BF5B-ACD3-4FA9-8301-AC0F98500537}"/>
+              </a:ext>
+            </a:extLst>
+          </p:cNvPr>
+          <p:cNvGraphicFramePr/>
+          <p:nvPr>
+            <p:extLst>
+              <p:ext uri="{D42A27DB-BD31-4B8C-83A1-F6EECF244321}">
+                <p14:modId xmlns:p14="http://schemas.microsoft.com/office/powerpoint/2010/main" val="3265747861"/>
+              </p:ext>
+            </p:extLst>
+          </p:nvPr>
+        </p:nvGraphicFramePr>
+        <p:xfrm>
+          <a:off x="838200" y="6338442"/>
+          <a:ext cx="10515600" cy="369332"/>
+        </p:xfrm>
+        <a:graphic>
+          <a:graphicData uri="http://schemas.openxmlformats.org/drawingml/2006/diagram">
+            <dgm:relIds xmlns:dgm="http://schemas.openxmlformats.org/drawingml/2006/diagram" xmlns:r="http://schemas.openxmlformats.org/officeDocument/2006/relationships" r:dm="rId7" r:lo="rId8" r:qs="rId9" r:cs="rId10"/>
+          </a:graphicData>
+        </a:graphic>
+      </p:graphicFrame>
     </p:spTree>
     <p:extLst>
       <p:ext uri="{BB962C8B-B14F-4D97-AF65-F5344CB8AC3E}">
